--- a/Slides/Lecture 12-2.pptx
+++ b/Slides/Lecture 12-2.pptx
@@ -235,7 +235,7 @@
             <a:fld id="{9D758337-D373-401A-892D-7766A648A3F5}" type="datetimeFigureOut">
               <a:rPr lang="en-US" smtClean="0"/>
               <a:pPr/>
-              <a:t>2/13/2019</a:t>
+              <a:t>3/22/19</a:t>
             </a:fld>
             <a:endParaRPr lang="en-US"/>
           </a:p>
@@ -299,38 +299,37 @@
           <a:p>
             <a:pPr lvl="0"/>
             <a:r>
-              <a:rPr lang="en-US" smtClean="0"/>
+              <a:rPr lang="en-US"/>
               <a:t>Click to edit Master text styles</a:t>
             </a:r>
           </a:p>
           <a:p>
             <a:pPr lvl="1"/>
             <a:r>
-              <a:rPr lang="en-US" smtClean="0"/>
+              <a:rPr lang="en-US"/>
               <a:t>Second level</a:t>
             </a:r>
           </a:p>
           <a:p>
             <a:pPr lvl="2"/>
             <a:r>
-              <a:rPr lang="en-US" smtClean="0"/>
+              <a:rPr lang="en-US"/>
               <a:t>Third level</a:t>
             </a:r>
           </a:p>
           <a:p>
             <a:pPr lvl="3"/>
             <a:r>
-              <a:rPr lang="en-US" smtClean="0"/>
+              <a:rPr lang="en-US"/>
               <a:t>Fourth level</a:t>
             </a:r>
           </a:p>
           <a:p>
             <a:pPr lvl="4"/>
             <a:r>
-              <a:rPr lang="en-US" smtClean="0"/>
+              <a:rPr lang="en-US"/>
               <a:t>Fifth level</a:t>
             </a:r>
-            <a:endParaRPr lang="en-US"/>
           </a:p>
         </p:txBody>
       </p:sp>
@@ -566,7 +565,7 @@
               <a:defRPr/>
             </a:pPr>
             <a:r>
-              <a:rPr lang="en-US" baseline="0" dirty="0" smtClean="0"/>
+              <a:rPr lang="en-US" baseline="0" dirty="0"/>
               <a:t>RNNs are supervised, so once you have your predictions y, you compare them to your correct label for the sequence. For a classification problem, you use something like categorical cross entropy, and you get a cost. You then take the gradient of the cost w.r.t. the parameters to figure out how to update your parameters. </a:t>
             </a:r>
           </a:p>
@@ -656,7 +655,7 @@
           <a:lstStyle/>
           <a:p>
             <a:r>
-              <a:rPr lang="en-US" baseline="0" dirty="0" smtClean="0"/>
+              <a:rPr lang="en-US" baseline="0" dirty="0"/>
               <a:t>So, where do the magic gates come from? Why, we multiply some input vectors by weights and apply the sigmoid function, of course! The forget gate gets one set of weights…</a:t>
             </a:r>
           </a:p>
@@ -743,7 +742,7 @@
           <a:lstStyle/>
           <a:p>
             <a:r>
-              <a:rPr lang="en-US" baseline="0" dirty="0" smtClean="0"/>
+              <a:rPr lang="en-US" baseline="0" dirty="0"/>
               <a:t>And the input gate gets a different set. </a:t>
             </a:r>
           </a:p>
@@ -847,7 +846,7 @@
               <a:defRPr/>
             </a:pPr>
             <a:r>
-              <a:rPr lang="en-US" baseline="0" dirty="0" smtClean="0"/>
+              <a:rPr lang="en-US" baseline="0" dirty="0"/>
               <a:t>Finally, we apply a non-linearity to our memory cell, c1, and pass that through the output gate to give us h1</a:t>
             </a:r>
           </a:p>
@@ -951,14 +950,14 @@
               <a:defRPr/>
             </a:pPr>
             <a:r>
-              <a:rPr lang="en-US" baseline="0" dirty="0" smtClean="0"/>
+              <a:rPr lang="en-US" baseline="0" dirty="0"/>
               <a:t>Now, we can line these up like we did with the regular RNN and start </a:t>
             </a:r>
             <a:r>
-              <a:rPr lang="en-US" baseline="0" smtClean="0"/>
+              <a:rPr lang="en-US" baseline="0"/>
               <a:t>processing sequences</a:t>
             </a:r>
-            <a:endParaRPr lang="en-US" baseline="0" dirty="0" smtClean="0"/>
+            <a:endParaRPr lang="en-US" baseline="0" dirty="0"/>
           </a:p>
         </p:txBody>
       </p:sp>
@@ -1295,11 +1294,11 @@
           <a:lstStyle/>
           <a:p>
             <a:r>
-              <a:rPr lang="en-US" dirty="0" smtClean="0"/>
+              <a:rPr lang="en-US" dirty="0"/>
               <a:t>Start</a:t>
             </a:r>
             <a:r>
-              <a:rPr lang="en-US" baseline="0" dirty="0" smtClean="0"/>
+              <a:rPr lang="en-US" baseline="0" dirty="0"/>
               <a:t> with the same basic structure as our RNN, but call the output vector u1 instead of h1. </a:t>
             </a:r>
             <a:endParaRPr lang="en-US" dirty="0"/>
@@ -1387,17 +1386,17 @@
           <a:lstStyle/>
           <a:p>
             <a:r>
-              <a:rPr lang="en-US" dirty="0" smtClean="0"/>
+              <a:rPr lang="en-US" dirty="0"/>
               <a:t>Now</a:t>
             </a:r>
             <a:r>
-              <a:rPr lang="en-US" baseline="0" dirty="0" smtClean="0"/>
+              <a:rPr lang="en-US" baseline="0" dirty="0"/>
               <a:t> we’re going to add another vector, c, which will be our memory cell. C0 is usually initialized to all 0s, and we’ll see how c is calculated for each time-step in a moment. </a:t>
             </a:r>
           </a:p>
           <a:p>
             <a:r>
-              <a:rPr lang="en-US" baseline="0" dirty="0" smtClean="0"/>
+              <a:rPr lang="en-US" baseline="0" dirty="0"/>
               <a:t>Basically, we’re going to want to somehow combine c0 with u1 to get c1. There’s a temptation to apply a set of weights to each and then apply some non-linear function, but that’s what got us into this mess, so let’s not do that. </a:t>
             </a:r>
             <a:endParaRPr lang="en-US" dirty="0"/>
@@ -1485,11 +1484,11 @@
           <a:lstStyle/>
           <a:p>
             <a:r>
-              <a:rPr lang="en-US" dirty="0" smtClean="0"/>
+              <a:rPr lang="en-US" dirty="0"/>
               <a:t>Instead, what we’re going to do is pass u1 through our input gate i1,</a:t>
             </a:r>
             <a:r>
-              <a:rPr lang="en-US" baseline="0" dirty="0" smtClean="0"/>
+              <a:rPr lang="en-US" baseline="0" dirty="0"/>
               <a:t> and pass c0 through our forget gate f1, and take their sum. When I say information is “passed through” a gate, I mean take the elementwise product of the input vector and the gate vector. </a:t>
             </a:r>
           </a:p>
@@ -1576,7 +1575,7 @@
           <a:lstStyle/>
           <a:p>
             <a:r>
-              <a:rPr lang="en-US" baseline="0" dirty="0" smtClean="0"/>
+              <a:rPr lang="en-US" baseline="0" dirty="0"/>
               <a:t>It’s a big deal that c is calculated using a linear function. </a:t>
             </a:r>
           </a:p>
@@ -1680,7 +1679,7 @@
               <a:defRPr/>
             </a:pPr>
             <a:r>
-              <a:rPr lang="en-US" baseline="0" dirty="0" smtClean="0"/>
+              <a:rPr lang="en-US" baseline="0" dirty="0"/>
               <a:t>The gate vector will have values from 0 to 1. A gate value of 0 is closed: it doesn’t let information pass through it. A gate value of 1 lets all of the information pass through it.</a:t>
             </a:r>
           </a:p>
@@ -1703,28 +1702,28 @@
               <a:defRPr/>
             </a:pPr>
             <a:r>
-              <a:rPr lang="en-US" baseline="0" dirty="0" smtClean="0"/>
+              <a:rPr lang="en-US" baseline="0" dirty="0"/>
               <a:t>At this first time step, the gates aren’t doing much, because we initialized c0 and h0 to vectors of zeros. But at the next time step, our gates give the network the option of treating the input c as a vector of zeros. So if </a:t>
             </a:r>
             <a:r>
-              <a:rPr lang="en-US" baseline="0" dirty="0" err="1" smtClean="0"/>
+              <a:rPr lang="en-US" baseline="0" dirty="0" err="1"/>
               <a:t>ct</a:t>
             </a:r>
             <a:r>
-              <a:rPr lang="en-US" baseline="0" dirty="0" smtClean="0"/>
+              <a:rPr lang="en-US" baseline="0" dirty="0"/>
               <a:t> is a memory of everything we’ve seen in the network up to time t, we can totally close our gate and use all 0s for </a:t>
             </a:r>
             <a:r>
-              <a:rPr lang="en-US" baseline="0" dirty="0" err="1" smtClean="0"/>
+              <a:rPr lang="en-US" baseline="0" dirty="0" err="1"/>
               <a:t>ct</a:t>
             </a:r>
             <a:r>
-              <a:rPr lang="en-US" baseline="0" dirty="0" smtClean="0"/>
+              <a:rPr lang="en-US" baseline="0" dirty="0"/>
               <a:t> at the next step – effectively forgetting everything and going back to our starting value for c. The gate vector will have values from 0 to 1. A gate value of 0 is closed: it doesn’t let information pass through it. A gate value of 1 lets all of the information pass through it.</a:t>
             </a:r>
           </a:p>
           <a:p>
-            <a:endParaRPr lang="en-US" baseline="0" dirty="0" smtClean="0"/>
+            <a:endParaRPr lang="en-US" baseline="0" dirty="0"/>
           </a:p>
         </p:txBody>
       </p:sp>
@@ -1829,10 +1828,9 @@
           </a:lstStyle>
           <a:p>
             <a:r>
-              <a:rPr lang="en-US" dirty="0" smtClean="0"/>
+              <a:rPr lang="en-US" dirty="0"/>
               <a:t>Click to edit Master title style</a:t>
             </a:r>
-            <a:endParaRPr lang="en-US" dirty="0"/>
           </a:p>
         </p:txBody>
       </p:sp>
@@ -1957,10 +1955,9 @@
           </a:lstStyle>
           <a:p>
             <a:r>
-              <a:rPr lang="en-US" dirty="0" smtClean="0"/>
+              <a:rPr lang="en-US" dirty="0"/>
               <a:t>Click to edit Master subtitle style</a:t>
             </a:r>
-            <a:endParaRPr lang="en-US" dirty="0"/>
           </a:p>
         </p:txBody>
       </p:sp>
@@ -2042,10 +2039,9 @@
           </a:lstStyle>
           <a:p>
             <a:r>
-              <a:rPr lang="en-US" dirty="0" smtClean="0"/>
+              <a:rPr lang="en-US" dirty="0"/>
               <a:t>Click to edit Master title style</a:t>
             </a:r>
-            <a:endParaRPr lang="en-US" dirty="0"/>
           </a:p>
         </p:txBody>
       </p:sp>
@@ -2170,10 +2166,9 @@
           </a:lstStyle>
           <a:p>
             <a:r>
-              <a:rPr lang="en-US" dirty="0" smtClean="0"/>
+              <a:rPr lang="en-US" dirty="0"/>
               <a:t>Click to edit Master subtitle style</a:t>
             </a:r>
-            <a:endParaRPr lang="en-US" dirty="0"/>
           </a:p>
         </p:txBody>
       </p:sp>
@@ -2248,10 +2243,9 @@
           </a:lstStyle>
           <a:p>
             <a:r>
-              <a:rPr lang="en-US" dirty="0" smtClean="0"/>
+              <a:rPr lang="en-US" dirty="0"/>
               <a:t>Click to edit Master title style</a:t>
             </a:r>
-            <a:endParaRPr lang="en-US" dirty="0"/>
           </a:p>
         </p:txBody>
       </p:sp>
@@ -2277,35 +2271,35 @@
           <a:p>
             <a:pPr lvl="0"/>
             <a:r>
-              <a:rPr lang="en-US" smtClean="0"/>
+              <a:rPr lang="en-US"/>
               <a:t>Click to edit Master text styles</a:t>
             </a:r>
           </a:p>
           <a:p>
             <a:pPr lvl="1"/>
             <a:r>
-              <a:rPr lang="en-US" smtClean="0"/>
+              <a:rPr lang="en-US"/>
               <a:t>Second level</a:t>
             </a:r>
           </a:p>
           <a:p>
             <a:pPr lvl="2"/>
             <a:r>
-              <a:rPr lang="en-US" smtClean="0"/>
+              <a:rPr lang="en-US"/>
               <a:t>Third level</a:t>
             </a:r>
           </a:p>
           <a:p>
             <a:pPr lvl="3"/>
             <a:r>
-              <a:rPr lang="en-US" smtClean="0"/>
+              <a:rPr lang="en-US"/>
               <a:t>Fourth level</a:t>
             </a:r>
           </a:p>
           <a:p>
             <a:pPr lvl="4"/>
             <a:r>
-              <a:rPr lang="en-US" smtClean="0"/>
+              <a:rPr lang="en-US"/>
               <a:t>Fifth level</a:t>
             </a:r>
             <a:endParaRPr lang="en-US" dirty="0"/>
@@ -2374,7 +2368,7 @@
           </a:lstStyle>
           <a:p>
             <a:r>
-              <a:rPr lang="en-US" smtClean="0"/>
+              <a:rPr lang="en-US"/>
               <a:t>Click to edit Master title style</a:t>
             </a:r>
             <a:endParaRPr lang="en-US" dirty="0"/>
@@ -2494,7 +2488,7 @@
           <a:p>
             <a:pPr lvl="0"/>
             <a:r>
-              <a:rPr lang="en-US" smtClean="0"/>
+              <a:rPr lang="en-US"/>
               <a:t>Click to edit Master text styles</a:t>
             </a:r>
           </a:p>
@@ -2564,7 +2558,7 @@
           </a:lstStyle>
           <a:p>
             <a:r>
-              <a:rPr lang="en-US" smtClean="0"/>
+              <a:rPr lang="en-US"/>
               <a:t>Click to edit Master title style</a:t>
             </a:r>
             <a:endParaRPr lang="en-US" dirty="0"/>
@@ -2639,35 +2633,35 @@
           <a:p>
             <a:pPr lvl="0"/>
             <a:r>
-              <a:rPr lang="en-US" smtClean="0"/>
+              <a:rPr lang="en-US"/>
               <a:t>Click to edit Master text styles</a:t>
             </a:r>
           </a:p>
           <a:p>
             <a:pPr lvl="1"/>
             <a:r>
-              <a:rPr lang="en-US" smtClean="0"/>
+              <a:rPr lang="en-US"/>
               <a:t>Second level</a:t>
             </a:r>
           </a:p>
           <a:p>
             <a:pPr lvl="2"/>
             <a:r>
-              <a:rPr lang="en-US" smtClean="0"/>
+              <a:rPr lang="en-US"/>
               <a:t>Third level</a:t>
             </a:r>
           </a:p>
           <a:p>
             <a:pPr lvl="3"/>
             <a:r>
-              <a:rPr lang="en-US" smtClean="0"/>
+              <a:rPr lang="en-US"/>
               <a:t>Fourth level</a:t>
             </a:r>
           </a:p>
           <a:p>
             <a:pPr lvl="4"/>
             <a:r>
-              <a:rPr lang="en-US" smtClean="0"/>
+              <a:rPr lang="en-US"/>
               <a:t>Fifth level</a:t>
             </a:r>
             <a:endParaRPr lang="en-US" dirty="0"/>
@@ -2742,35 +2736,35 @@
           <a:p>
             <a:pPr lvl="0"/>
             <a:r>
-              <a:rPr lang="en-US" smtClean="0"/>
+              <a:rPr lang="en-US"/>
               <a:t>Click to edit Master text styles</a:t>
             </a:r>
           </a:p>
           <a:p>
             <a:pPr lvl="1"/>
             <a:r>
-              <a:rPr lang="en-US" smtClean="0"/>
+              <a:rPr lang="en-US"/>
               <a:t>Second level</a:t>
             </a:r>
           </a:p>
           <a:p>
             <a:pPr lvl="2"/>
             <a:r>
-              <a:rPr lang="en-US" smtClean="0"/>
+              <a:rPr lang="en-US"/>
               <a:t>Third level</a:t>
             </a:r>
           </a:p>
           <a:p>
             <a:pPr lvl="3"/>
             <a:r>
-              <a:rPr lang="en-US" smtClean="0"/>
+              <a:rPr lang="en-US"/>
               <a:t>Fourth level</a:t>
             </a:r>
           </a:p>
           <a:p>
             <a:pPr lvl="4"/>
             <a:r>
-              <a:rPr lang="en-US" smtClean="0"/>
+              <a:rPr lang="en-US"/>
               <a:t>Fifth level</a:t>
             </a:r>
             <a:endParaRPr lang="en-US" dirty="0"/>
@@ -2841,7 +2835,7 @@
           </a:lstStyle>
           <a:p>
             <a:r>
-              <a:rPr lang="en-US" smtClean="0"/>
+              <a:rPr lang="en-US"/>
               <a:t>Click to edit Master title style</a:t>
             </a:r>
             <a:endParaRPr lang="en-US" dirty="0"/>
@@ -2916,7 +2910,7 @@
           <a:p>
             <a:pPr lvl="0"/>
             <a:r>
-              <a:rPr lang="en-US" smtClean="0"/>
+              <a:rPr lang="en-US"/>
               <a:t>Click to edit Master text styles</a:t>
             </a:r>
           </a:p>
@@ -2987,35 +2981,35 @@
           <a:p>
             <a:pPr lvl="0"/>
             <a:r>
-              <a:rPr lang="en-US" smtClean="0"/>
+              <a:rPr lang="en-US"/>
               <a:t>Click to edit Master text styles</a:t>
             </a:r>
           </a:p>
           <a:p>
             <a:pPr lvl="1"/>
             <a:r>
-              <a:rPr lang="en-US" smtClean="0"/>
+              <a:rPr lang="en-US"/>
               <a:t>Second level</a:t>
             </a:r>
           </a:p>
           <a:p>
             <a:pPr lvl="2"/>
             <a:r>
-              <a:rPr lang="en-US" smtClean="0"/>
+              <a:rPr lang="en-US"/>
               <a:t>Third level</a:t>
             </a:r>
           </a:p>
           <a:p>
             <a:pPr lvl="3"/>
             <a:r>
-              <a:rPr lang="en-US" smtClean="0"/>
+              <a:rPr lang="en-US"/>
               <a:t>Fourth level</a:t>
             </a:r>
           </a:p>
           <a:p>
             <a:pPr lvl="4"/>
             <a:r>
-              <a:rPr lang="en-US" smtClean="0"/>
+              <a:rPr lang="en-US"/>
               <a:t>Fifth level</a:t>
             </a:r>
             <a:endParaRPr lang="en-US" dirty="0"/>
@@ -3090,7 +3084,7 @@
           <a:p>
             <a:pPr lvl="0"/>
             <a:r>
-              <a:rPr lang="en-US" smtClean="0"/>
+              <a:rPr lang="en-US"/>
               <a:t>Click to edit Master text styles</a:t>
             </a:r>
           </a:p>
@@ -3161,35 +3155,35 @@
           <a:p>
             <a:pPr lvl="0"/>
             <a:r>
-              <a:rPr lang="en-US" smtClean="0"/>
+              <a:rPr lang="en-US"/>
               <a:t>Click to edit Master text styles</a:t>
             </a:r>
           </a:p>
           <a:p>
             <a:pPr lvl="1"/>
             <a:r>
-              <a:rPr lang="en-US" smtClean="0"/>
+              <a:rPr lang="en-US"/>
               <a:t>Second level</a:t>
             </a:r>
           </a:p>
           <a:p>
             <a:pPr lvl="2"/>
             <a:r>
-              <a:rPr lang="en-US" smtClean="0"/>
+              <a:rPr lang="en-US"/>
               <a:t>Third level</a:t>
             </a:r>
           </a:p>
           <a:p>
             <a:pPr lvl="3"/>
             <a:r>
-              <a:rPr lang="en-US" smtClean="0"/>
+              <a:rPr lang="en-US"/>
               <a:t>Fourth level</a:t>
             </a:r>
           </a:p>
           <a:p>
             <a:pPr lvl="4"/>
             <a:r>
-              <a:rPr lang="en-US" smtClean="0"/>
+              <a:rPr lang="en-US"/>
               <a:t>Fifth level</a:t>
             </a:r>
             <a:endParaRPr lang="en-US" dirty="0"/>
@@ -3260,7 +3254,7 @@
           </a:lstStyle>
           <a:p>
             <a:r>
-              <a:rPr lang="en-US" smtClean="0"/>
+              <a:rPr lang="en-US"/>
               <a:t>Click to edit Master title style</a:t>
             </a:r>
             <a:endParaRPr lang="en-US" dirty="0"/>
@@ -3361,7 +3355,7 @@
           </a:lstStyle>
           <a:p>
             <a:r>
-              <a:rPr lang="en-US" smtClean="0"/>
+              <a:rPr lang="en-US"/>
               <a:t>Click to edit Master title style</a:t>
             </a:r>
             <a:endParaRPr lang="en-US" dirty="0"/>
@@ -3436,35 +3430,35 @@
           <a:p>
             <a:pPr lvl="0"/>
             <a:r>
-              <a:rPr lang="en-US" smtClean="0"/>
+              <a:rPr lang="en-US"/>
               <a:t>Click to edit Master text styles</a:t>
             </a:r>
           </a:p>
           <a:p>
             <a:pPr lvl="1"/>
             <a:r>
-              <a:rPr lang="en-US" smtClean="0"/>
+              <a:rPr lang="en-US"/>
               <a:t>Second level</a:t>
             </a:r>
           </a:p>
           <a:p>
             <a:pPr lvl="2"/>
             <a:r>
-              <a:rPr lang="en-US" smtClean="0"/>
+              <a:rPr lang="en-US"/>
               <a:t>Third level</a:t>
             </a:r>
           </a:p>
           <a:p>
             <a:pPr lvl="3"/>
             <a:r>
-              <a:rPr lang="en-US" smtClean="0"/>
+              <a:rPr lang="en-US"/>
               <a:t>Fourth level</a:t>
             </a:r>
           </a:p>
           <a:p>
             <a:pPr lvl="4"/>
             <a:r>
-              <a:rPr lang="en-US" smtClean="0"/>
+              <a:rPr lang="en-US"/>
               <a:t>Fifth level</a:t>
             </a:r>
             <a:endParaRPr lang="en-US" dirty="0"/>
@@ -3536,7 +3530,7 @@
           <a:p>
             <a:pPr lvl="0"/>
             <a:r>
-              <a:rPr lang="en-US" smtClean="0"/>
+              <a:rPr lang="en-US"/>
               <a:t>Click to edit Master text styles</a:t>
             </a:r>
           </a:p>
@@ -3606,7 +3600,7 @@
           </a:lstStyle>
           <a:p>
             <a:r>
-              <a:rPr lang="en-US" smtClean="0"/>
+              <a:rPr lang="en-US"/>
               <a:t>Click to edit Master title style</a:t>
             </a:r>
             <a:endParaRPr lang="en-US" dirty="0"/>
@@ -3671,10 +3665,9 @@
           </a:lstStyle>
           <a:p>
             <a:r>
-              <a:rPr lang="en-US" smtClean="0"/>
+              <a:rPr lang="en-US"/>
               <a:t>Click icon to add picture</a:t>
             </a:r>
-            <a:endParaRPr lang="en-US"/>
           </a:p>
         </p:txBody>
       </p:sp>
@@ -3743,7 +3736,7 @@
           <a:p>
             <a:pPr lvl="0"/>
             <a:r>
-              <a:rPr lang="en-US" smtClean="0"/>
+              <a:rPr lang="en-US"/>
               <a:t>Click to edit Master text styles</a:t>
             </a:r>
           </a:p>
@@ -3827,10 +3820,9 @@
           </a:lstStyle>
           <a:p>
             <a:r>
-              <a:rPr lang="en-US" dirty="0" smtClean="0"/>
+              <a:rPr lang="en-US" dirty="0"/>
               <a:t>Click to edit Master title style</a:t>
             </a:r>
-            <a:endParaRPr lang="en-US" dirty="0"/>
           </a:p>
         </p:txBody>
       </p:sp>
@@ -3955,10 +3947,9 @@
           </a:lstStyle>
           <a:p>
             <a:r>
-              <a:rPr lang="en-US" dirty="0" smtClean="0"/>
+              <a:rPr lang="en-US" dirty="0"/>
               <a:t>Click to edit Master subtitle style</a:t>
             </a:r>
-            <a:endParaRPr lang="en-US" dirty="0"/>
           </a:p>
         </p:txBody>
       </p:sp>
@@ -4033,10 +4024,9 @@
           </a:lstStyle>
           <a:p>
             <a:r>
-              <a:rPr lang="en-US" dirty="0" smtClean="0"/>
+              <a:rPr lang="en-US" dirty="0"/>
               <a:t>Click to edit Master title style</a:t>
             </a:r>
-            <a:endParaRPr lang="en-US" dirty="0"/>
           </a:p>
         </p:txBody>
       </p:sp>
@@ -4062,35 +4052,35 @@
           <a:p>
             <a:pPr lvl="0"/>
             <a:r>
-              <a:rPr lang="en-US" smtClean="0"/>
+              <a:rPr lang="en-US"/>
               <a:t>Click to edit Master text styles</a:t>
             </a:r>
           </a:p>
           <a:p>
             <a:pPr lvl="1"/>
             <a:r>
-              <a:rPr lang="en-US" smtClean="0"/>
+              <a:rPr lang="en-US"/>
               <a:t>Second level</a:t>
             </a:r>
           </a:p>
           <a:p>
             <a:pPr lvl="2"/>
             <a:r>
-              <a:rPr lang="en-US" smtClean="0"/>
+              <a:rPr lang="en-US"/>
               <a:t>Third level</a:t>
             </a:r>
           </a:p>
           <a:p>
             <a:pPr lvl="3"/>
             <a:r>
-              <a:rPr lang="en-US" smtClean="0"/>
+              <a:rPr lang="en-US"/>
               <a:t>Fourth level</a:t>
             </a:r>
           </a:p>
           <a:p>
             <a:pPr lvl="4"/>
             <a:r>
-              <a:rPr lang="en-US" smtClean="0"/>
+              <a:rPr lang="en-US"/>
               <a:t>Fifth level</a:t>
             </a:r>
             <a:endParaRPr lang="en-US" dirty="0"/>
@@ -4168,10 +4158,9 @@
           </a:lstStyle>
           <a:p>
             <a:r>
-              <a:rPr lang="en-US" dirty="0" smtClean="0"/>
+              <a:rPr lang="en-US" dirty="0"/>
               <a:t>Click to edit Master title style</a:t>
             </a:r>
-            <a:endParaRPr lang="en-US" dirty="0"/>
           </a:p>
         </p:txBody>
       </p:sp>
@@ -4197,35 +4186,35 @@
           <a:p>
             <a:pPr lvl="0"/>
             <a:r>
-              <a:rPr lang="en-US" smtClean="0"/>
+              <a:rPr lang="en-US"/>
               <a:t>Click to edit Master text styles</a:t>
             </a:r>
           </a:p>
           <a:p>
             <a:pPr lvl="1"/>
             <a:r>
-              <a:rPr lang="en-US" smtClean="0"/>
+              <a:rPr lang="en-US"/>
               <a:t>Second level</a:t>
             </a:r>
           </a:p>
           <a:p>
             <a:pPr lvl="2"/>
             <a:r>
-              <a:rPr lang="en-US" smtClean="0"/>
+              <a:rPr lang="en-US"/>
               <a:t>Third level</a:t>
             </a:r>
           </a:p>
           <a:p>
             <a:pPr lvl="3"/>
             <a:r>
-              <a:rPr lang="en-US" smtClean="0"/>
+              <a:rPr lang="en-US"/>
               <a:t>Fourth level</a:t>
             </a:r>
           </a:p>
           <a:p>
             <a:pPr lvl="4"/>
             <a:r>
-              <a:rPr lang="en-US" smtClean="0"/>
+              <a:rPr lang="en-US"/>
               <a:t>Fifth level</a:t>
             </a:r>
             <a:endParaRPr lang="en-US" dirty="0"/>
@@ -4294,7 +4283,7 @@
           </a:lstStyle>
           <a:p>
             <a:r>
-              <a:rPr lang="en-US" smtClean="0"/>
+              <a:rPr lang="en-US"/>
               <a:t>Click to edit Master title style</a:t>
             </a:r>
             <a:endParaRPr lang="en-US" dirty="0"/>
@@ -4414,7 +4403,7 @@
           <a:p>
             <a:pPr lvl="0"/>
             <a:r>
-              <a:rPr lang="en-US" smtClean="0"/>
+              <a:rPr lang="en-US"/>
               <a:t>Click to edit Master text styles</a:t>
             </a:r>
           </a:p>
@@ -4484,7 +4473,7 @@
           </a:lstStyle>
           <a:p>
             <a:r>
-              <a:rPr lang="en-US" smtClean="0"/>
+              <a:rPr lang="en-US"/>
               <a:t>Click to edit Master title style</a:t>
             </a:r>
             <a:endParaRPr lang="en-US" dirty="0"/>
@@ -4559,35 +4548,35 @@
           <a:p>
             <a:pPr lvl="0"/>
             <a:r>
-              <a:rPr lang="en-US" smtClean="0"/>
+              <a:rPr lang="en-US"/>
               <a:t>Click to edit Master text styles</a:t>
             </a:r>
           </a:p>
           <a:p>
             <a:pPr lvl="1"/>
             <a:r>
-              <a:rPr lang="en-US" smtClean="0"/>
+              <a:rPr lang="en-US"/>
               <a:t>Second level</a:t>
             </a:r>
           </a:p>
           <a:p>
             <a:pPr lvl="2"/>
             <a:r>
-              <a:rPr lang="en-US" smtClean="0"/>
+              <a:rPr lang="en-US"/>
               <a:t>Third level</a:t>
             </a:r>
           </a:p>
           <a:p>
             <a:pPr lvl="3"/>
             <a:r>
-              <a:rPr lang="en-US" smtClean="0"/>
+              <a:rPr lang="en-US"/>
               <a:t>Fourth level</a:t>
             </a:r>
           </a:p>
           <a:p>
             <a:pPr lvl="4"/>
             <a:r>
-              <a:rPr lang="en-US" smtClean="0"/>
+              <a:rPr lang="en-US"/>
               <a:t>Fifth level</a:t>
             </a:r>
             <a:endParaRPr lang="en-US" dirty="0"/>
@@ -4662,35 +4651,35 @@
           <a:p>
             <a:pPr lvl="0"/>
             <a:r>
-              <a:rPr lang="en-US" smtClean="0"/>
+              <a:rPr lang="en-US"/>
               <a:t>Click to edit Master text styles</a:t>
             </a:r>
           </a:p>
           <a:p>
             <a:pPr lvl="1"/>
             <a:r>
-              <a:rPr lang="en-US" smtClean="0"/>
+              <a:rPr lang="en-US"/>
               <a:t>Second level</a:t>
             </a:r>
           </a:p>
           <a:p>
             <a:pPr lvl="2"/>
             <a:r>
-              <a:rPr lang="en-US" smtClean="0"/>
+              <a:rPr lang="en-US"/>
               <a:t>Third level</a:t>
             </a:r>
           </a:p>
           <a:p>
             <a:pPr lvl="3"/>
             <a:r>
-              <a:rPr lang="en-US" smtClean="0"/>
+              <a:rPr lang="en-US"/>
               <a:t>Fourth level</a:t>
             </a:r>
           </a:p>
           <a:p>
             <a:pPr lvl="4"/>
             <a:r>
-              <a:rPr lang="en-US" smtClean="0"/>
+              <a:rPr lang="en-US"/>
               <a:t>Fifth level</a:t>
             </a:r>
             <a:endParaRPr lang="en-US" dirty="0"/>
@@ -4761,7 +4750,7 @@
           </a:lstStyle>
           <a:p>
             <a:r>
-              <a:rPr lang="en-US" smtClean="0"/>
+              <a:rPr lang="en-US"/>
               <a:t>Click to edit Master title style</a:t>
             </a:r>
             <a:endParaRPr lang="en-US" dirty="0"/>
@@ -4836,7 +4825,7 @@
           <a:p>
             <a:pPr lvl="0"/>
             <a:r>
-              <a:rPr lang="en-US" smtClean="0"/>
+              <a:rPr lang="en-US"/>
               <a:t>Click to edit Master text styles</a:t>
             </a:r>
           </a:p>
@@ -4907,35 +4896,35 @@
           <a:p>
             <a:pPr lvl="0"/>
             <a:r>
-              <a:rPr lang="en-US" smtClean="0"/>
+              <a:rPr lang="en-US"/>
               <a:t>Click to edit Master text styles</a:t>
             </a:r>
           </a:p>
           <a:p>
             <a:pPr lvl="1"/>
             <a:r>
-              <a:rPr lang="en-US" smtClean="0"/>
+              <a:rPr lang="en-US"/>
               <a:t>Second level</a:t>
             </a:r>
           </a:p>
           <a:p>
             <a:pPr lvl="2"/>
             <a:r>
-              <a:rPr lang="en-US" smtClean="0"/>
+              <a:rPr lang="en-US"/>
               <a:t>Third level</a:t>
             </a:r>
           </a:p>
           <a:p>
             <a:pPr lvl="3"/>
             <a:r>
-              <a:rPr lang="en-US" smtClean="0"/>
+              <a:rPr lang="en-US"/>
               <a:t>Fourth level</a:t>
             </a:r>
           </a:p>
           <a:p>
             <a:pPr lvl="4"/>
             <a:r>
-              <a:rPr lang="en-US" smtClean="0"/>
+              <a:rPr lang="en-US"/>
               <a:t>Fifth level</a:t>
             </a:r>
             <a:endParaRPr lang="en-US" dirty="0"/>
@@ -5010,7 +4999,7 @@
           <a:p>
             <a:pPr lvl="0"/>
             <a:r>
-              <a:rPr lang="en-US" smtClean="0"/>
+              <a:rPr lang="en-US"/>
               <a:t>Click to edit Master text styles</a:t>
             </a:r>
           </a:p>
@@ -5081,35 +5070,35 @@
           <a:p>
             <a:pPr lvl="0"/>
             <a:r>
-              <a:rPr lang="en-US" smtClean="0"/>
+              <a:rPr lang="en-US"/>
               <a:t>Click to edit Master text styles</a:t>
             </a:r>
           </a:p>
           <a:p>
             <a:pPr lvl="1"/>
             <a:r>
-              <a:rPr lang="en-US" smtClean="0"/>
+              <a:rPr lang="en-US"/>
               <a:t>Second level</a:t>
             </a:r>
           </a:p>
           <a:p>
             <a:pPr lvl="2"/>
             <a:r>
-              <a:rPr lang="en-US" smtClean="0"/>
+              <a:rPr lang="en-US"/>
               <a:t>Third level</a:t>
             </a:r>
           </a:p>
           <a:p>
             <a:pPr lvl="3"/>
             <a:r>
-              <a:rPr lang="en-US" smtClean="0"/>
+              <a:rPr lang="en-US"/>
               <a:t>Fourth level</a:t>
             </a:r>
           </a:p>
           <a:p>
             <a:pPr lvl="4"/>
             <a:r>
-              <a:rPr lang="en-US" smtClean="0"/>
+              <a:rPr lang="en-US"/>
               <a:t>Fifth level</a:t>
             </a:r>
             <a:endParaRPr lang="en-US" dirty="0"/>
@@ -5180,7 +5169,7 @@
           </a:lstStyle>
           <a:p>
             <a:r>
-              <a:rPr lang="en-US" smtClean="0"/>
+              <a:rPr lang="en-US"/>
               <a:t>Click to edit Master title style</a:t>
             </a:r>
             <a:endParaRPr lang="en-US" dirty="0"/>
@@ -5281,7 +5270,7 @@
           </a:lstStyle>
           <a:p>
             <a:r>
-              <a:rPr lang="en-US" smtClean="0"/>
+              <a:rPr lang="en-US"/>
               <a:t>Click to edit Master title style</a:t>
             </a:r>
             <a:endParaRPr lang="en-US" dirty="0"/>
@@ -5356,35 +5345,35 @@
           <a:p>
             <a:pPr lvl="0"/>
             <a:r>
-              <a:rPr lang="en-US" smtClean="0"/>
+              <a:rPr lang="en-US"/>
               <a:t>Click to edit Master text styles</a:t>
             </a:r>
           </a:p>
           <a:p>
             <a:pPr lvl="1"/>
             <a:r>
-              <a:rPr lang="en-US" smtClean="0"/>
+              <a:rPr lang="en-US"/>
               <a:t>Second level</a:t>
             </a:r>
           </a:p>
           <a:p>
             <a:pPr lvl="2"/>
             <a:r>
-              <a:rPr lang="en-US" smtClean="0"/>
+              <a:rPr lang="en-US"/>
               <a:t>Third level</a:t>
             </a:r>
           </a:p>
           <a:p>
             <a:pPr lvl="3"/>
             <a:r>
-              <a:rPr lang="en-US" smtClean="0"/>
+              <a:rPr lang="en-US"/>
               <a:t>Fourth level</a:t>
             </a:r>
           </a:p>
           <a:p>
             <a:pPr lvl="4"/>
             <a:r>
-              <a:rPr lang="en-US" smtClean="0"/>
+              <a:rPr lang="en-US"/>
               <a:t>Fifth level</a:t>
             </a:r>
             <a:endParaRPr lang="en-US" dirty="0"/>
@@ -5456,7 +5445,7 @@
           <a:p>
             <a:pPr lvl="0"/>
             <a:r>
-              <a:rPr lang="en-US" smtClean="0"/>
+              <a:rPr lang="en-US"/>
               <a:t>Click to edit Master text styles</a:t>
             </a:r>
           </a:p>
@@ -5526,7 +5515,7 @@
           </a:lstStyle>
           <a:p>
             <a:r>
-              <a:rPr lang="en-US" smtClean="0"/>
+              <a:rPr lang="en-US"/>
               <a:t>Click to edit Master title style</a:t>
             </a:r>
             <a:endParaRPr lang="en-US" dirty="0"/>
@@ -5591,10 +5580,9 @@
           </a:lstStyle>
           <a:p>
             <a:r>
-              <a:rPr lang="en-US" smtClean="0"/>
+              <a:rPr lang="en-US"/>
               <a:t>Click icon to add picture</a:t>
             </a:r>
-            <a:endParaRPr lang="en-US"/>
           </a:p>
         </p:txBody>
       </p:sp>
@@ -5663,7 +5651,7 @@
           <a:p>
             <a:pPr lvl="0"/>
             <a:r>
-              <a:rPr lang="en-US" smtClean="0"/>
+              <a:rPr lang="en-US"/>
               <a:t>Click to edit Master text styles</a:t>
             </a:r>
           </a:p>
@@ -5731,7 +5719,7 @@
           </a:lstStyle>
           <a:p>
             <a:r>
-              <a:rPr lang="en-US" smtClean="0"/>
+              <a:rPr lang="en-US"/>
               <a:t>Click to edit Master title style</a:t>
             </a:r>
             <a:endParaRPr lang="en-US" dirty="0"/>
@@ -5851,7 +5839,7 @@
           <a:p>
             <a:pPr lvl="0"/>
             <a:r>
-              <a:rPr lang="en-US" smtClean="0"/>
+              <a:rPr lang="en-US"/>
               <a:t>Click to edit Master text styles</a:t>
             </a:r>
           </a:p>
@@ -5921,7 +5909,7 @@
           </a:lstStyle>
           <a:p>
             <a:r>
-              <a:rPr lang="en-US" smtClean="0"/>
+              <a:rPr lang="en-US"/>
               <a:t>Click to edit Master title style</a:t>
             </a:r>
             <a:endParaRPr lang="en-US" dirty="0"/>
@@ -5996,35 +5984,35 @@
           <a:p>
             <a:pPr lvl="0"/>
             <a:r>
-              <a:rPr lang="en-US" smtClean="0"/>
+              <a:rPr lang="en-US"/>
               <a:t>Click to edit Master text styles</a:t>
             </a:r>
           </a:p>
           <a:p>
             <a:pPr lvl="1"/>
             <a:r>
-              <a:rPr lang="en-US" smtClean="0"/>
+              <a:rPr lang="en-US"/>
               <a:t>Second level</a:t>
             </a:r>
           </a:p>
           <a:p>
             <a:pPr lvl="2"/>
             <a:r>
-              <a:rPr lang="en-US" smtClean="0"/>
+              <a:rPr lang="en-US"/>
               <a:t>Third level</a:t>
             </a:r>
           </a:p>
           <a:p>
             <a:pPr lvl="3"/>
             <a:r>
-              <a:rPr lang="en-US" smtClean="0"/>
+              <a:rPr lang="en-US"/>
               <a:t>Fourth level</a:t>
             </a:r>
           </a:p>
           <a:p>
             <a:pPr lvl="4"/>
             <a:r>
-              <a:rPr lang="en-US" smtClean="0"/>
+              <a:rPr lang="en-US"/>
               <a:t>Fifth level</a:t>
             </a:r>
             <a:endParaRPr lang="en-US" dirty="0"/>
@@ -6099,35 +6087,35 @@
           <a:p>
             <a:pPr lvl="0"/>
             <a:r>
-              <a:rPr lang="en-US" smtClean="0"/>
+              <a:rPr lang="en-US"/>
               <a:t>Click to edit Master text styles</a:t>
             </a:r>
           </a:p>
           <a:p>
             <a:pPr lvl="1"/>
             <a:r>
-              <a:rPr lang="en-US" smtClean="0"/>
+              <a:rPr lang="en-US"/>
               <a:t>Second level</a:t>
             </a:r>
           </a:p>
           <a:p>
             <a:pPr lvl="2"/>
             <a:r>
-              <a:rPr lang="en-US" smtClean="0"/>
+              <a:rPr lang="en-US"/>
               <a:t>Third level</a:t>
             </a:r>
           </a:p>
           <a:p>
             <a:pPr lvl="3"/>
             <a:r>
-              <a:rPr lang="en-US" smtClean="0"/>
+              <a:rPr lang="en-US"/>
               <a:t>Fourth level</a:t>
             </a:r>
           </a:p>
           <a:p>
             <a:pPr lvl="4"/>
             <a:r>
-              <a:rPr lang="en-US" smtClean="0"/>
+              <a:rPr lang="en-US"/>
               <a:t>Fifth level</a:t>
             </a:r>
             <a:endParaRPr lang="en-US" dirty="0"/>
@@ -6198,7 +6186,7 @@
           </a:lstStyle>
           <a:p>
             <a:r>
-              <a:rPr lang="en-US" smtClean="0"/>
+              <a:rPr lang="en-US"/>
               <a:t>Click to edit Master title style</a:t>
             </a:r>
             <a:endParaRPr lang="en-US" dirty="0"/>
@@ -6273,7 +6261,7 @@
           <a:p>
             <a:pPr lvl="0"/>
             <a:r>
-              <a:rPr lang="en-US" smtClean="0"/>
+              <a:rPr lang="en-US"/>
               <a:t>Click to edit Master text styles</a:t>
             </a:r>
           </a:p>
@@ -6344,35 +6332,35 @@
           <a:p>
             <a:pPr lvl="0"/>
             <a:r>
-              <a:rPr lang="en-US" smtClean="0"/>
+              <a:rPr lang="en-US"/>
               <a:t>Click to edit Master text styles</a:t>
             </a:r>
           </a:p>
           <a:p>
             <a:pPr lvl="1"/>
             <a:r>
-              <a:rPr lang="en-US" smtClean="0"/>
+              <a:rPr lang="en-US"/>
               <a:t>Second level</a:t>
             </a:r>
           </a:p>
           <a:p>
             <a:pPr lvl="2"/>
             <a:r>
-              <a:rPr lang="en-US" smtClean="0"/>
+              <a:rPr lang="en-US"/>
               <a:t>Third level</a:t>
             </a:r>
           </a:p>
           <a:p>
             <a:pPr lvl="3"/>
             <a:r>
-              <a:rPr lang="en-US" smtClean="0"/>
+              <a:rPr lang="en-US"/>
               <a:t>Fourth level</a:t>
             </a:r>
           </a:p>
           <a:p>
             <a:pPr lvl="4"/>
             <a:r>
-              <a:rPr lang="en-US" smtClean="0"/>
+              <a:rPr lang="en-US"/>
               <a:t>Fifth level</a:t>
             </a:r>
             <a:endParaRPr lang="en-US" dirty="0"/>
@@ -6447,7 +6435,7 @@
           <a:p>
             <a:pPr lvl="0"/>
             <a:r>
-              <a:rPr lang="en-US" smtClean="0"/>
+              <a:rPr lang="en-US"/>
               <a:t>Click to edit Master text styles</a:t>
             </a:r>
           </a:p>
@@ -6518,35 +6506,35 @@
           <a:p>
             <a:pPr lvl="0"/>
             <a:r>
-              <a:rPr lang="en-US" smtClean="0"/>
+              <a:rPr lang="en-US"/>
               <a:t>Click to edit Master text styles</a:t>
             </a:r>
           </a:p>
           <a:p>
             <a:pPr lvl="1"/>
             <a:r>
-              <a:rPr lang="en-US" smtClean="0"/>
+              <a:rPr lang="en-US"/>
               <a:t>Second level</a:t>
             </a:r>
           </a:p>
           <a:p>
             <a:pPr lvl="2"/>
             <a:r>
-              <a:rPr lang="en-US" smtClean="0"/>
+              <a:rPr lang="en-US"/>
               <a:t>Third level</a:t>
             </a:r>
           </a:p>
           <a:p>
             <a:pPr lvl="3"/>
             <a:r>
-              <a:rPr lang="en-US" smtClean="0"/>
+              <a:rPr lang="en-US"/>
               <a:t>Fourth level</a:t>
             </a:r>
           </a:p>
           <a:p>
             <a:pPr lvl="4"/>
             <a:r>
-              <a:rPr lang="en-US" smtClean="0"/>
+              <a:rPr lang="en-US"/>
               <a:t>Fifth level</a:t>
             </a:r>
             <a:endParaRPr lang="en-US" dirty="0"/>
@@ -6617,7 +6605,7 @@
           </a:lstStyle>
           <a:p>
             <a:r>
-              <a:rPr lang="en-US" smtClean="0"/>
+              <a:rPr lang="en-US"/>
               <a:t>Click to edit Master title style</a:t>
             </a:r>
             <a:endParaRPr lang="en-US" dirty="0"/>
@@ -6718,7 +6706,7 @@
           </a:lstStyle>
           <a:p>
             <a:r>
-              <a:rPr lang="en-US" smtClean="0"/>
+              <a:rPr lang="en-US"/>
               <a:t>Click to edit Master title style</a:t>
             </a:r>
             <a:endParaRPr lang="en-US" dirty="0"/>
@@ -6793,35 +6781,35 @@
           <a:p>
             <a:pPr lvl="0"/>
             <a:r>
-              <a:rPr lang="en-US" smtClean="0"/>
+              <a:rPr lang="en-US"/>
               <a:t>Click to edit Master text styles</a:t>
             </a:r>
           </a:p>
           <a:p>
             <a:pPr lvl="1"/>
             <a:r>
-              <a:rPr lang="en-US" smtClean="0"/>
+              <a:rPr lang="en-US"/>
               <a:t>Second level</a:t>
             </a:r>
           </a:p>
           <a:p>
             <a:pPr lvl="2"/>
             <a:r>
-              <a:rPr lang="en-US" smtClean="0"/>
+              <a:rPr lang="en-US"/>
               <a:t>Third level</a:t>
             </a:r>
           </a:p>
           <a:p>
             <a:pPr lvl="3"/>
             <a:r>
-              <a:rPr lang="en-US" smtClean="0"/>
+              <a:rPr lang="en-US"/>
               <a:t>Fourth level</a:t>
             </a:r>
           </a:p>
           <a:p>
             <a:pPr lvl="4"/>
             <a:r>
-              <a:rPr lang="en-US" smtClean="0"/>
+              <a:rPr lang="en-US"/>
               <a:t>Fifth level</a:t>
             </a:r>
             <a:endParaRPr lang="en-US" dirty="0"/>
@@ -6893,7 +6881,7 @@
           <a:p>
             <a:pPr lvl="0"/>
             <a:r>
-              <a:rPr lang="en-US" smtClean="0"/>
+              <a:rPr lang="en-US"/>
               <a:t>Click to edit Master text styles</a:t>
             </a:r>
           </a:p>
@@ -6963,7 +6951,7 @@
           </a:lstStyle>
           <a:p>
             <a:r>
-              <a:rPr lang="en-US" smtClean="0"/>
+              <a:rPr lang="en-US"/>
               <a:t>Click to edit Master title style</a:t>
             </a:r>
             <a:endParaRPr lang="en-US" dirty="0"/>
@@ -7028,10 +7016,9 @@
           </a:lstStyle>
           <a:p>
             <a:r>
-              <a:rPr lang="en-US" smtClean="0"/>
+              <a:rPr lang="en-US"/>
               <a:t>Click icon to add picture</a:t>
             </a:r>
-            <a:endParaRPr lang="en-US"/>
           </a:p>
         </p:txBody>
       </p:sp>
@@ -7100,7 +7087,7 @@
           <a:p>
             <a:pPr lvl="0"/>
             <a:r>
-              <a:rPr lang="en-US" smtClean="0"/>
+              <a:rPr lang="en-US"/>
               <a:t>Click to edit Master text styles</a:t>
             </a:r>
           </a:p>
@@ -7171,35 +7158,35 @@
           <a:p>
             <a:pPr lvl="0"/>
             <a:r>
-              <a:rPr lang="en-US" smtClean="0"/>
+              <a:rPr lang="en-US"/>
               <a:t>Click to edit Master text styles</a:t>
             </a:r>
           </a:p>
           <a:p>
             <a:pPr lvl="1"/>
             <a:r>
-              <a:rPr lang="en-US" smtClean="0"/>
+              <a:rPr lang="en-US"/>
               <a:t>Second level</a:t>
             </a:r>
           </a:p>
           <a:p>
             <a:pPr lvl="2"/>
             <a:r>
-              <a:rPr lang="en-US" smtClean="0"/>
+              <a:rPr lang="en-US"/>
               <a:t>Third level</a:t>
             </a:r>
           </a:p>
           <a:p>
             <a:pPr lvl="3"/>
             <a:r>
-              <a:rPr lang="en-US" smtClean="0"/>
+              <a:rPr lang="en-US"/>
               <a:t>Fourth level</a:t>
             </a:r>
           </a:p>
           <a:p>
             <a:pPr lvl="4"/>
             <a:r>
-              <a:rPr lang="en-US" smtClean="0"/>
+              <a:rPr lang="en-US"/>
               <a:t>Fifth level</a:t>
             </a:r>
             <a:endParaRPr lang="en-US" dirty="0"/>
@@ -7225,13 +7212,6 @@
     <p:sldLayoutId id="2147483668" r:id="rId8"/>
     <p:sldLayoutId id="2147483669" r:id="rId9"/>
   </p:sldLayoutIdLst>
-  <p:timing>
-    <p:tnLst>
-      <p:par>
-        <p:cTn id="1" dur="indefinite" restart="never" nodeType="tmRoot"/>
-      </p:par>
-    </p:tnLst>
-  </p:timing>
   <p:hf hdr="0" ftr="0" dt="0"/>
   <p:txStyles>
     <p:titleStyle>
@@ -7546,35 +7526,35 @@
           <a:p>
             <a:pPr lvl="0"/>
             <a:r>
-              <a:rPr lang="en-US" smtClean="0"/>
+              <a:rPr lang="en-US"/>
               <a:t>Click to edit Master text styles</a:t>
             </a:r>
           </a:p>
           <a:p>
             <a:pPr lvl="1"/>
             <a:r>
-              <a:rPr lang="en-US" smtClean="0"/>
+              <a:rPr lang="en-US"/>
               <a:t>Second level</a:t>
             </a:r>
           </a:p>
           <a:p>
             <a:pPr lvl="2"/>
             <a:r>
-              <a:rPr lang="en-US" smtClean="0"/>
+              <a:rPr lang="en-US"/>
               <a:t>Third level</a:t>
             </a:r>
           </a:p>
           <a:p>
             <a:pPr lvl="3"/>
             <a:r>
-              <a:rPr lang="en-US" smtClean="0"/>
+              <a:rPr lang="en-US"/>
               <a:t>Fourth level</a:t>
             </a:r>
           </a:p>
           <a:p>
             <a:pPr lvl="4"/>
             <a:r>
-              <a:rPr lang="en-US" smtClean="0"/>
+              <a:rPr lang="en-US"/>
               <a:t>Fifth level</a:t>
             </a:r>
             <a:endParaRPr lang="en-US" dirty="0"/>
@@ -7600,13 +7580,6 @@
     <p:sldLayoutId id="2147483678" r:id="rId8"/>
     <p:sldLayoutId id="2147483679" r:id="rId9"/>
   </p:sldLayoutIdLst>
-  <p:timing>
-    <p:tnLst>
-      <p:par>
-        <p:cTn id="1" dur="indefinite" restart="never" nodeType="tmRoot"/>
-      </p:par>
-    </p:tnLst>
-  </p:timing>
   <p:hf hdr="0" ftr="0" dt="0"/>
   <p:txStyles>
     <p:titleStyle>
@@ -7921,35 +7894,35 @@
           <a:p>
             <a:pPr lvl="0"/>
             <a:r>
-              <a:rPr lang="en-US" smtClean="0"/>
+              <a:rPr lang="en-US"/>
               <a:t>Click to edit Master text styles</a:t>
             </a:r>
           </a:p>
           <a:p>
             <a:pPr lvl="1"/>
             <a:r>
-              <a:rPr lang="en-US" smtClean="0"/>
+              <a:rPr lang="en-US"/>
               <a:t>Second level</a:t>
             </a:r>
           </a:p>
           <a:p>
             <a:pPr lvl="2"/>
             <a:r>
-              <a:rPr lang="en-US" smtClean="0"/>
+              <a:rPr lang="en-US"/>
               <a:t>Third level</a:t>
             </a:r>
           </a:p>
           <a:p>
             <a:pPr lvl="3"/>
             <a:r>
-              <a:rPr lang="en-US" smtClean="0"/>
+              <a:rPr lang="en-US"/>
               <a:t>Fourth level</a:t>
             </a:r>
           </a:p>
           <a:p>
             <a:pPr lvl="4"/>
             <a:r>
-              <a:rPr lang="en-US" smtClean="0"/>
+              <a:rPr lang="en-US"/>
               <a:t>Fifth level</a:t>
             </a:r>
             <a:endParaRPr lang="en-US" dirty="0"/>
@@ -7975,13 +7948,6 @@
     <p:sldLayoutId id="2147483688" r:id="rId8"/>
     <p:sldLayoutId id="2147483689" r:id="rId9"/>
   </p:sldLayoutIdLst>
-  <p:timing>
-    <p:tnLst>
-      <p:par>
-        <p:cTn id="1" dur="indefinite" restart="never" nodeType="tmRoot"/>
-      </p:par>
-    </p:tnLst>
-  </p:timing>
   <p:hf hdr="0" ftr="0" dt="0"/>
   <p:txStyles>
     <p:titleStyle>
@@ -8300,13 +8266,6 @@
   <p:clrMapOvr>
     <a:masterClrMapping/>
   </p:clrMapOvr>
-  <p:timing>
-    <p:tnLst>
-      <p:par>
-        <p:cTn id="1" dur="indefinite" restart="never" nodeType="tmRoot"/>
-      </p:par>
-    </p:tnLst>
-  </p:timing>
 </p:sld>
 </file>
 
@@ -8343,10 +8302,9 @@
           <a:lstStyle/>
           <a:p>
             <a:r>
-              <a:rPr lang="en-US" dirty="0" smtClean="0"/>
+              <a:rPr lang="en-US" dirty="0"/>
               <a:t>Transforming RNN to LSTM</a:t>
             </a:r>
-            <a:endParaRPr lang="en-US" dirty="0"/>
           </a:p>
         </p:txBody>
       </p:sp>
@@ -8631,7 +8589,7 @@
             <a:p>
               <a:pPr lvl="0" algn="ctr"/>
               <a:r>
-                <a:rPr lang="en-US" sz="2800" dirty="0" err="1" smtClean="0">
+                <a:rPr lang="en-US" sz="2800" dirty="0" err="1">
                   <a:solidFill>
                     <a:srgbClr val="9DBFBE">
                       <a:lumMod val="50000"/>
@@ -8641,7 +8599,7 @@
                 <a:t>w</a:t>
               </a:r>
               <a:r>
-                <a:rPr lang="en-US" sz="2800" baseline="-25000" dirty="0" err="1" smtClean="0">
+                <a:rPr lang="en-US" sz="2800" baseline="-25000" dirty="0" err="1">
                   <a:solidFill>
                     <a:srgbClr val="9DBFBE">
                       <a:lumMod val="50000"/>
@@ -8687,7 +8645,7 @@
             <a:p>
               <a:pPr lvl="0" algn="ctr"/>
               <a:r>
-                <a:rPr lang="en-US" sz="2800" dirty="0" err="1" smtClean="0">
+                <a:rPr lang="en-US" sz="2800" dirty="0" err="1">
                   <a:solidFill>
                     <a:srgbClr val="9DBFBE">
                       <a:lumMod val="50000"/>
@@ -8697,7 +8655,7 @@
                 <a:t>w</a:t>
               </a:r>
               <a:r>
-                <a:rPr lang="en-US" sz="2800" baseline="-25000" dirty="0" err="1" smtClean="0">
+                <a:rPr lang="en-US" sz="2800" baseline="-25000" dirty="0" err="1">
                   <a:solidFill>
                     <a:srgbClr val="9DBFBE">
                       <a:lumMod val="50000"/>
@@ -8766,7 +8724,7 @@
             <a:p>
               <a:pPr algn="ctr"/>
               <a:r>
-                <a:rPr lang="en-US" sz="2800" dirty="0" smtClean="0">
+                <a:rPr lang="en-US" sz="2800" dirty="0">
                   <a:solidFill>
                     <a:schemeClr val="accent1">
                       <a:lumMod val="50000"/>
@@ -8776,7 +8734,7 @@
                 <a:t>x</a:t>
               </a:r>
               <a:r>
-                <a:rPr lang="en-US" sz="2800" baseline="-25000" dirty="0" smtClean="0">
+                <a:rPr lang="en-US" sz="2800" baseline="-25000" dirty="0">
                   <a:solidFill>
                     <a:schemeClr val="accent1">
                       <a:lumMod val="50000"/>
@@ -8785,13 +8743,6 @@
                 </a:rPr>
                 <a:t>1</a:t>
               </a:r>
-              <a:endParaRPr lang="en-US" sz="2800" baseline="-25000" dirty="0">
-                <a:solidFill>
-                  <a:schemeClr val="accent1">
-                    <a:lumMod val="50000"/>
-                  </a:schemeClr>
-                </a:solidFill>
-              </a:endParaRPr>
             </a:p>
           </p:txBody>
         </p:sp>
@@ -8842,7 +8793,7 @@
             <a:p>
               <a:pPr algn="ctr"/>
               <a:r>
-                <a:rPr lang="en-US" sz="2800" dirty="0" smtClean="0">
+                <a:rPr lang="en-US" sz="2800" dirty="0">
                   <a:solidFill>
                     <a:schemeClr val="accent1">
                       <a:lumMod val="50000"/>
@@ -9003,7 +8954,7 @@
                 <a:t>u</a:t>
               </a:r>
               <a:r>
-                <a:rPr lang="en-US" sz="2800" baseline="-25000" dirty="0" smtClean="0">
+                <a:rPr lang="en-US" sz="2800" baseline="-25000" dirty="0">
                   <a:solidFill>
                     <a:schemeClr val="accent1">
                       <a:lumMod val="50000"/>
@@ -9012,13 +8963,6 @@
                 </a:rPr>
                 <a:t>1</a:t>
               </a:r>
-              <a:endParaRPr lang="en-US" sz="2800" baseline="-25000" dirty="0">
-                <a:solidFill>
-                  <a:schemeClr val="accent1">
-                    <a:lumMod val="50000"/>
-                  </a:schemeClr>
-                </a:solidFill>
-              </a:endParaRPr>
             </a:p>
           </p:txBody>
         </p:sp>
@@ -9168,7 +9112,7 @@
                 <a:t>c</a:t>
               </a:r>
               <a:r>
-                <a:rPr lang="en-US" sz="2800" baseline="-25000" dirty="0" smtClean="0">
+                <a:rPr lang="en-US" sz="2800" baseline="-25000" dirty="0">
                   <a:solidFill>
                     <a:schemeClr val="accent1">
                       <a:lumMod val="50000"/>
@@ -9177,13 +9121,6 @@
                 </a:rPr>
                 <a:t>0</a:t>
               </a:r>
-              <a:endParaRPr lang="en-US" sz="2800" baseline="-25000" dirty="0">
-                <a:solidFill>
-                  <a:schemeClr val="accent1">
-                    <a:lumMod val="50000"/>
-                  </a:schemeClr>
-                </a:solidFill>
-              </a:endParaRPr>
             </a:p>
           </p:txBody>
         </p:sp>
@@ -9224,7 +9161,7 @@
             <a:p>
               <a:pPr algn="ctr"/>
               <a:r>
-                <a:rPr lang="en-US" sz="2800" dirty="0" smtClean="0">
+                <a:rPr lang="en-US" sz="2800" dirty="0">
                   <a:solidFill>
                     <a:prstClr val="white"/>
                   </a:solidFill>
@@ -9292,7 +9229,7 @@
                 <a:t>c</a:t>
               </a:r>
               <a:r>
-                <a:rPr lang="en-US" sz="2800" baseline="-25000" dirty="0" smtClean="0">
+                <a:rPr lang="en-US" sz="2800" baseline="-25000" dirty="0">
                   <a:solidFill>
                     <a:schemeClr val="accent1">
                       <a:lumMod val="50000"/>
@@ -9301,13 +9238,6 @@
                 </a:rPr>
                 <a:t>1</a:t>
               </a:r>
-              <a:endParaRPr lang="en-US" sz="2800" baseline="-25000" dirty="0">
-                <a:solidFill>
-                  <a:schemeClr val="accent1">
-                    <a:lumMod val="50000"/>
-                  </a:schemeClr>
-                </a:solidFill>
-              </a:endParaRPr>
             </a:p>
           </p:txBody>
         </p:sp>
@@ -9403,10 +9333,9 @@
                 <a:t>f</a:t>
               </a:r>
               <a:r>
-                <a:rPr lang="en-US" sz="3200" baseline="-25000" dirty="0" smtClean="0"/>
+                <a:rPr lang="en-US" sz="3200" baseline="-25000" dirty="0"/>
                 <a:t>1</a:t>
               </a:r>
-              <a:endParaRPr lang="en-US" sz="3200" baseline="-25000" dirty="0"/>
             </a:p>
           </p:txBody>
         </p:sp>
@@ -9498,14 +9427,13 @@
             <a:p>
               <a:pPr algn="ctr"/>
               <a:r>
-                <a:rPr lang="en-US" sz="3200" dirty="0" smtClean="0"/>
+                <a:rPr lang="en-US" sz="3200" dirty="0"/>
                 <a:t>i</a:t>
               </a:r>
               <a:r>
-                <a:rPr lang="en-US" sz="3200" baseline="-25000" dirty="0" smtClean="0"/>
+                <a:rPr lang="en-US" sz="3200" baseline="-25000" dirty="0"/>
                 <a:t>1</a:t>
               </a:r>
-              <a:endParaRPr lang="en-US" sz="3200" baseline="-25000" dirty="0"/>
             </a:p>
           </p:txBody>
         </p:sp>
@@ -9574,24 +9502,23 @@
           <a:lstStyle/>
           <a:p>
             <a:r>
-              <a:rPr lang="en-US" dirty="0" smtClean="0"/>
+              <a:rPr lang="en-US" dirty="0"/>
               <a:t>Elementwise (</a:t>
             </a:r>
             <a:r>
-              <a:rPr lang="en-US" dirty="0" err="1" smtClean="0"/>
+              <a:rPr lang="en-US" dirty="0" err="1"/>
               <a:t>Hadamard</a:t>
             </a:r>
             <a:r>
-              <a:rPr lang="en-US" dirty="0" smtClean="0"/>
+              <a:rPr lang="en-US" dirty="0"/>
               <a:t>) matrix product</a:t>
             </a:r>
           </a:p>
           <a:p>
             <a:r>
-              <a:rPr lang="en-US" dirty="0" smtClean="0"/>
+              <a:rPr lang="en-US" dirty="0"/>
               <a:t>  (array product “*” in Python)</a:t>
             </a:r>
-            <a:endParaRPr lang="en-US" dirty="0"/>
           </a:p>
         </p:txBody>
       </p:sp>
@@ -9605,13 +9532,6 @@
   <p:clrMapOvr>
     <a:masterClrMapping/>
   </p:clrMapOvr>
-  <p:timing>
-    <p:tnLst>
-      <p:par>
-        <p:cTn id="1" dur="indefinite" restart="never" nodeType="tmRoot"/>
-      </p:par>
-    </p:tnLst>
-  </p:timing>
 </p:sld>
 </file>
 
@@ -9648,10 +9568,9 @@
           <a:lstStyle/>
           <a:p>
             <a:r>
-              <a:rPr lang="en-US" dirty="0" smtClean="0"/>
+              <a:rPr lang="en-US" dirty="0"/>
               <a:t>Transforming RNN to LSTM</a:t>
             </a:r>
-            <a:endParaRPr lang="en-US" dirty="0"/>
           </a:p>
         </p:txBody>
       </p:sp>
@@ -9936,7 +9855,7 @@
             <a:p>
               <a:pPr lvl="0" algn="ctr"/>
               <a:r>
-                <a:rPr lang="en-US" sz="2800" dirty="0" err="1" smtClean="0">
+                <a:rPr lang="en-US" sz="2800" dirty="0" err="1">
                   <a:solidFill>
                     <a:srgbClr val="9DBFBE">
                       <a:lumMod val="50000"/>
@@ -9946,7 +9865,7 @@
                 <a:t>w</a:t>
               </a:r>
               <a:r>
-                <a:rPr lang="en-US" sz="2800" baseline="-25000" dirty="0" err="1" smtClean="0">
+                <a:rPr lang="en-US" sz="2800" baseline="-25000" dirty="0" err="1">
                   <a:solidFill>
                     <a:srgbClr val="9DBFBE">
                       <a:lumMod val="50000"/>
@@ -9992,7 +9911,7 @@
             <a:p>
               <a:pPr lvl="0" algn="ctr"/>
               <a:r>
-                <a:rPr lang="en-US" sz="2800" dirty="0" err="1" smtClean="0">
+                <a:rPr lang="en-US" sz="2800" dirty="0" err="1">
                   <a:solidFill>
                     <a:srgbClr val="9DBFBE">
                       <a:lumMod val="50000"/>
@@ -10002,7 +9921,7 @@
                 <a:t>w</a:t>
               </a:r>
               <a:r>
-                <a:rPr lang="en-US" sz="2800" baseline="-25000" dirty="0" err="1" smtClean="0">
+                <a:rPr lang="en-US" sz="2800" baseline="-25000" dirty="0" err="1">
                   <a:solidFill>
                     <a:srgbClr val="9DBFBE">
                       <a:lumMod val="50000"/>
@@ -10071,7 +9990,7 @@
             <a:p>
               <a:pPr algn="ctr"/>
               <a:r>
-                <a:rPr lang="en-US" sz="2800" dirty="0" smtClean="0">
+                <a:rPr lang="en-US" sz="2800" dirty="0">
                   <a:solidFill>
                     <a:schemeClr val="accent1">
                       <a:lumMod val="50000"/>
@@ -10081,7 +10000,7 @@
                 <a:t>x</a:t>
               </a:r>
               <a:r>
-                <a:rPr lang="en-US" sz="2800" baseline="-25000" dirty="0" smtClean="0">
+                <a:rPr lang="en-US" sz="2800" baseline="-25000" dirty="0">
                   <a:solidFill>
                     <a:schemeClr val="accent1">
                       <a:lumMod val="50000"/>
@@ -10090,13 +10009,6 @@
                 </a:rPr>
                 <a:t>1</a:t>
               </a:r>
-              <a:endParaRPr lang="en-US" sz="2800" baseline="-25000" dirty="0">
-                <a:solidFill>
-                  <a:schemeClr val="accent1">
-                    <a:lumMod val="50000"/>
-                  </a:schemeClr>
-                </a:solidFill>
-              </a:endParaRPr>
             </a:p>
           </p:txBody>
         </p:sp>
@@ -10147,7 +10059,7 @@
             <a:p>
               <a:pPr algn="ctr"/>
               <a:r>
-                <a:rPr lang="en-US" sz="2800" dirty="0" smtClean="0">
+                <a:rPr lang="en-US" sz="2800" dirty="0">
                   <a:solidFill>
                     <a:schemeClr val="accent1">
                       <a:lumMod val="50000"/>
@@ -10308,7 +10220,7 @@
                 <a:t>u</a:t>
               </a:r>
               <a:r>
-                <a:rPr lang="en-US" sz="2800" baseline="-25000" dirty="0" smtClean="0">
+                <a:rPr lang="en-US" sz="2800" baseline="-25000" dirty="0">
                   <a:solidFill>
                     <a:schemeClr val="accent1">
                       <a:lumMod val="50000"/>
@@ -10317,13 +10229,6 @@
                 </a:rPr>
                 <a:t>1</a:t>
               </a:r>
-              <a:endParaRPr lang="en-US" sz="2800" baseline="-25000" dirty="0">
-                <a:solidFill>
-                  <a:schemeClr val="accent1">
-                    <a:lumMod val="50000"/>
-                  </a:schemeClr>
-                </a:solidFill>
-              </a:endParaRPr>
             </a:p>
           </p:txBody>
         </p:sp>
@@ -10473,7 +10378,7 @@
                 <a:t>c</a:t>
               </a:r>
               <a:r>
-                <a:rPr lang="en-US" sz="2800" baseline="-25000" dirty="0" smtClean="0">
+                <a:rPr lang="en-US" sz="2800" baseline="-25000" dirty="0">
                   <a:solidFill>
                     <a:schemeClr val="accent1">
                       <a:lumMod val="50000"/>
@@ -10482,13 +10387,6 @@
                 </a:rPr>
                 <a:t>0</a:t>
               </a:r>
-              <a:endParaRPr lang="en-US" sz="2800" baseline="-25000" dirty="0">
-                <a:solidFill>
-                  <a:schemeClr val="accent1">
-                    <a:lumMod val="50000"/>
-                  </a:schemeClr>
-                </a:solidFill>
-              </a:endParaRPr>
             </a:p>
           </p:txBody>
         </p:sp>
@@ -10529,7 +10427,7 @@
             <a:p>
               <a:pPr algn="ctr"/>
               <a:r>
-                <a:rPr lang="en-US" sz="2800" dirty="0" smtClean="0">
+                <a:rPr lang="en-US" sz="2800" dirty="0">
                   <a:solidFill>
                     <a:prstClr val="white"/>
                   </a:solidFill>
@@ -10597,7 +10495,7 @@
                 <a:t>c</a:t>
               </a:r>
               <a:r>
-                <a:rPr lang="en-US" sz="2800" baseline="-25000" dirty="0" smtClean="0">
+                <a:rPr lang="en-US" sz="2800" baseline="-25000" dirty="0">
                   <a:solidFill>
                     <a:schemeClr val="accent1">
                       <a:lumMod val="50000"/>
@@ -10606,13 +10504,6 @@
                 </a:rPr>
                 <a:t>1</a:t>
               </a:r>
-              <a:endParaRPr lang="en-US" sz="2800" baseline="-25000" dirty="0">
-                <a:solidFill>
-                  <a:schemeClr val="accent1">
-                    <a:lumMod val="50000"/>
-                  </a:schemeClr>
-                </a:solidFill>
-              </a:endParaRPr>
             </a:p>
           </p:txBody>
         </p:sp>
@@ -10708,10 +10599,9 @@
                 <a:t>f</a:t>
               </a:r>
               <a:r>
-                <a:rPr lang="en-US" sz="3200" baseline="-25000" dirty="0" smtClean="0"/>
+                <a:rPr lang="en-US" sz="3200" baseline="-25000" dirty="0"/>
                 <a:t>1</a:t>
               </a:r>
-              <a:endParaRPr lang="en-US" sz="3200" baseline="-25000" dirty="0"/>
             </a:p>
           </p:txBody>
         </p:sp>
@@ -10803,14 +10693,13 @@
             <a:p>
               <a:pPr algn="ctr"/>
               <a:r>
-                <a:rPr lang="en-US" sz="3200" dirty="0" smtClean="0"/>
+                <a:rPr lang="en-US" sz="3200" dirty="0"/>
                 <a:t>i</a:t>
               </a:r>
               <a:r>
-                <a:rPr lang="en-US" sz="3200" baseline="-25000" dirty="0" smtClean="0"/>
+                <a:rPr lang="en-US" sz="3200" baseline="-25000" dirty="0"/>
                 <a:t>1</a:t>
               </a:r>
-              <a:endParaRPr lang="en-US" sz="3200" baseline="-25000" dirty="0"/>
             </a:p>
           </p:txBody>
         </p:sp>
@@ -10866,13 +10755,6 @@
   <p:clrMapOvr>
     <a:masterClrMapping/>
   </p:clrMapOvr>
-  <p:timing>
-    <p:tnLst>
-      <p:par>
-        <p:cTn id="1" dur="indefinite" restart="never" nodeType="tmRoot"/>
-      </p:par>
-    </p:tnLst>
-  </p:timing>
 </p:sld>
 </file>
 
@@ -10909,10 +10791,9 @@
           <a:lstStyle/>
           <a:p>
             <a:r>
-              <a:rPr lang="en-US" dirty="0" smtClean="0"/>
+              <a:rPr lang="en-US" dirty="0"/>
               <a:t>Transforming RNN to LSTM</a:t>
             </a:r>
-            <a:endParaRPr lang="en-US" dirty="0"/>
           </a:p>
         </p:txBody>
       </p:sp>
@@ -11197,7 +11078,7 @@
             <a:p>
               <a:pPr lvl="0" algn="ctr"/>
               <a:r>
-                <a:rPr lang="en-US" sz="2800" dirty="0" err="1" smtClean="0">
+                <a:rPr lang="en-US" sz="2800" dirty="0" err="1">
                   <a:solidFill>
                     <a:srgbClr val="9DBFBE">
                       <a:lumMod val="50000"/>
@@ -11207,7 +11088,7 @@
                 <a:t>w</a:t>
               </a:r>
               <a:r>
-                <a:rPr lang="en-US" sz="2800" baseline="-25000" dirty="0" err="1" smtClean="0">
+                <a:rPr lang="en-US" sz="2800" baseline="-25000" dirty="0" err="1">
                   <a:solidFill>
                     <a:srgbClr val="9DBFBE">
                       <a:lumMod val="50000"/>
@@ -11253,7 +11134,7 @@
             <a:p>
               <a:pPr lvl="0" algn="ctr"/>
               <a:r>
-                <a:rPr lang="en-US" sz="2800" dirty="0" err="1" smtClean="0">
+                <a:rPr lang="en-US" sz="2800" dirty="0" err="1">
                   <a:solidFill>
                     <a:srgbClr val="9DBFBE">
                       <a:lumMod val="50000"/>
@@ -11263,7 +11144,7 @@
                 <a:t>w</a:t>
               </a:r>
               <a:r>
-                <a:rPr lang="en-US" sz="2800" baseline="-25000" dirty="0" err="1" smtClean="0">
+                <a:rPr lang="en-US" sz="2800" baseline="-25000" dirty="0" err="1">
                   <a:solidFill>
                     <a:srgbClr val="9DBFBE">
                       <a:lumMod val="50000"/>
@@ -11332,7 +11213,7 @@
             <a:p>
               <a:pPr algn="ctr"/>
               <a:r>
-                <a:rPr lang="en-US" sz="2800" dirty="0" smtClean="0">
+                <a:rPr lang="en-US" sz="2800" dirty="0">
                   <a:solidFill>
                     <a:schemeClr val="accent1">
                       <a:lumMod val="50000"/>
@@ -11342,7 +11223,7 @@
                 <a:t>x</a:t>
               </a:r>
               <a:r>
-                <a:rPr lang="en-US" sz="2800" baseline="-25000" dirty="0" smtClean="0">
+                <a:rPr lang="en-US" sz="2800" baseline="-25000" dirty="0">
                   <a:solidFill>
                     <a:schemeClr val="accent1">
                       <a:lumMod val="50000"/>
@@ -11351,13 +11232,6 @@
                 </a:rPr>
                 <a:t>1</a:t>
               </a:r>
-              <a:endParaRPr lang="en-US" sz="2800" baseline="-25000" dirty="0">
-                <a:solidFill>
-                  <a:schemeClr val="accent1">
-                    <a:lumMod val="50000"/>
-                  </a:schemeClr>
-                </a:solidFill>
-              </a:endParaRPr>
             </a:p>
           </p:txBody>
         </p:sp>
@@ -11408,7 +11282,7 @@
             <a:p>
               <a:pPr algn="ctr"/>
               <a:r>
-                <a:rPr lang="en-US" sz="2800" dirty="0" smtClean="0">
+                <a:rPr lang="en-US" sz="2800" dirty="0">
                   <a:solidFill>
                     <a:schemeClr val="accent1">
                       <a:lumMod val="50000"/>
@@ -11569,7 +11443,7 @@
                 <a:t>u</a:t>
               </a:r>
               <a:r>
-                <a:rPr lang="en-US" sz="2800" baseline="-25000" dirty="0" smtClean="0">
+                <a:rPr lang="en-US" sz="2800" baseline="-25000" dirty="0">
                   <a:solidFill>
                     <a:schemeClr val="accent1">
                       <a:lumMod val="50000"/>
@@ -11578,13 +11452,6 @@
                 </a:rPr>
                 <a:t>1</a:t>
               </a:r>
-              <a:endParaRPr lang="en-US" sz="2800" baseline="-25000" dirty="0">
-                <a:solidFill>
-                  <a:schemeClr val="accent1">
-                    <a:lumMod val="50000"/>
-                  </a:schemeClr>
-                </a:solidFill>
-              </a:endParaRPr>
             </a:p>
           </p:txBody>
         </p:sp>
@@ -11734,7 +11601,7 @@
                 <a:t>c</a:t>
               </a:r>
               <a:r>
-                <a:rPr lang="en-US" sz="2800" baseline="-25000" dirty="0" smtClean="0">
+                <a:rPr lang="en-US" sz="2800" baseline="-25000" dirty="0">
                   <a:solidFill>
                     <a:schemeClr val="accent1">
                       <a:lumMod val="50000"/>
@@ -11743,13 +11610,6 @@
                 </a:rPr>
                 <a:t>0</a:t>
               </a:r>
-              <a:endParaRPr lang="en-US" sz="2800" baseline="-25000" dirty="0">
-                <a:solidFill>
-                  <a:schemeClr val="accent1">
-                    <a:lumMod val="50000"/>
-                  </a:schemeClr>
-                </a:solidFill>
-              </a:endParaRPr>
             </a:p>
           </p:txBody>
         </p:sp>
@@ -11790,7 +11650,7 @@
             <a:p>
               <a:pPr algn="ctr"/>
               <a:r>
-                <a:rPr lang="en-US" sz="2800" dirty="0" smtClean="0">
+                <a:rPr lang="en-US" sz="2800" dirty="0">
                   <a:solidFill>
                     <a:prstClr val="white"/>
                   </a:solidFill>
@@ -11858,7 +11718,7 @@
                 <a:t>c</a:t>
               </a:r>
               <a:r>
-                <a:rPr lang="en-US" sz="2800" baseline="-25000" dirty="0" smtClean="0">
+                <a:rPr lang="en-US" sz="2800" baseline="-25000" dirty="0">
                   <a:solidFill>
                     <a:schemeClr val="accent1">
                       <a:lumMod val="50000"/>
@@ -11867,13 +11727,6 @@
                 </a:rPr>
                 <a:t>1</a:t>
               </a:r>
-              <a:endParaRPr lang="en-US" sz="2800" baseline="-25000" dirty="0">
-                <a:solidFill>
-                  <a:schemeClr val="accent1">
-                    <a:lumMod val="50000"/>
-                  </a:schemeClr>
-                </a:solidFill>
-              </a:endParaRPr>
             </a:p>
           </p:txBody>
         </p:sp>
@@ -11969,10 +11822,9 @@
                 <a:t>f</a:t>
               </a:r>
               <a:r>
-                <a:rPr lang="en-US" sz="3200" baseline="-25000" dirty="0" smtClean="0"/>
+                <a:rPr lang="en-US" sz="3200" baseline="-25000" dirty="0"/>
                 <a:t>1</a:t>
               </a:r>
-              <a:endParaRPr lang="en-US" sz="3200" baseline="-25000" dirty="0"/>
             </a:p>
           </p:txBody>
         </p:sp>
@@ -12064,14 +11916,13 @@
             <a:p>
               <a:pPr algn="ctr"/>
               <a:r>
-                <a:rPr lang="en-US" sz="3200" dirty="0" smtClean="0"/>
+                <a:rPr lang="en-US" sz="3200" dirty="0"/>
                 <a:t>i</a:t>
               </a:r>
               <a:r>
-                <a:rPr lang="en-US" sz="3200" baseline="-25000" dirty="0" smtClean="0"/>
+                <a:rPr lang="en-US" sz="3200" baseline="-25000" dirty="0"/>
                 <a:t>1</a:t>
               </a:r>
-              <a:endParaRPr lang="en-US" sz="3200" baseline="-25000" dirty="0"/>
             </a:p>
           </p:txBody>
         </p:sp>
@@ -12127,13 +11978,6 @@
   <p:clrMapOvr>
     <a:masterClrMapping/>
   </p:clrMapOvr>
-  <p:timing>
-    <p:tnLst>
-      <p:par>
-        <p:cTn id="1" dur="indefinite" restart="never" nodeType="tmRoot"/>
-      </p:par>
-    </p:tnLst>
-  </p:timing>
 </p:sld>
 </file>
 
@@ -12192,7 +12036,7 @@
             <a:p>
               <a:pPr lvl="0" algn="ctr"/>
               <a:r>
-                <a:rPr lang="en-US" sz="2800" dirty="0" err="1" smtClean="0">
+                <a:rPr lang="en-US" sz="2800" dirty="0" err="1">
                   <a:solidFill>
                     <a:srgbClr val="9DBFBE">
                       <a:lumMod val="50000"/>
@@ -12202,7 +12046,7 @@
                 <a:t>w</a:t>
               </a:r>
               <a:r>
-                <a:rPr lang="en-US" sz="2800" baseline="-25000" dirty="0" err="1" smtClean="0">
+                <a:rPr lang="en-US" sz="2800" baseline="-25000" dirty="0" err="1">
                   <a:solidFill>
                     <a:srgbClr val="9DBFBE">
                       <a:lumMod val="50000"/>
@@ -12248,7 +12092,7 @@
             <a:p>
               <a:pPr lvl="0" algn="ctr"/>
               <a:r>
-                <a:rPr lang="en-US" sz="2800" dirty="0" err="1" smtClean="0">
+                <a:rPr lang="en-US" sz="2800" dirty="0" err="1">
                   <a:solidFill>
                     <a:srgbClr val="9DBFBE">
                       <a:lumMod val="50000"/>
@@ -12258,7 +12102,7 @@
                 <a:t>w</a:t>
               </a:r>
               <a:r>
-                <a:rPr lang="en-US" sz="2800" baseline="-25000" dirty="0" err="1" smtClean="0">
+                <a:rPr lang="en-US" sz="2800" baseline="-25000" dirty="0" err="1">
                   <a:solidFill>
                     <a:srgbClr val="9DBFBE">
                       <a:lumMod val="50000"/>
@@ -12327,7 +12171,7 @@
             <a:p>
               <a:pPr algn="ctr"/>
               <a:r>
-                <a:rPr lang="en-US" sz="2800" dirty="0" smtClean="0">
+                <a:rPr lang="en-US" sz="2800" dirty="0">
                   <a:solidFill>
                     <a:schemeClr val="accent1">
                       <a:lumMod val="50000"/>
@@ -12337,7 +12181,7 @@
                 <a:t>x</a:t>
               </a:r>
               <a:r>
-                <a:rPr lang="en-US" sz="2800" baseline="-25000" dirty="0" smtClean="0">
+                <a:rPr lang="en-US" sz="2800" baseline="-25000" dirty="0">
                   <a:solidFill>
                     <a:schemeClr val="accent1">
                       <a:lumMod val="50000"/>
@@ -12346,13 +12190,6 @@
                 </a:rPr>
                 <a:t>1</a:t>
               </a:r>
-              <a:endParaRPr lang="en-US" sz="2800" baseline="-25000" dirty="0">
-                <a:solidFill>
-                  <a:schemeClr val="accent1">
-                    <a:lumMod val="50000"/>
-                  </a:schemeClr>
-                </a:solidFill>
-              </a:endParaRPr>
             </a:p>
           </p:txBody>
         </p:sp>
@@ -12403,7 +12240,7 @@
             <a:p>
               <a:pPr algn="ctr"/>
               <a:r>
-                <a:rPr lang="en-US" sz="2800" dirty="0" smtClean="0">
+                <a:rPr lang="en-US" sz="2800" dirty="0">
                   <a:solidFill>
                     <a:schemeClr val="accent1">
                       <a:lumMod val="50000"/>
@@ -12564,7 +12401,7 @@
                 <a:t>u</a:t>
               </a:r>
               <a:r>
-                <a:rPr lang="en-US" sz="2800" baseline="-25000" dirty="0" smtClean="0">
+                <a:rPr lang="en-US" sz="2800" baseline="-25000" dirty="0">
                   <a:solidFill>
                     <a:schemeClr val="accent1">
                       <a:lumMod val="50000"/>
@@ -12573,13 +12410,6 @@
                 </a:rPr>
                 <a:t>1</a:t>
               </a:r>
-              <a:endParaRPr lang="en-US" sz="2800" baseline="-25000" dirty="0">
-                <a:solidFill>
-                  <a:schemeClr val="accent1">
-                    <a:lumMod val="50000"/>
-                  </a:schemeClr>
-                </a:solidFill>
-              </a:endParaRPr>
             </a:p>
           </p:txBody>
         </p:sp>
@@ -12729,7 +12559,7 @@
                 <a:t>c</a:t>
               </a:r>
               <a:r>
-                <a:rPr lang="en-US" sz="2800" baseline="-25000" dirty="0" smtClean="0">
+                <a:rPr lang="en-US" sz="2800" baseline="-25000" dirty="0">
                   <a:solidFill>
                     <a:schemeClr val="accent1">
                       <a:lumMod val="50000"/>
@@ -12738,13 +12568,6 @@
                 </a:rPr>
                 <a:t>0</a:t>
               </a:r>
-              <a:endParaRPr lang="en-US" sz="2800" baseline="-25000" dirty="0">
-                <a:solidFill>
-                  <a:schemeClr val="accent1">
-                    <a:lumMod val="50000"/>
-                  </a:schemeClr>
-                </a:solidFill>
-              </a:endParaRPr>
             </a:p>
           </p:txBody>
         </p:sp>
@@ -12785,7 +12608,7 @@
             <a:p>
               <a:pPr algn="ctr"/>
               <a:r>
-                <a:rPr lang="en-US" sz="2800" dirty="0" smtClean="0">
+                <a:rPr lang="en-US" sz="2800" dirty="0">
                   <a:solidFill>
                     <a:prstClr val="white"/>
                   </a:solidFill>
@@ -12853,7 +12676,7 @@
                 <a:t>c</a:t>
               </a:r>
               <a:r>
-                <a:rPr lang="en-US" sz="2800" baseline="-25000" dirty="0" smtClean="0">
+                <a:rPr lang="en-US" sz="2800" baseline="-25000" dirty="0">
                   <a:solidFill>
                     <a:schemeClr val="accent1">
                       <a:lumMod val="50000"/>
@@ -12862,13 +12685,6 @@
                 </a:rPr>
                 <a:t>1</a:t>
               </a:r>
-              <a:endParaRPr lang="en-US" sz="2800" baseline="-25000" dirty="0">
-                <a:solidFill>
-                  <a:schemeClr val="accent1">
-                    <a:lumMod val="50000"/>
-                  </a:schemeClr>
-                </a:solidFill>
-              </a:endParaRPr>
             </a:p>
           </p:txBody>
         </p:sp>
@@ -12964,10 +12780,9 @@
                 <a:t>f</a:t>
               </a:r>
               <a:r>
-                <a:rPr lang="en-US" sz="3200" baseline="-25000" dirty="0" smtClean="0"/>
+                <a:rPr lang="en-US" sz="3200" baseline="-25000" dirty="0"/>
                 <a:t>1</a:t>
               </a:r>
-              <a:endParaRPr lang="en-US" sz="3200" baseline="-25000" dirty="0"/>
             </a:p>
           </p:txBody>
         </p:sp>
@@ -13059,14 +12874,13 @@
             <a:p>
               <a:pPr algn="ctr"/>
               <a:r>
-                <a:rPr lang="en-US" sz="3200" dirty="0" smtClean="0"/>
+                <a:rPr lang="en-US" sz="3200" dirty="0"/>
                 <a:t>i</a:t>
               </a:r>
               <a:r>
-                <a:rPr lang="en-US" sz="3200" baseline="-25000" dirty="0" smtClean="0"/>
+                <a:rPr lang="en-US" sz="3200" baseline="-25000" dirty="0"/>
                 <a:t>1</a:t>
               </a:r>
-              <a:endParaRPr lang="en-US" sz="3200" baseline="-25000" dirty="0"/>
             </a:p>
           </p:txBody>
         </p:sp>
@@ -13128,10 +12942,9 @@
           <a:lstStyle/>
           <a:p>
             <a:r>
-              <a:rPr lang="en-US" dirty="0" smtClean="0"/>
+              <a:rPr lang="en-US" dirty="0"/>
               <a:t>Transforming RNN to LSTM</a:t>
             </a:r>
-            <a:endParaRPr lang="en-US" dirty="0"/>
           </a:p>
         </p:txBody>
       </p:sp>
@@ -13196,7 +13009,7 @@
                   </m:oMath>
                 </a14:m>
                 <a:r>
-                  <a:rPr lang="en-US" sz="2400" dirty="0" smtClean="0"/>
+                  <a:rPr lang="en-US" sz="2400" dirty="0"/>
                   <a:t> </a:t>
                 </a:r>
                 <a14:m>
@@ -13507,10 +13320,9 @@
                 <a:t>f</a:t>
               </a:r>
               <a:r>
-                <a:rPr lang="en-US" sz="3200" baseline="-25000" dirty="0" smtClean="0"/>
+                <a:rPr lang="en-US" sz="3200" baseline="-25000" dirty="0"/>
                 <a:t>1</a:t>
               </a:r>
-              <a:endParaRPr lang="en-US" sz="3200" baseline="-25000" dirty="0"/>
             </a:p>
           </p:txBody>
         </p:sp>
@@ -13561,7 +13373,7 @@
             <a:p>
               <a:pPr algn="ctr"/>
               <a:r>
-                <a:rPr lang="en-US" sz="2800" dirty="0" smtClean="0">
+                <a:rPr lang="en-US" sz="2800" dirty="0">
                   <a:solidFill>
                     <a:schemeClr val="accent1">
                       <a:lumMod val="50000"/>
@@ -13571,7 +13383,7 @@
                 <a:t>x</a:t>
               </a:r>
               <a:r>
-                <a:rPr lang="en-US" sz="2800" baseline="-25000" dirty="0" smtClean="0">
+                <a:rPr lang="en-US" sz="2800" baseline="-25000" dirty="0">
                   <a:solidFill>
                     <a:schemeClr val="accent1">
                       <a:lumMod val="50000"/>
@@ -13580,13 +13392,6 @@
                 </a:rPr>
                 <a:t>1</a:t>
               </a:r>
-              <a:endParaRPr lang="en-US" sz="2800" baseline="-25000" dirty="0">
-                <a:solidFill>
-                  <a:schemeClr val="accent1">
-                    <a:lumMod val="50000"/>
-                  </a:schemeClr>
-                </a:solidFill>
-              </a:endParaRPr>
             </a:p>
           </p:txBody>
         </p:sp>
@@ -13637,7 +13442,7 @@
             <a:p>
               <a:pPr algn="ctr"/>
               <a:r>
-                <a:rPr lang="en-US" sz="2800" dirty="0" smtClean="0">
+                <a:rPr lang="en-US" sz="2800" dirty="0">
                   <a:solidFill>
                     <a:schemeClr val="accent1">
                       <a:lumMod val="50000"/>
@@ -13854,7 +13659,7 @@
             <a:p>
               <a:pPr lvl="0" algn="ctr"/>
               <a:r>
-                <a:rPr lang="en-US" sz="2800" dirty="0" err="1" smtClean="0">
+                <a:rPr lang="en-US" sz="2800" dirty="0" err="1">
                   <a:solidFill>
                     <a:srgbClr val="9DBFBE">
                       <a:lumMod val="50000"/>
@@ -13864,7 +13669,7 @@
                 <a:t>w</a:t>
               </a:r>
               <a:r>
-                <a:rPr lang="en-US" sz="2800" baseline="-25000" dirty="0" err="1" smtClean="0">
+                <a:rPr lang="en-US" sz="2800" baseline="-25000" dirty="0" err="1">
                   <a:solidFill>
                     <a:srgbClr val="9DBFBE">
                       <a:lumMod val="50000"/>
@@ -13910,7 +13715,7 @@
             <a:p>
               <a:pPr lvl="0" algn="ctr"/>
               <a:r>
-                <a:rPr lang="en-US" sz="2800" dirty="0" err="1" smtClean="0">
+                <a:rPr lang="en-US" sz="2800" dirty="0" err="1">
                   <a:solidFill>
                     <a:srgbClr val="9DBFBE">
                       <a:lumMod val="50000"/>
@@ -13920,7 +13725,7 @@
                 <a:t>w</a:t>
               </a:r>
               <a:r>
-                <a:rPr lang="en-US" sz="2800" baseline="-25000" dirty="0" err="1" smtClean="0">
+                <a:rPr lang="en-US" sz="2800" baseline="-25000" dirty="0" err="1">
                   <a:solidFill>
                     <a:srgbClr val="9DBFBE">
                       <a:lumMod val="50000"/>
@@ -13953,13 +13758,6 @@
   <p:clrMapOvr>
     <a:masterClrMapping/>
   </p:clrMapOvr>
-  <p:timing>
-    <p:tnLst>
-      <p:par>
-        <p:cTn id="1" dur="indefinite" restart="never" nodeType="tmRoot"/>
-      </p:par>
-    </p:tnLst>
-  </p:timing>
 </p:sld>
 </file>
 
@@ -14018,7 +13816,7 @@
             <a:p>
               <a:pPr lvl="0" algn="ctr"/>
               <a:r>
-                <a:rPr lang="en-US" sz="2800" dirty="0" err="1" smtClean="0">
+                <a:rPr lang="en-US" sz="2800" dirty="0" err="1">
                   <a:solidFill>
                     <a:srgbClr val="9DBFBE">
                       <a:lumMod val="50000"/>
@@ -14028,7 +13826,7 @@
                 <a:t>w</a:t>
               </a:r>
               <a:r>
-                <a:rPr lang="en-US" sz="2800" baseline="-25000" dirty="0" err="1" smtClean="0">
+                <a:rPr lang="en-US" sz="2800" baseline="-25000" dirty="0" err="1">
                   <a:solidFill>
                     <a:srgbClr val="9DBFBE">
                       <a:lumMod val="50000"/>
@@ -14074,7 +13872,7 @@
             <a:p>
               <a:pPr lvl="0" algn="ctr"/>
               <a:r>
-                <a:rPr lang="en-US" sz="2800" dirty="0" err="1" smtClean="0">
+                <a:rPr lang="en-US" sz="2800" dirty="0" err="1">
                   <a:solidFill>
                     <a:srgbClr val="9DBFBE">
                       <a:lumMod val="50000"/>
@@ -14084,7 +13882,7 @@
                 <a:t>w</a:t>
               </a:r>
               <a:r>
-                <a:rPr lang="en-US" sz="2800" baseline="-25000" dirty="0" err="1" smtClean="0">
+                <a:rPr lang="en-US" sz="2800" baseline="-25000" dirty="0" err="1">
                   <a:solidFill>
                     <a:srgbClr val="9DBFBE">
                       <a:lumMod val="50000"/>
@@ -14153,7 +13951,7 @@
             <a:p>
               <a:pPr algn="ctr"/>
               <a:r>
-                <a:rPr lang="en-US" sz="2800" dirty="0" smtClean="0">
+                <a:rPr lang="en-US" sz="2800" dirty="0">
                   <a:solidFill>
                     <a:schemeClr val="accent1">
                       <a:lumMod val="50000"/>
@@ -14163,7 +13961,7 @@
                 <a:t>x</a:t>
               </a:r>
               <a:r>
-                <a:rPr lang="en-US" sz="2800" baseline="-25000" dirty="0" smtClean="0">
+                <a:rPr lang="en-US" sz="2800" baseline="-25000" dirty="0">
                   <a:solidFill>
                     <a:schemeClr val="accent1">
                       <a:lumMod val="50000"/>
@@ -14172,13 +13970,6 @@
                 </a:rPr>
                 <a:t>1</a:t>
               </a:r>
-              <a:endParaRPr lang="en-US" sz="2800" baseline="-25000" dirty="0">
-                <a:solidFill>
-                  <a:schemeClr val="accent1">
-                    <a:lumMod val="50000"/>
-                  </a:schemeClr>
-                </a:solidFill>
-              </a:endParaRPr>
             </a:p>
           </p:txBody>
         </p:sp>
@@ -14229,7 +14020,7 @@
             <a:p>
               <a:pPr algn="ctr"/>
               <a:r>
-                <a:rPr lang="en-US" sz="2800" dirty="0" smtClean="0">
+                <a:rPr lang="en-US" sz="2800" dirty="0">
                   <a:solidFill>
                     <a:schemeClr val="accent1">
                       <a:lumMod val="50000"/>
@@ -14390,7 +14181,7 @@
                 <a:t>u</a:t>
               </a:r>
               <a:r>
-                <a:rPr lang="en-US" sz="2800" baseline="-25000" dirty="0" smtClean="0">
+                <a:rPr lang="en-US" sz="2800" baseline="-25000" dirty="0">
                   <a:solidFill>
                     <a:schemeClr val="accent1">
                       <a:lumMod val="50000"/>
@@ -14399,13 +14190,6 @@
                 </a:rPr>
                 <a:t>1</a:t>
               </a:r>
-              <a:endParaRPr lang="en-US" sz="2800" baseline="-25000" dirty="0">
-                <a:solidFill>
-                  <a:schemeClr val="accent1">
-                    <a:lumMod val="50000"/>
-                  </a:schemeClr>
-                </a:solidFill>
-              </a:endParaRPr>
             </a:p>
           </p:txBody>
         </p:sp>
@@ -14555,7 +14339,7 @@
                 <a:t>c</a:t>
               </a:r>
               <a:r>
-                <a:rPr lang="en-US" sz="2800" baseline="-25000" dirty="0" smtClean="0">
+                <a:rPr lang="en-US" sz="2800" baseline="-25000" dirty="0">
                   <a:solidFill>
                     <a:schemeClr val="accent1">
                       <a:lumMod val="50000"/>
@@ -14564,13 +14348,6 @@
                 </a:rPr>
                 <a:t>0</a:t>
               </a:r>
-              <a:endParaRPr lang="en-US" sz="2800" baseline="-25000" dirty="0">
-                <a:solidFill>
-                  <a:schemeClr val="accent1">
-                    <a:lumMod val="50000"/>
-                  </a:schemeClr>
-                </a:solidFill>
-              </a:endParaRPr>
             </a:p>
           </p:txBody>
         </p:sp>
@@ -14611,7 +14388,7 @@
             <a:p>
               <a:pPr algn="ctr"/>
               <a:r>
-                <a:rPr lang="en-US" sz="2800" dirty="0" smtClean="0">
+                <a:rPr lang="en-US" sz="2800" dirty="0">
                   <a:solidFill>
                     <a:prstClr val="white"/>
                   </a:solidFill>
@@ -14679,7 +14456,7 @@
                 <a:t>c</a:t>
               </a:r>
               <a:r>
-                <a:rPr lang="en-US" sz="2800" baseline="-25000" dirty="0" smtClean="0">
+                <a:rPr lang="en-US" sz="2800" baseline="-25000" dirty="0">
                   <a:solidFill>
                     <a:schemeClr val="accent1">
                       <a:lumMod val="50000"/>
@@ -14688,13 +14465,6 @@
                 </a:rPr>
                 <a:t>1</a:t>
               </a:r>
-              <a:endParaRPr lang="en-US" sz="2800" baseline="-25000" dirty="0">
-                <a:solidFill>
-                  <a:schemeClr val="accent1">
-                    <a:lumMod val="50000"/>
-                  </a:schemeClr>
-                </a:solidFill>
-              </a:endParaRPr>
             </a:p>
           </p:txBody>
         </p:sp>
@@ -14790,10 +14560,9 @@
                 <a:t>f</a:t>
               </a:r>
               <a:r>
-                <a:rPr lang="en-US" sz="3200" baseline="-25000" dirty="0" smtClean="0"/>
+                <a:rPr lang="en-US" sz="3200" baseline="-25000" dirty="0"/>
                 <a:t>1</a:t>
               </a:r>
-              <a:endParaRPr lang="en-US" sz="3200" baseline="-25000" dirty="0"/>
             </a:p>
           </p:txBody>
         </p:sp>
@@ -14885,14 +14654,13 @@
             <a:p>
               <a:pPr algn="ctr"/>
               <a:r>
-                <a:rPr lang="en-US" sz="3200" dirty="0" smtClean="0"/>
+                <a:rPr lang="en-US" sz="3200" dirty="0"/>
                 <a:t>i</a:t>
               </a:r>
               <a:r>
-                <a:rPr lang="en-US" sz="3200" baseline="-25000" dirty="0" smtClean="0"/>
+                <a:rPr lang="en-US" sz="3200" baseline="-25000" dirty="0"/>
                 <a:t>1</a:t>
               </a:r>
-              <a:endParaRPr lang="en-US" sz="3200" baseline="-25000" dirty="0"/>
             </a:p>
           </p:txBody>
         </p:sp>
@@ -14954,10 +14722,9 @@
           <a:lstStyle/>
           <a:p>
             <a:r>
-              <a:rPr lang="en-US" dirty="0" smtClean="0"/>
+              <a:rPr lang="en-US" dirty="0"/>
               <a:t>Transforming RNN to LSTM</a:t>
             </a:r>
-            <a:endParaRPr lang="en-US" dirty="0"/>
           </a:p>
         </p:txBody>
       </p:sp>
@@ -15022,7 +14789,7 @@
                   </m:oMath>
                 </a14:m>
                 <a:r>
-                  <a:rPr lang="en-US" sz="2400" dirty="0" smtClean="0"/>
+                  <a:rPr lang="en-US" sz="2400" dirty="0"/>
                   <a:t> </a:t>
                 </a:r>
                 <a14:m>
@@ -15329,7 +15096,7 @@
             <a:p>
               <a:pPr algn="ctr"/>
               <a:r>
-                <a:rPr lang="en-US" sz="2800" dirty="0" smtClean="0">
+                <a:rPr lang="en-US" sz="2800" dirty="0">
                   <a:solidFill>
                     <a:schemeClr val="accent1">
                       <a:lumMod val="50000"/>
@@ -15339,7 +15106,7 @@
                 <a:t>x</a:t>
               </a:r>
               <a:r>
-                <a:rPr lang="en-US" sz="2800" baseline="-25000" dirty="0" smtClean="0">
+                <a:rPr lang="en-US" sz="2800" baseline="-25000" dirty="0">
                   <a:solidFill>
                     <a:schemeClr val="accent1">
                       <a:lumMod val="50000"/>
@@ -15348,13 +15115,6 @@
                 </a:rPr>
                 <a:t>1</a:t>
               </a:r>
-              <a:endParaRPr lang="en-US" sz="2800" baseline="-25000" dirty="0">
-                <a:solidFill>
-                  <a:schemeClr val="accent1">
-                    <a:lumMod val="50000"/>
-                  </a:schemeClr>
-                </a:solidFill>
-              </a:endParaRPr>
             </a:p>
           </p:txBody>
         </p:sp>
@@ -15405,7 +15165,7 @@
             <a:p>
               <a:pPr algn="ctr"/>
               <a:r>
-                <a:rPr lang="en-US" sz="2800" dirty="0" smtClean="0">
+                <a:rPr lang="en-US" sz="2800" dirty="0">
                   <a:solidFill>
                     <a:schemeClr val="accent1">
                       <a:lumMod val="50000"/>
@@ -15622,7 +15382,7 @@
             <a:p>
               <a:pPr lvl="0" algn="ctr"/>
               <a:r>
-                <a:rPr lang="en-US" sz="2800" dirty="0" err="1" smtClean="0">
+                <a:rPr lang="en-US" sz="2800" dirty="0" err="1">
                   <a:solidFill>
                     <a:srgbClr val="9DBFBE">
                       <a:lumMod val="50000"/>
@@ -15632,7 +15392,7 @@
                 <a:t>w</a:t>
               </a:r>
               <a:r>
-                <a:rPr lang="en-US" sz="2800" baseline="-25000" dirty="0" err="1" smtClean="0">
+                <a:rPr lang="en-US" sz="2800" baseline="-25000" dirty="0" err="1">
                   <a:solidFill>
                     <a:srgbClr val="9DBFBE">
                       <a:lumMod val="50000"/>
@@ -15642,7 +15402,7 @@
                 <a:t>h</a:t>
               </a:r>
               <a:r>
-                <a:rPr lang="en-US" sz="2800" b="1" baseline="-25000" dirty="0" err="1" smtClean="0">
+                <a:rPr lang="en-US" sz="2800" b="1" baseline="-25000" dirty="0" err="1">
                   <a:solidFill>
                     <a:srgbClr val="9DBFBE">
                       <a:lumMod val="50000"/>
@@ -15688,7 +15448,7 @@
             <a:p>
               <a:pPr lvl="0" algn="ctr"/>
               <a:r>
-                <a:rPr lang="en-US" sz="2800" dirty="0" err="1" smtClean="0">
+                <a:rPr lang="en-US" sz="2800" dirty="0" err="1">
                   <a:solidFill>
                     <a:srgbClr val="9DBFBE">
                       <a:lumMod val="50000"/>
@@ -15698,7 +15458,7 @@
                 <a:t>w</a:t>
               </a:r>
               <a:r>
-                <a:rPr lang="en-US" sz="2800" baseline="-25000" dirty="0" err="1" smtClean="0">
+                <a:rPr lang="en-US" sz="2800" baseline="-25000" dirty="0" err="1">
                   <a:solidFill>
                     <a:srgbClr val="9DBFBE">
                       <a:lumMod val="50000"/>
@@ -15708,7 +15468,7 @@
                 <a:t>x</a:t>
               </a:r>
               <a:r>
-                <a:rPr lang="en-US" sz="2800" b="1" baseline="-25000" dirty="0" err="1" smtClean="0">
+                <a:rPr lang="en-US" sz="2800" b="1" baseline="-25000" dirty="0" err="1">
                   <a:solidFill>
                     <a:srgbClr val="9DBFBE">
                       <a:lumMod val="50000"/>
@@ -15777,14 +15537,13 @@
             <a:p>
               <a:pPr algn="ctr"/>
               <a:r>
-                <a:rPr lang="en-US" sz="3200" dirty="0" smtClean="0"/>
+                <a:rPr lang="en-US" sz="3200" dirty="0"/>
                 <a:t>i</a:t>
               </a:r>
               <a:r>
-                <a:rPr lang="en-US" sz="3200" baseline="-25000" dirty="0" smtClean="0"/>
+                <a:rPr lang="en-US" sz="3200" baseline="-25000" dirty="0"/>
                 <a:t>1</a:t>
               </a:r>
-              <a:endParaRPr lang="en-US" sz="3200" baseline="-25000" dirty="0"/>
             </a:p>
           </p:txBody>
         </p:sp>
@@ -15799,13 +15558,6 @@
   <p:clrMapOvr>
     <a:masterClrMapping/>
   </p:clrMapOvr>
-  <p:timing>
-    <p:tnLst>
-      <p:par>
-        <p:cTn id="1" dur="indefinite" restart="never" nodeType="tmRoot"/>
-      </p:par>
-    </p:tnLst>
-  </p:timing>
 </p:sld>
 </file>
 
@@ -15842,10 +15594,9 @@
           <a:lstStyle/>
           <a:p>
             <a:r>
-              <a:rPr lang="en-US" dirty="0" smtClean="0"/>
+              <a:rPr lang="en-US" dirty="0"/>
               <a:t>Transforming RNN to LSTM</a:t>
             </a:r>
-            <a:endParaRPr lang="en-US" dirty="0"/>
           </a:p>
         </p:txBody>
       </p:sp>
@@ -15887,7 +15638,7 @@
             <a:p>
               <a:pPr lvl="0" algn="ctr"/>
               <a:r>
-                <a:rPr lang="en-US" sz="2800" dirty="0" err="1" smtClean="0">
+                <a:rPr lang="en-US" sz="2800" dirty="0" err="1">
                   <a:solidFill>
                     <a:srgbClr val="9DBFBE">
                       <a:lumMod val="50000"/>
@@ -15897,7 +15648,7 @@
                 <a:t>w</a:t>
               </a:r>
               <a:r>
-                <a:rPr lang="en-US" sz="2800" baseline="-25000" dirty="0" err="1" smtClean="0">
+                <a:rPr lang="en-US" sz="2800" baseline="-25000" dirty="0" err="1">
                   <a:solidFill>
                     <a:srgbClr val="9DBFBE">
                       <a:lumMod val="50000"/>
@@ -15943,7 +15694,7 @@
             <a:p>
               <a:pPr lvl="0" algn="ctr"/>
               <a:r>
-                <a:rPr lang="en-US" sz="2800" dirty="0" err="1" smtClean="0">
+                <a:rPr lang="en-US" sz="2800" dirty="0" err="1">
                   <a:solidFill>
                     <a:srgbClr val="9DBFBE">
                       <a:lumMod val="50000"/>
@@ -15953,7 +15704,7 @@
                 <a:t>w</a:t>
               </a:r>
               <a:r>
-                <a:rPr lang="en-US" sz="2800" baseline="-25000" dirty="0" err="1" smtClean="0">
+                <a:rPr lang="en-US" sz="2800" baseline="-25000" dirty="0" err="1">
                   <a:solidFill>
                     <a:srgbClr val="9DBFBE">
                       <a:lumMod val="50000"/>
@@ -16022,7 +15773,7 @@
             <a:p>
               <a:pPr algn="ctr"/>
               <a:r>
-                <a:rPr lang="en-US" sz="2800" dirty="0" smtClean="0">
+                <a:rPr lang="en-US" sz="2800" dirty="0">
                   <a:solidFill>
                     <a:schemeClr val="accent1">
                       <a:lumMod val="50000"/>
@@ -16032,7 +15783,7 @@
                 <a:t>x</a:t>
               </a:r>
               <a:r>
-                <a:rPr lang="en-US" sz="2800" baseline="-25000" dirty="0" smtClean="0">
+                <a:rPr lang="en-US" sz="2800" baseline="-25000" dirty="0">
                   <a:solidFill>
                     <a:schemeClr val="accent1">
                       <a:lumMod val="50000"/>
@@ -16041,13 +15792,6 @@
                 </a:rPr>
                 <a:t>1</a:t>
               </a:r>
-              <a:endParaRPr lang="en-US" sz="2800" baseline="-25000" dirty="0">
-                <a:solidFill>
-                  <a:schemeClr val="accent1">
-                    <a:lumMod val="50000"/>
-                  </a:schemeClr>
-                </a:solidFill>
-              </a:endParaRPr>
             </a:p>
           </p:txBody>
         </p:sp>
@@ -16098,7 +15842,7 @@
             <a:p>
               <a:pPr algn="ctr"/>
               <a:r>
-                <a:rPr lang="en-US" sz="2800" dirty="0" smtClean="0">
+                <a:rPr lang="en-US" sz="2800" dirty="0">
                   <a:solidFill>
                     <a:schemeClr val="accent1">
                       <a:lumMod val="50000"/>
@@ -16259,7 +16003,7 @@
                 <a:t>u</a:t>
               </a:r>
               <a:r>
-                <a:rPr lang="en-US" sz="2800" baseline="-25000" dirty="0" smtClean="0">
+                <a:rPr lang="en-US" sz="2800" baseline="-25000" dirty="0">
                   <a:solidFill>
                     <a:schemeClr val="accent1">
                       <a:lumMod val="50000"/>
@@ -16268,13 +16012,6 @@
                 </a:rPr>
                 <a:t>1</a:t>
               </a:r>
-              <a:endParaRPr lang="en-US" sz="2800" baseline="-25000" dirty="0">
-                <a:solidFill>
-                  <a:schemeClr val="accent1">
-                    <a:lumMod val="50000"/>
-                  </a:schemeClr>
-                </a:solidFill>
-              </a:endParaRPr>
             </a:p>
           </p:txBody>
         </p:sp>
@@ -16424,7 +16161,7 @@
                 <a:t>c</a:t>
               </a:r>
               <a:r>
-                <a:rPr lang="en-US" sz="2800" baseline="-25000" dirty="0" smtClean="0">
+                <a:rPr lang="en-US" sz="2800" baseline="-25000" dirty="0">
                   <a:solidFill>
                     <a:schemeClr val="accent1">
                       <a:lumMod val="50000"/>
@@ -16433,13 +16170,6 @@
                 </a:rPr>
                 <a:t>0</a:t>
               </a:r>
-              <a:endParaRPr lang="en-US" sz="2800" baseline="-25000" dirty="0">
-                <a:solidFill>
-                  <a:schemeClr val="accent1">
-                    <a:lumMod val="50000"/>
-                  </a:schemeClr>
-                </a:solidFill>
-              </a:endParaRPr>
             </a:p>
           </p:txBody>
         </p:sp>
@@ -16480,7 +16210,7 @@
             <a:p>
               <a:pPr algn="ctr"/>
               <a:r>
-                <a:rPr lang="en-US" sz="2800" dirty="0" smtClean="0">
+                <a:rPr lang="en-US" sz="2800" dirty="0">
                   <a:solidFill>
                     <a:prstClr val="white"/>
                   </a:solidFill>
@@ -16548,7 +16278,7 @@
                 <a:t>c</a:t>
               </a:r>
               <a:r>
-                <a:rPr lang="en-US" sz="2800" baseline="-25000" dirty="0" smtClean="0">
+                <a:rPr lang="en-US" sz="2800" baseline="-25000" dirty="0">
                   <a:solidFill>
                     <a:schemeClr val="accent1">
                       <a:lumMod val="50000"/>
@@ -16557,13 +16287,6 @@
                 </a:rPr>
                 <a:t>1</a:t>
               </a:r>
-              <a:endParaRPr lang="en-US" sz="2800" baseline="-25000" dirty="0">
-                <a:solidFill>
-                  <a:schemeClr val="accent1">
-                    <a:lumMod val="50000"/>
-                  </a:schemeClr>
-                </a:solidFill>
-              </a:endParaRPr>
             </a:p>
           </p:txBody>
         </p:sp>
@@ -16659,10 +16382,9 @@
                 <a:t>f</a:t>
               </a:r>
               <a:r>
-                <a:rPr lang="en-US" sz="3200" baseline="-25000" dirty="0" smtClean="0"/>
+                <a:rPr lang="en-US" sz="3200" baseline="-25000" dirty="0"/>
                 <a:t>1</a:t>
               </a:r>
-              <a:endParaRPr lang="en-US" sz="3200" baseline="-25000" dirty="0"/>
             </a:p>
           </p:txBody>
         </p:sp>
@@ -16754,14 +16476,13 @@
             <a:p>
               <a:pPr algn="ctr"/>
               <a:r>
-                <a:rPr lang="en-US" sz="3200" dirty="0" smtClean="0"/>
+                <a:rPr lang="en-US" sz="3200" dirty="0"/>
                 <a:t>i</a:t>
               </a:r>
               <a:r>
-                <a:rPr lang="en-US" sz="3200" baseline="-25000" dirty="0" smtClean="0"/>
+                <a:rPr lang="en-US" sz="3200" baseline="-25000" dirty="0"/>
                 <a:t>1</a:t>
               </a:r>
-              <a:endParaRPr lang="en-US" sz="3200" baseline="-25000" dirty="0"/>
             </a:p>
           </p:txBody>
         </p:sp>
@@ -16868,7 +16589,7 @@
             <a:p>
               <a:pPr algn="ctr"/>
               <a:r>
-                <a:rPr lang="en-US" sz="2800" dirty="0" smtClean="0">
+                <a:rPr lang="en-US" sz="2800" dirty="0">
                   <a:solidFill>
                     <a:schemeClr val="accent1">
                       <a:lumMod val="50000"/>
@@ -16878,7 +16599,7 @@
                 <a:t>h</a:t>
               </a:r>
               <a:r>
-                <a:rPr lang="en-US" sz="2800" baseline="-25000" dirty="0" smtClean="0">
+                <a:rPr lang="en-US" sz="2800" baseline="-25000" dirty="0">
                   <a:solidFill>
                     <a:schemeClr val="accent1">
                       <a:lumMod val="50000"/>
@@ -16887,13 +16608,6 @@
                 </a:rPr>
                 <a:t>1</a:t>
               </a:r>
-              <a:endParaRPr lang="en-US" sz="2800" baseline="-25000" dirty="0">
-                <a:solidFill>
-                  <a:schemeClr val="accent1">
-                    <a:lumMod val="50000"/>
-                  </a:schemeClr>
-                </a:solidFill>
-              </a:endParaRPr>
             </a:p>
           </p:txBody>
         </p:sp>
@@ -16934,7 +16648,7 @@
             <a:p>
               <a:pPr algn="ctr"/>
               <a:r>
-                <a:rPr lang="en-US" sz="2000" dirty="0" err="1" smtClean="0">
+                <a:rPr lang="en-US" sz="2000" dirty="0" err="1">
                   <a:solidFill>
                     <a:prstClr val="white"/>
                   </a:solidFill>
@@ -17077,10 +16791,9 @@
                 <a:t>o</a:t>
               </a:r>
               <a:r>
-                <a:rPr lang="en-US" sz="3200" baseline="-25000" dirty="0" smtClean="0"/>
+                <a:rPr lang="en-US" sz="3200" baseline="-25000" dirty="0"/>
                 <a:t>1</a:t>
               </a:r>
-              <a:endParaRPr lang="en-US" sz="3200" baseline="-25000" dirty="0"/>
             </a:p>
           </p:txBody>
         </p:sp>
@@ -17505,14 +17218,11 @@
           <a:lstStyle/>
           <a:p>
             <a:r>
-              <a:rPr lang="en-US" sz="3200" dirty="0" smtClean="0">
+              <a:rPr lang="en-US" sz="3200" dirty="0">
                 <a:latin typeface="Georgia" panose="02040502050405020303" pitchFamily="18" charset="0"/>
               </a:rPr>
               <a:t>RNN</a:t>
             </a:r>
-            <a:endParaRPr lang="en-US" sz="3200" dirty="0">
-              <a:latin typeface="Georgia" panose="02040502050405020303" pitchFamily="18" charset="0"/>
-            </a:endParaRPr>
           </a:p>
         </p:txBody>
       </p:sp>
@@ -17539,14 +17249,11 @@
           <a:lstStyle/>
           <a:p>
             <a:r>
-              <a:rPr lang="en-US" sz="3200" dirty="0" smtClean="0">
+              <a:rPr lang="en-US" sz="3200" dirty="0">
                 <a:latin typeface="Georgia" panose="02040502050405020303" pitchFamily="18" charset="0"/>
               </a:rPr>
               <a:t>LSTM</a:t>
             </a:r>
-            <a:endParaRPr lang="en-US" sz="3200" dirty="0">
-              <a:latin typeface="Georgia" panose="02040502050405020303" pitchFamily="18" charset="0"/>
-            </a:endParaRPr>
           </a:p>
         </p:txBody>
       </p:sp>
@@ -17590,13 +17297,6 @@
   <p:clrMapOvr>
     <a:masterClrMapping/>
   </p:clrMapOvr>
-  <p:timing>
-    <p:tnLst>
-      <p:par>
-        <p:cTn id="1" dur="indefinite" restart="never" nodeType="tmRoot"/>
-      </p:par>
-    </p:tnLst>
-  </p:timing>
 </p:sld>
 </file>
 
@@ -17783,10 +17483,9 @@
           <a:lstStyle/>
           <a:p>
             <a:r>
-              <a:rPr lang="en-US" dirty="0" smtClean="0"/>
+              <a:rPr lang="en-US" dirty="0"/>
               <a:t>LSTM for Sequences</a:t>
             </a:r>
-            <a:endParaRPr lang="en-US" dirty="0"/>
           </a:p>
         </p:txBody>
       </p:sp>
@@ -17842,7 +17541,7 @@
               <a:p>
                 <a:pPr lvl="0" algn="ctr"/>
                 <a:r>
-                  <a:rPr lang="en-US" sz="900" dirty="0" err="1" smtClean="0">
+                  <a:rPr lang="en-US" sz="900" dirty="0" err="1">
                     <a:solidFill>
                       <a:srgbClr val="9DBFBE">
                         <a:lumMod val="50000"/>
@@ -17852,7 +17551,7 @@
                   <a:t>w</a:t>
                 </a:r>
                 <a:r>
-                  <a:rPr lang="en-US" sz="900" baseline="-25000" dirty="0" err="1" smtClean="0">
+                  <a:rPr lang="en-US" sz="900" baseline="-25000" dirty="0" err="1">
                     <a:solidFill>
                       <a:srgbClr val="9DBFBE">
                         <a:lumMod val="50000"/>
@@ -17898,7 +17597,7 @@
               <a:p>
                 <a:pPr lvl="0" algn="ctr"/>
                 <a:r>
-                  <a:rPr lang="en-US" sz="900" dirty="0" err="1" smtClean="0">
+                  <a:rPr lang="en-US" sz="900" dirty="0" err="1">
                     <a:solidFill>
                       <a:srgbClr val="9DBFBE">
                         <a:lumMod val="50000"/>
@@ -17908,7 +17607,7 @@
                   <a:t>w</a:t>
                 </a:r>
                 <a:r>
-                  <a:rPr lang="en-US" sz="900" baseline="-25000" dirty="0" err="1" smtClean="0">
+                  <a:rPr lang="en-US" sz="900" baseline="-25000" dirty="0" err="1">
                     <a:solidFill>
                       <a:srgbClr val="9DBFBE">
                         <a:lumMod val="50000"/>
@@ -17977,7 +17676,7 @@
               <a:p>
                 <a:pPr algn="ctr"/>
                 <a:r>
-                  <a:rPr lang="en-US" sz="900" dirty="0" smtClean="0">
+                  <a:rPr lang="en-US" sz="900" dirty="0">
                     <a:solidFill>
                       <a:schemeClr val="accent1">
                         <a:lumMod val="50000"/>
@@ -17987,7 +17686,7 @@
                   <a:t>x</a:t>
                 </a:r>
                 <a:r>
-                  <a:rPr lang="en-US" sz="900" baseline="-25000" dirty="0" smtClean="0">
+                  <a:rPr lang="en-US" sz="900" baseline="-25000" dirty="0">
                     <a:solidFill>
                       <a:schemeClr val="accent1">
                         <a:lumMod val="50000"/>
@@ -17996,13 +17695,6 @@
                   </a:rPr>
                   <a:t>1</a:t>
                 </a:r>
-                <a:endParaRPr lang="en-US" sz="900" baseline="-25000" dirty="0">
-                  <a:solidFill>
-                    <a:schemeClr val="accent1">
-                      <a:lumMod val="50000"/>
-                    </a:schemeClr>
-                  </a:solidFill>
-                </a:endParaRPr>
               </a:p>
             </p:txBody>
           </p:sp>
@@ -18053,7 +17745,7 @@
               <a:p>
                 <a:pPr algn="ctr"/>
                 <a:r>
-                  <a:rPr lang="en-US" sz="900" dirty="0" smtClean="0">
+                  <a:rPr lang="en-US" sz="900" dirty="0">
                     <a:solidFill>
                       <a:schemeClr val="accent1">
                         <a:lumMod val="50000"/>
@@ -18214,7 +17906,7 @@
                   <a:t>u</a:t>
                 </a:r>
                 <a:r>
-                  <a:rPr lang="en-US" sz="900" baseline="-25000" dirty="0" smtClean="0">
+                  <a:rPr lang="en-US" sz="900" baseline="-25000" dirty="0">
                     <a:solidFill>
                       <a:schemeClr val="accent1">
                         <a:lumMod val="50000"/>
@@ -18223,13 +17915,6 @@
                   </a:rPr>
                   <a:t>1</a:t>
                 </a:r>
-                <a:endParaRPr lang="en-US" sz="900" baseline="-25000" dirty="0">
-                  <a:solidFill>
-                    <a:schemeClr val="accent1">
-                      <a:lumMod val="50000"/>
-                    </a:schemeClr>
-                  </a:solidFill>
-                </a:endParaRPr>
               </a:p>
             </p:txBody>
           </p:sp>
@@ -18379,7 +18064,7 @@
                   <a:t>c</a:t>
                 </a:r>
                 <a:r>
-                  <a:rPr lang="en-US" sz="900" baseline="-25000" dirty="0" smtClean="0">
+                  <a:rPr lang="en-US" sz="900" baseline="-25000" dirty="0">
                     <a:solidFill>
                       <a:schemeClr val="accent1">
                         <a:lumMod val="50000"/>
@@ -18388,13 +18073,6 @@
                   </a:rPr>
                   <a:t>0</a:t>
                 </a:r>
-                <a:endParaRPr lang="en-US" sz="900" baseline="-25000" dirty="0">
-                  <a:solidFill>
-                    <a:schemeClr val="accent1">
-                      <a:lumMod val="50000"/>
-                    </a:schemeClr>
-                  </a:solidFill>
-                </a:endParaRPr>
               </a:p>
             </p:txBody>
           </p:sp>
@@ -18435,7 +18113,7 @@
               <a:p>
                 <a:pPr algn="ctr"/>
                 <a:r>
-                  <a:rPr lang="en-US" sz="900" dirty="0" smtClean="0">
+                  <a:rPr lang="en-US" sz="900" dirty="0">
                     <a:solidFill>
                       <a:prstClr val="white"/>
                     </a:solidFill>
@@ -18503,7 +18181,7 @@
                   <a:t>c</a:t>
                 </a:r>
                 <a:r>
-                  <a:rPr lang="en-US" sz="900" baseline="-25000" dirty="0" smtClean="0">
+                  <a:rPr lang="en-US" sz="900" baseline="-25000" dirty="0">
                     <a:solidFill>
                       <a:schemeClr val="accent1">
                         <a:lumMod val="50000"/>
@@ -18512,13 +18190,6 @@
                   </a:rPr>
                   <a:t>1</a:t>
                 </a:r>
-                <a:endParaRPr lang="en-US" sz="900" baseline="-25000" dirty="0">
-                  <a:solidFill>
-                    <a:schemeClr val="accent1">
-                      <a:lumMod val="50000"/>
-                    </a:schemeClr>
-                  </a:solidFill>
-                </a:endParaRPr>
               </a:p>
             </p:txBody>
           </p:sp>
@@ -18614,10 +18285,9 @@
                   <a:t>f</a:t>
                 </a:r>
                 <a:r>
-                  <a:rPr lang="en-US" sz="900" baseline="-25000" dirty="0" smtClean="0"/>
+                  <a:rPr lang="en-US" sz="900" baseline="-25000" dirty="0"/>
                   <a:t>1</a:t>
                 </a:r>
-                <a:endParaRPr lang="en-US" sz="900" baseline="-25000" dirty="0"/>
               </a:p>
             </p:txBody>
           </p:sp>
@@ -18709,14 +18379,13 @@
               <a:p>
                 <a:pPr algn="ctr"/>
                 <a:r>
-                  <a:rPr lang="en-US" sz="900" dirty="0" smtClean="0"/>
+                  <a:rPr lang="en-US" sz="900" dirty="0"/>
                   <a:t>i</a:t>
                 </a:r>
                 <a:r>
-                  <a:rPr lang="en-US" sz="900" baseline="-25000" dirty="0" smtClean="0"/>
+                  <a:rPr lang="en-US" sz="900" baseline="-25000" dirty="0"/>
                   <a:t>1</a:t>
                 </a:r>
-                <a:endParaRPr lang="en-US" sz="900" baseline="-25000" dirty="0"/>
               </a:p>
             </p:txBody>
           </p:sp>
@@ -18823,7 +18492,7 @@
               <a:p>
                 <a:pPr algn="ctr"/>
                 <a:r>
-                  <a:rPr lang="en-US" sz="900" dirty="0" smtClean="0">
+                  <a:rPr lang="en-US" sz="900" dirty="0">
                     <a:solidFill>
                       <a:schemeClr val="accent1">
                         <a:lumMod val="50000"/>
@@ -18833,7 +18502,7 @@
                   <a:t>h</a:t>
                 </a:r>
                 <a:r>
-                  <a:rPr lang="en-US" sz="900" baseline="-25000" dirty="0" smtClean="0">
+                  <a:rPr lang="en-US" sz="900" baseline="-25000" dirty="0">
                     <a:solidFill>
                       <a:schemeClr val="accent1">
                         <a:lumMod val="50000"/>
@@ -18842,13 +18511,6 @@
                   </a:rPr>
                   <a:t>1</a:t>
                 </a:r>
-                <a:endParaRPr lang="en-US" sz="900" baseline="-25000" dirty="0">
-                  <a:solidFill>
-                    <a:schemeClr val="accent1">
-                      <a:lumMod val="50000"/>
-                    </a:schemeClr>
-                  </a:solidFill>
-                </a:endParaRPr>
               </a:p>
             </p:txBody>
           </p:sp>
@@ -18889,7 +18551,7 @@
               <a:p>
                 <a:pPr algn="ctr"/>
                 <a:r>
-                  <a:rPr lang="en-US" sz="900" dirty="0" err="1" smtClean="0">
+                  <a:rPr lang="en-US" sz="900" dirty="0" err="1">
                     <a:solidFill>
                       <a:prstClr val="white"/>
                     </a:solidFill>
@@ -19032,10 +18694,9 @@
                   <a:t>o</a:t>
                 </a:r>
                 <a:r>
-                  <a:rPr lang="en-US" sz="900" baseline="-25000" dirty="0" smtClean="0"/>
+                  <a:rPr lang="en-US" sz="900" baseline="-25000" dirty="0"/>
                   <a:t>1</a:t>
                 </a:r>
-                <a:endParaRPr lang="en-US" sz="900" baseline="-25000" dirty="0"/>
               </a:p>
             </p:txBody>
           </p:sp>
@@ -19093,7 +18754,7 @@
               <a:p>
                 <a:pPr lvl="0" algn="ctr"/>
                 <a:r>
-                  <a:rPr lang="en-US" sz="900" dirty="0" err="1" smtClean="0">
+                  <a:rPr lang="en-US" sz="900" dirty="0" err="1">
                     <a:solidFill>
                       <a:srgbClr val="9DBFBE">
                         <a:lumMod val="50000"/>
@@ -19103,7 +18764,7 @@
                   <a:t>w</a:t>
                 </a:r>
                 <a:r>
-                  <a:rPr lang="en-US" sz="900" baseline="-25000" dirty="0" err="1" smtClean="0">
+                  <a:rPr lang="en-US" sz="900" baseline="-25000" dirty="0" err="1">
                     <a:solidFill>
                       <a:srgbClr val="9DBFBE">
                         <a:lumMod val="50000"/>
@@ -19149,7 +18810,7 @@
               <a:p>
                 <a:pPr lvl="0" algn="ctr"/>
                 <a:r>
-                  <a:rPr lang="en-US" sz="900" dirty="0" err="1" smtClean="0">
+                  <a:rPr lang="en-US" sz="900" dirty="0" err="1">
                     <a:solidFill>
                       <a:srgbClr val="9DBFBE">
                         <a:lumMod val="50000"/>
@@ -19159,7 +18820,7 @@
                   <a:t>w</a:t>
                 </a:r>
                 <a:r>
-                  <a:rPr lang="en-US" sz="900" baseline="-25000" dirty="0" err="1" smtClean="0">
+                  <a:rPr lang="en-US" sz="900" baseline="-25000" dirty="0" err="1">
                     <a:solidFill>
                       <a:srgbClr val="9DBFBE">
                         <a:lumMod val="50000"/>
@@ -19228,7 +18889,7 @@
               <a:p>
                 <a:pPr algn="ctr"/>
                 <a:r>
-                  <a:rPr lang="en-US" sz="900" dirty="0" smtClean="0">
+                  <a:rPr lang="en-US" sz="900" dirty="0">
                     <a:solidFill>
                       <a:schemeClr val="accent1">
                         <a:lumMod val="50000"/>
@@ -19238,7 +18899,7 @@
                   <a:t>x</a:t>
                 </a:r>
                 <a:r>
-                  <a:rPr lang="en-US" sz="900" baseline="-25000" dirty="0" smtClean="0">
+                  <a:rPr lang="en-US" sz="900" baseline="-25000" dirty="0">
                     <a:solidFill>
                       <a:schemeClr val="accent1">
                         <a:lumMod val="50000"/>
@@ -19247,13 +18908,6 @@
                   </a:rPr>
                   <a:t>2</a:t>
                 </a:r>
-                <a:endParaRPr lang="en-US" sz="900" baseline="-25000" dirty="0">
-                  <a:solidFill>
-                    <a:schemeClr val="accent1">
-                      <a:lumMod val="50000"/>
-                    </a:schemeClr>
-                  </a:solidFill>
-                </a:endParaRPr>
               </a:p>
             </p:txBody>
           </p:sp>
@@ -19385,7 +19039,7 @@
               <a:p>
                 <a:pPr algn="ctr"/>
                 <a:r>
-                  <a:rPr lang="en-US" sz="900" dirty="0" smtClean="0">
+                  <a:rPr lang="en-US" sz="900" dirty="0">
                     <a:solidFill>
                       <a:schemeClr val="accent1">
                         <a:lumMod val="50000"/>
@@ -19395,7 +19049,7 @@
                   <a:t>u</a:t>
                 </a:r>
                 <a:r>
-                  <a:rPr lang="en-US" sz="900" baseline="-25000" dirty="0" smtClean="0">
+                  <a:rPr lang="en-US" sz="900" baseline="-25000" dirty="0">
                     <a:solidFill>
                       <a:schemeClr val="accent1">
                         <a:lumMod val="50000"/>
@@ -19404,13 +19058,6 @@
                   </a:rPr>
                   <a:t>2</a:t>
                 </a:r>
-                <a:endParaRPr lang="en-US" sz="900" baseline="-25000" dirty="0">
-                  <a:solidFill>
-                    <a:schemeClr val="accent1">
-                      <a:lumMod val="50000"/>
-                    </a:schemeClr>
-                  </a:solidFill>
-                </a:endParaRPr>
               </a:p>
             </p:txBody>
           </p:sp>
@@ -19540,7 +19187,7 @@
               <a:p>
                 <a:pPr algn="ctr"/>
                 <a:r>
-                  <a:rPr lang="en-US" sz="900" dirty="0" smtClean="0">
+                  <a:rPr lang="en-US" sz="900" dirty="0">
                     <a:solidFill>
                       <a:prstClr val="white"/>
                     </a:solidFill>
@@ -19598,7 +19245,7 @@
               <a:p>
                 <a:pPr algn="ctr"/>
                 <a:r>
-                  <a:rPr lang="en-US" sz="900" dirty="0" smtClean="0">
+                  <a:rPr lang="en-US" sz="900" dirty="0">
                     <a:solidFill>
                       <a:schemeClr val="accent1">
                         <a:lumMod val="50000"/>
@@ -19708,7 +19355,7 @@
               <a:p>
                 <a:pPr algn="ctr"/>
                 <a:r>
-                  <a:rPr lang="en-US" sz="900" dirty="0" smtClean="0"/>
+                  <a:rPr lang="en-US" sz="900" dirty="0"/>
                   <a:t>f</a:t>
                 </a:r>
                 <a:r>
@@ -19806,7 +19453,7 @@
               <a:p>
                 <a:pPr algn="ctr"/>
                 <a:r>
-                  <a:rPr lang="en-US" sz="900" dirty="0" smtClean="0"/>
+                  <a:rPr lang="en-US" sz="900" dirty="0"/>
                   <a:t>i</a:t>
                 </a:r>
                 <a:r>
@@ -19919,7 +19566,7 @@
               <a:p>
                 <a:pPr algn="ctr"/>
                 <a:r>
-                  <a:rPr lang="en-US" sz="900" dirty="0" smtClean="0">
+                  <a:rPr lang="en-US" sz="900" dirty="0">
                     <a:solidFill>
                       <a:schemeClr val="accent1">
                         <a:lumMod val="50000"/>
@@ -19978,7 +19625,7 @@
               <a:p>
                 <a:pPr algn="ctr"/>
                 <a:r>
-                  <a:rPr lang="en-US" sz="900" dirty="0" err="1" smtClean="0">
+                  <a:rPr lang="en-US" sz="900" dirty="0" err="1">
                     <a:solidFill>
                       <a:prstClr val="white"/>
                     </a:solidFill>
@@ -20117,7 +19764,7 @@
               <a:p>
                 <a:pPr algn="ctr"/>
                 <a:r>
-                  <a:rPr lang="en-US" sz="900" dirty="0" smtClean="0"/>
+                  <a:rPr lang="en-US" sz="900" dirty="0"/>
                   <a:t>o</a:t>
                 </a:r>
                 <a:r>
@@ -20181,7 +19828,7 @@
               <a:p>
                 <a:pPr lvl="0" algn="ctr"/>
                 <a:r>
-                  <a:rPr lang="en-US" sz="900" dirty="0" err="1" smtClean="0">
+                  <a:rPr lang="en-US" sz="900" dirty="0" err="1">
                     <a:solidFill>
                       <a:srgbClr val="9DBFBE">
                         <a:lumMod val="50000"/>
@@ -20191,7 +19838,7 @@
                   <a:t>w</a:t>
                 </a:r>
                 <a:r>
-                  <a:rPr lang="en-US" sz="900" baseline="-25000" dirty="0" err="1" smtClean="0">
+                  <a:rPr lang="en-US" sz="900" baseline="-25000" dirty="0" err="1">
                     <a:solidFill>
                       <a:srgbClr val="9DBFBE">
                         <a:lumMod val="50000"/>
@@ -20237,7 +19884,7 @@
               <a:p>
                 <a:pPr lvl="0" algn="ctr"/>
                 <a:r>
-                  <a:rPr lang="en-US" sz="900" dirty="0" err="1" smtClean="0">
+                  <a:rPr lang="en-US" sz="900" dirty="0" err="1">
                     <a:solidFill>
                       <a:srgbClr val="9DBFBE">
                         <a:lumMod val="50000"/>
@@ -20247,7 +19894,7 @@
                   <a:t>w</a:t>
                 </a:r>
                 <a:r>
-                  <a:rPr lang="en-US" sz="900" baseline="-25000" dirty="0" err="1" smtClean="0">
+                  <a:rPr lang="en-US" sz="900" baseline="-25000" dirty="0" err="1">
                     <a:solidFill>
                       <a:srgbClr val="9DBFBE">
                         <a:lumMod val="50000"/>
@@ -20316,7 +19963,7 @@
               <a:p>
                 <a:pPr algn="ctr"/>
                 <a:r>
-                  <a:rPr lang="en-US" sz="900" dirty="0" smtClean="0">
+                  <a:rPr lang="en-US" sz="900" dirty="0">
                     <a:solidFill>
                       <a:schemeClr val="accent1">
                         <a:lumMod val="50000"/>
@@ -20326,7 +19973,7 @@
                   <a:t>x</a:t>
                 </a:r>
                 <a:r>
-                  <a:rPr lang="en-US" sz="900" baseline="-25000" dirty="0" smtClean="0">
+                  <a:rPr lang="en-US" sz="900" baseline="-25000" dirty="0">
                     <a:solidFill>
                       <a:schemeClr val="accent1">
                         <a:lumMod val="50000"/>
@@ -20335,13 +19982,6 @@
                   </a:rPr>
                   <a:t>2</a:t>
                 </a:r>
-                <a:endParaRPr lang="en-US" sz="900" baseline="-25000" dirty="0">
-                  <a:solidFill>
-                    <a:schemeClr val="accent1">
-                      <a:lumMod val="50000"/>
-                    </a:schemeClr>
-                  </a:solidFill>
-                </a:endParaRPr>
               </a:p>
             </p:txBody>
           </p:sp>
@@ -20473,7 +20113,7 @@
               <a:p>
                 <a:pPr algn="ctr"/>
                 <a:r>
-                  <a:rPr lang="en-US" sz="900" dirty="0" smtClean="0">
+                  <a:rPr lang="en-US" sz="900" dirty="0">
                     <a:solidFill>
                       <a:schemeClr val="accent1">
                         <a:lumMod val="50000"/>
@@ -20483,7 +20123,7 @@
                   <a:t>u</a:t>
                 </a:r>
                 <a:r>
-                  <a:rPr lang="en-US" sz="900" baseline="-25000" dirty="0" smtClean="0">
+                  <a:rPr lang="en-US" sz="900" baseline="-25000" dirty="0">
                     <a:solidFill>
                       <a:schemeClr val="accent1">
                         <a:lumMod val="50000"/>
@@ -20492,13 +20132,6 @@
                   </a:rPr>
                   <a:t>2</a:t>
                 </a:r>
-                <a:endParaRPr lang="en-US" sz="900" baseline="-25000" dirty="0">
-                  <a:solidFill>
-                    <a:schemeClr val="accent1">
-                      <a:lumMod val="50000"/>
-                    </a:schemeClr>
-                  </a:solidFill>
-                </a:endParaRPr>
               </a:p>
             </p:txBody>
           </p:sp>
@@ -20628,7 +20261,7 @@
               <a:p>
                 <a:pPr algn="ctr"/>
                 <a:r>
-                  <a:rPr lang="en-US" sz="900" dirty="0" smtClean="0">
+                  <a:rPr lang="en-US" sz="900" dirty="0">
                     <a:solidFill>
                       <a:prstClr val="white"/>
                     </a:solidFill>
@@ -20686,7 +20319,7 @@
               <a:p>
                 <a:pPr algn="ctr"/>
                 <a:r>
-                  <a:rPr lang="en-US" sz="900" dirty="0" smtClean="0">
+                  <a:rPr lang="en-US" sz="900" dirty="0">
                     <a:solidFill>
                       <a:schemeClr val="accent1">
                         <a:lumMod val="50000"/>
@@ -20795,7 +20428,7 @@
               <a:p>
                 <a:pPr algn="ctr"/>
                 <a:r>
-                  <a:rPr lang="en-US" sz="900" dirty="0" smtClean="0"/>
+                  <a:rPr lang="en-US" sz="900" dirty="0"/>
                   <a:t>f</a:t>
                 </a:r>
                 <a:r>
@@ -20893,7 +20526,7 @@
               <a:p>
                 <a:pPr algn="ctr"/>
                 <a:r>
-                  <a:rPr lang="en-US" sz="900" dirty="0" smtClean="0"/>
+                  <a:rPr lang="en-US" sz="900" dirty="0"/>
                   <a:t>i</a:t>
                 </a:r>
                 <a:r>
@@ -21006,7 +20639,7 @@
               <a:p>
                 <a:pPr algn="ctr"/>
                 <a:r>
-                  <a:rPr lang="en-US" sz="900" dirty="0" smtClean="0">
+                  <a:rPr lang="en-US" sz="900" dirty="0">
                     <a:solidFill>
                       <a:schemeClr val="accent1">
                         <a:lumMod val="50000"/>
@@ -21065,7 +20698,7 @@
               <a:p>
                 <a:pPr algn="ctr"/>
                 <a:r>
-                  <a:rPr lang="en-US" sz="900" dirty="0" err="1" smtClean="0">
+                  <a:rPr lang="en-US" sz="900" dirty="0" err="1">
                     <a:solidFill>
                       <a:prstClr val="white"/>
                     </a:solidFill>
@@ -21204,7 +20837,7 @@
               <a:p>
                 <a:pPr algn="ctr"/>
                 <a:r>
-                  <a:rPr lang="en-US" sz="900" dirty="0" smtClean="0"/>
+                  <a:rPr lang="en-US" sz="900" dirty="0"/>
                   <a:t>o</a:t>
                 </a:r>
                 <a:r>
@@ -21240,7 +20873,7 @@
           <a:p>
             <a:pPr algn="ctr"/>
             <a:r>
-              <a:rPr lang="en-US" sz="4000" b="1" dirty="0" smtClean="0">
+              <a:rPr lang="en-US" sz="4000" b="1" dirty="0">
                 <a:solidFill>
                   <a:schemeClr val="accent1">
                     <a:lumMod val="50000"/>
@@ -21249,13 +20882,6 @@
               </a:rPr>
               <a:t>The</a:t>
             </a:r>
-            <a:endParaRPr lang="en-US" sz="4000" b="1" dirty="0">
-              <a:solidFill>
-                <a:schemeClr val="accent1">
-                  <a:lumMod val="50000"/>
-                </a:schemeClr>
-              </a:solidFill>
-            </a:endParaRPr>
           </a:p>
         </p:txBody>
       </p:sp>
@@ -21290,25 +20916,8 @@
                   </a:schemeClr>
                 </a:solidFill>
               </a:rPr>
-              <a:t>c</a:t>
-            </a:r>
-            <a:r>
-              <a:rPr lang="en-US" sz="4000" b="1" dirty="0" smtClean="0">
-                <a:solidFill>
-                  <a:schemeClr val="accent1">
-                    <a:lumMod val="50000"/>
-                  </a:schemeClr>
-                </a:solidFill>
-              </a:rPr>
-              <a:t>at</a:t>
-            </a:r>
-            <a:endParaRPr lang="en-US" sz="4000" b="1" dirty="0">
-              <a:solidFill>
-                <a:schemeClr val="accent1">
-                  <a:lumMod val="50000"/>
-                </a:schemeClr>
-              </a:solidFill>
-            </a:endParaRPr>
+              <a:t>cat</a:t>
+            </a:r>
           </a:p>
         </p:txBody>
       </p:sp>
@@ -21336,7 +20945,7 @@
           <a:p>
             <a:pPr algn="ctr"/>
             <a:r>
-              <a:rPr lang="en-US" sz="4000" b="1" dirty="0" smtClean="0">
+              <a:rPr lang="en-US" sz="4000" b="1" dirty="0">
                 <a:solidFill>
                   <a:schemeClr val="accent1">
                     <a:lumMod val="50000"/>
@@ -21345,13 +20954,6 @@
               </a:rPr>
               <a:t>sat</a:t>
             </a:r>
-            <a:endParaRPr lang="en-US" sz="4000" b="1" dirty="0">
-              <a:solidFill>
-                <a:schemeClr val="accent1">
-                  <a:lumMod val="50000"/>
-                </a:schemeClr>
-              </a:solidFill>
-            </a:endParaRPr>
           </a:p>
         </p:txBody>
       </p:sp>
@@ -21643,10 +21245,9 @@
           <a:lstStyle/>
           <a:p>
             <a:r>
-              <a:rPr lang="en-US" dirty="0" smtClean="0"/>
+              <a:rPr lang="en-US" dirty="0"/>
               <a:t>LSTM Applications</a:t>
             </a:r>
-            <a:endParaRPr lang="en-US" dirty="0"/>
           </a:p>
         </p:txBody>
       </p:sp>
@@ -21689,23 +21290,15 @@
               </a:lnSpc>
             </a:pPr>
             <a:r>
-              <a:rPr lang="en-US" dirty="0" smtClean="0"/>
-              <a:t>Paraphrase detection (</a:t>
-            </a:r>
-            <a:r>
               <a:rPr lang="en-US" dirty="0"/>
-              <a:t>Cheng </a:t>
-            </a:r>
-            <a:r>
-              <a:rPr lang="en-US" dirty="0" smtClean="0"/>
-              <a:t>&amp; </a:t>
-            </a:r>
-            <a:r>
-              <a:rPr lang="en-US" dirty="0" err="1" smtClean="0"/>
+              <a:t>Paraphrase detection (Cheng &amp; </a:t>
+            </a:r>
+            <a:r>
+              <a:rPr lang="en-US" dirty="0" err="1"/>
               <a:t>Kartsaklis</a:t>
             </a:r>
             <a:r>
-              <a:rPr lang="en-US" dirty="0" smtClean="0"/>
+              <a:rPr lang="en-US" dirty="0"/>
               <a:t>, 2015)</a:t>
             </a:r>
           </a:p>
@@ -21716,7 +21309,7 @@
               </a:lnSpc>
             </a:pPr>
             <a:r>
-              <a:rPr lang="en-US" dirty="0" smtClean="0"/>
+              <a:rPr lang="en-US" dirty="0"/>
               <a:t>Speech recognition (Graves, Abdel-Rahman, &amp; Hinton, 2013)</a:t>
             </a:r>
           </a:p>
@@ -21727,23 +21320,15 @@
               </a:lnSpc>
             </a:pPr>
             <a:r>
-              <a:rPr lang="en-US" dirty="0" smtClean="0"/>
-              <a:t>Handwriting recognition (Graves</a:t>
-            </a:r>
-            <a:r>
               <a:rPr lang="en-US" dirty="0"/>
-              <a:t> </a:t>
-            </a:r>
-            <a:r>
-              <a:rPr lang="en-US" dirty="0" smtClean="0"/>
-              <a:t>&amp; </a:t>
-            </a:r>
-            <a:r>
-              <a:rPr lang="en-US" dirty="0" err="1" smtClean="0"/>
+              <a:t>Handwriting recognition (Graves &amp; </a:t>
+            </a:r>
+            <a:r>
+              <a:rPr lang="en-US" dirty="0" err="1"/>
               <a:t>Schmidhuber</a:t>
             </a:r>
             <a:r>
-              <a:rPr lang="en-US" dirty="0" smtClean="0"/>
+              <a:rPr lang="en-US" dirty="0"/>
               <a:t>, 2009)</a:t>
             </a:r>
           </a:p>
@@ -21754,31 +21339,23 @@
               </a:lnSpc>
             </a:pPr>
             <a:r>
-              <a:rPr lang="en-US" dirty="0" smtClean="0"/>
-              <a:t>Music composition (</a:t>
-            </a:r>
-            <a:r>
               <a:rPr lang="en-US" dirty="0"/>
-              <a:t>Eck </a:t>
-            </a:r>
-            <a:r>
-              <a:rPr lang="en-US" dirty="0" smtClean="0"/>
-              <a:t>&amp; </a:t>
-            </a:r>
-            <a:r>
-              <a:rPr lang="en-US" dirty="0" err="1" smtClean="0"/>
+              <a:t>Music composition (Eck &amp; </a:t>
+            </a:r>
+            <a:r>
+              <a:rPr lang="en-US" dirty="0" err="1"/>
               <a:t>Schmidhuber</a:t>
             </a:r>
             <a:r>
-              <a:rPr lang="en-US" dirty="0" smtClean="0"/>
+              <a:rPr lang="en-US" dirty="0"/>
               <a:t>, 2002) and lyric generation (Potash, Romanov, &amp; </a:t>
             </a:r>
             <a:r>
-              <a:rPr lang="en-US" dirty="0" err="1" smtClean="0"/>
+              <a:rPr lang="en-US" dirty="0" err="1"/>
               <a:t>Rumshisky</a:t>
             </a:r>
             <a:r>
-              <a:rPr lang="en-US" dirty="0" smtClean="0"/>
+              <a:rPr lang="en-US" dirty="0"/>
               <a:t>, 2015)</a:t>
             </a:r>
           </a:p>
@@ -21789,7 +21366,7 @@
               </a:lnSpc>
             </a:pPr>
             <a:r>
-              <a:rPr lang="en-US" dirty="0" smtClean="0"/>
+              <a:rPr lang="en-US" dirty="0"/>
               <a:t>Robot control (Mayer et al., 2008)</a:t>
             </a:r>
           </a:p>
@@ -21800,7 +21377,7 @@
               </a:lnSpc>
             </a:pPr>
             <a:r>
-              <a:rPr lang="en-US" dirty="0" smtClean="0"/>
+              <a:rPr lang="en-US" dirty="0"/>
               <a:t>Natural language generation (Wen et al. 2015) (best paper at EMNLP)</a:t>
             </a:r>
           </a:p>
@@ -21811,15 +21388,15 @@
               </a:lnSpc>
             </a:pPr>
             <a:r>
-              <a:rPr lang="en-US" dirty="0" smtClean="0"/>
+              <a:rPr lang="en-US" dirty="0"/>
               <a:t>Named entity recognition (</a:t>
             </a:r>
             <a:r>
-              <a:rPr lang="en-US" dirty="0" err="1" smtClean="0"/>
+              <a:rPr lang="en-US" dirty="0" err="1"/>
               <a:t>Hammerton</a:t>
             </a:r>
             <a:r>
-              <a:rPr lang="en-US" dirty="0" smtClean="0"/>
+              <a:rPr lang="en-US" dirty="0"/>
               <a:t>, 2003)</a:t>
             </a:r>
           </a:p>
@@ -21897,13 +21474,6 @@
   <p:clrMapOvr>
     <a:masterClrMapping/>
   </p:clrMapOvr>
-  <p:timing>
-    <p:tnLst>
-      <p:par>
-        <p:cTn id="1" dur="indefinite" restart="never" nodeType="tmRoot"/>
-      </p:par>
-    </p:tnLst>
-  </p:timing>
 </p:sld>
 </file>
 
@@ -21942,10 +21512,9 @@
           <a:lstStyle/>
           <a:p>
             <a:r>
-              <a:rPr lang="en-US" dirty="0" smtClean="0"/>
+              <a:rPr lang="en-US" dirty="0"/>
               <a:t>Long Short-Term Memory Networks (LSTM) and GRUs</a:t>
             </a:r>
-            <a:endParaRPr lang="en-US" dirty="0"/>
           </a:p>
         </p:txBody>
       </p:sp>
@@ -21965,10 +21534,9 @@
           <a:lstStyle/>
           <a:p>
             <a:r>
-              <a:rPr lang="en-US" dirty="0" smtClean="0"/>
+              <a:rPr lang="en-US" dirty="0"/>
               <a:t>Deep Learning</a:t>
             </a:r>
-            <a:endParaRPr lang="en-US" dirty="0"/>
           </a:p>
         </p:txBody>
       </p:sp>
@@ -22013,10 +21581,9 @@
           <a:lstStyle/>
           <a:p>
             <a:r>
-              <a:rPr lang="en-US" dirty="0" smtClean="0"/>
+              <a:rPr lang="en-US" dirty="0"/>
               <a:t>Other Architectures</a:t>
             </a:r>
-            <a:endParaRPr lang="en-US" dirty="0"/>
           </a:p>
         </p:txBody>
       </p:sp>
@@ -22036,20 +21603,20 @@
           <a:lstStyle/>
           <a:p>
             <a:r>
-              <a:rPr lang="en-US" dirty="0" smtClean="0"/>
+              <a:rPr lang="en-US" dirty="0"/>
               <a:t>Bidirectional LSTM</a:t>
             </a:r>
           </a:p>
           <a:p>
             <a:pPr lvl="1"/>
             <a:r>
-              <a:rPr lang="en-US" dirty="0" smtClean="0"/>
+              <a:rPr lang="en-US" dirty="0"/>
               <a:t>Concatenate two one-directional LSTMs</a:t>
             </a:r>
           </a:p>
           <a:p>
             <a:r>
-              <a:rPr lang="en-US" dirty="0" smtClean="0"/>
+              <a:rPr lang="en-US" dirty="0"/>
               <a:t>Stacked LSTM</a:t>
             </a:r>
           </a:p>
@@ -22104,10 +21671,9 @@
           <a:lstStyle/>
           <a:p>
             <a:r>
-              <a:rPr lang="en-US" dirty="0" smtClean="0"/>
+              <a:rPr lang="en-US" dirty="0"/>
               <a:t>Related Architectures: GRU</a:t>
             </a:r>
-            <a:endParaRPr lang="en-US" dirty="0"/>
           </a:p>
         </p:txBody>
       </p:sp>
@@ -22135,7 +21701,7 @@
           <a:p>
             <a:pPr lvl="0" algn="ctr"/>
             <a:r>
-              <a:rPr lang="en-US" sz="2800" dirty="0" err="1" smtClean="0">
+              <a:rPr lang="en-US" sz="2800" dirty="0" err="1">
                 <a:solidFill>
                   <a:srgbClr val="9DBFBE">
                     <a:lumMod val="50000"/>
@@ -22145,7 +21711,7 @@
               <a:t>w</a:t>
             </a:r>
             <a:r>
-              <a:rPr lang="en-US" sz="2800" baseline="-25000" dirty="0" err="1" smtClean="0">
+              <a:rPr lang="en-US" sz="2800" baseline="-25000" dirty="0" err="1">
                 <a:solidFill>
                   <a:srgbClr val="9DBFBE">
                     <a:lumMod val="50000"/>
@@ -22191,7 +21757,7 @@
           <a:p>
             <a:pPr lvl="0" algn="ctr"/>
             <a:r>
-              <a:rPr lang="en-US" sz="2800" dirty="0" err="1" smtClean="0">
+              <a:rPr lang="en-US" sz="2800" dirty="0" err="1">
                 <a:solidFill>
                   <a:srgbClr val="9DBFBE">
                     <a:lumMod val="50000"/>
@@ -22201,7 +21767,7 @@
               <a:t>w</a:t>
             </a:r>
             <a:r>
-              <a:rPr lang="en-US" sz="2800" baseline="-25000" dirty="0" err="1" smtClean="0">
+              <a:rPr lang="en-US" sz="2800" baseline="-25000" dirty="0" err="1">
                 <a:solidFill>
                   <a:srgbClr val="9DBFBE">
                     <a:lumMod val="50000"/>
@@ -22270,7 +21836,7 @@
           <a:p>
             <a:pPr algn="ctr"/>
             <a:r>
-              <a:rPr lang="en-US" sz="2800" dirty="0" smtClean="0">
+              <a:rPr lang="en-US" sz="2800" dirty="0">
                 <a:solidFill>
                   <a:schemeClr val="accent1">
                     <a:lumMod val="50000"/>
@@ -22280,7 +21846,7 @@
               <a:t>x</a:t>
             </a:r>
             <a:r>
-              <a:rPr lang="en-US" sz="2800" baseline="-25000" dirty="0" smtClean="0">
+              <a:rPr lang="en-US" sz="2800" baseline="-25000" dirty="0">
                 <a:solidFill>
                   <a:schemeClr val="accent1">
                     <a:lumMod val="50000"/>
@@ -22289,13 +21855,6 @@
               </a:rPr>
               <a:t>1</a:t>
             </a:r>
-            <a:endParaRPr lang="en-US" sz="2800" baseline="-25000" dirty="0">
-              <a:solidFill>
-                <a:schemeClr val="accent1">
-                  <a:lumMod val="50000"/>
-                </a:schemeClr>
-              </a:solidFill>
-            </a:endParaRPr>
           </a:p>
         </p:txBody>
       </p:sp>
@@ -22346,7 +21905,7 @@
           <a:p>
             <a:pPr algn="ctr"/>
             <a:r>
-              <a:rPr lang="en-US" sz="2800" dirty="0" smtClean="0">
+              <a:rPr lang="en-US" sz="2800" dirty="0">
                 <a:solidFill>
                   <a:schemeClr val="accent1">
                     <a:lumMod val="50000"/>
@@ -22497,7 +22056,7 @@
           <a:p>
             <a:pPr algn="ctr"/>
             <a:r>
-              <a:rPr lang="en-US" sz="2800" dirty="0" smtClean="0">
+              <a:rPr lang="en-US" sz="2800" dirty="0">
                 <a:solidFill>
                   <a:schemeClr val="accent1">
                     <a:lumMod val="50000"/>
@@ -22507,7 +22066,7 @@
               <a:t>ĥ</a:t>
             </a:r>
             <a:r>
-              <a:rPr lang="en-US" sz="2800" baseline="-25000" dirty="0" smtClean="0">
+              <a:rPr lang="en-US" sz="2800" baseline="-25000" dirty="0">
                 <a:solidFill>
                   <a:schemeClr val="accent1">
                     <a:lumMod val="50000"/>
@@ -22516,13 +22075,6 @@
               </a:rPr>
               <a:t>1</a:t>
             </a:r>
-            <a:endParaRPr lang="en-US" sz="2800" baseline="-25000" dirty="0">
-              <a:solidFill>
-                <a:schemeClr val="accent1">
-                  <a:lumMod val="50000"/>
-                </a:schemeClr>
-              </a:solidFill>
-            </a:endParaRPr>
           </a:p>
         </p:txBody>
       </p:sp>
@@ -22662,7 +22214,7 @@
           <a:p>
             <a:pPr algn="ctr"/>
             <a:r>
-              <a:rPr lang="en-US" sz="2800" dirty="0" smtClean="0">
+              <a:rPr lang="en-US" sz="2800" dirty="0">
                 <a:solidFill>
                   <a:schemeClr val="accent1">
                     <a:lumMod val="50000"/>
@@ -22672,7 +22224,7 @@
               <a:t>h</a:t>
             </a:r>
             <a:r>
-              <a:rPr lang="en-US" sz="2800" baseline="-25000" dirty="0" smtClean="0">
+              <a:rPr lang="en-US" sz="2800" baseline="-25000" dirty="0">
                 <a:solidFill>
                   <a:schemeClr val="accent1">
                     <a:lumMod val="50000"/>
@@ -22681,13 +22233,6 @@
               </a:rPr>
               <a:t>1</a:t>
             </a:r>
-            <a:endParaRPr lang="en-US" sz="2800" baseline="-25000" dirty="0">
-              <a:solidFill>
-                <a:schemeClr val="accent1">
-                  <a:lumMod val="50000"/>
-                </a:schemeClr>
-              </a:solidFill>
-            </a:endParaRPr>
           </a:p>
         </p:txBody>
       </p:sp>
@@ -22781,14 +22326,13 @@
           <a:p>
             <a:pPr algn="ctr"/>
             <a:r>
-              <a:rPr lang="en-US" sz="3200" dirty="0" smtClean="0"/>
+              <a:rPr lang="en-US" sz="3200" dirty="0"/>
               <a:t>z</a:t>
             </a:r>
             <a:r>
-              <a:rPr lang="en-US" sz="3200" baseline="-25000" dirty="0" smtClean="0"/>
+              <a:rPr lang="en-US" sz="3200" baseline="-25000" dirty="0"/>
               <a:t>1</a:t>
             </a:r>
-            <a:endParaRPr lang="en-US" sz="3200" baseline="-25000" dirty="0"/>
           </a:p>
         </p:txBody>
       </p:sp>
@@ -22829,7 +22373,7 @@
           <a:p>
             <a:pPr algn="ctr"/>
             <a:r>
-              <a:rPr lang="en-US" sz="2800" dirty="0" smtClean="0">
+              <a:rPr lang="en-US" sz="2800" dirty="0">
                 <a:solidFill>
                   <a:prstClr val="white"/>
                 </a:solidFill>
@@ -22930,14 +22474,13 @@
           <a:p>
             <a:pPr algn="ctr"/>
             <a:r>
-              <a:rPr lang="en-US" sz="3200" dirty="0" smtClean="0"/>
+              <a:rPr lang="en-US" sz="3200" dirty="0"/>
               <a:t>1-z</a:t>
             </a:r>
             <a:r>
-              <a:rPr lang="en-US" sz="3200" baseline="-25000" dirty="0" smtClean="0"/>
+              <a:rPr lang="en-US" sz="3200" baseline="-25000" dirty="0"/>
               <a:t>1</a:t>
             </a:r>
-            <a:endParaRPr lang="en-US" sz="3200" baseline="-25000" dirty="0"/>
           </a:p>
         </p:txBody>
       </p:sp>
@@ -23033,10 +22576,9 @@
               <a:t>r</a:t>
             </a:r>
             <a:r>
-              <a:rPr lang="en-US" sz="3200" baseline="-25000" dirty="0" smtClean="0"/>
+              <a:rPr lang="en-US" sz="3200" baseline="-25000" dirty="0"/>
               <a:t>1</a:t>
             </a:r>
-            <a:endParaRPr lang="en-US" sz="3200" baseline="-25000" dirty="0"/>
           </a:p>
         </p:txBody>
       </p:sp>
@@ -23063,10 +22605,9 @@
           <a:lstStyle/>
           <a:p>
             <a:r>
-              <a:rPr lang="en-US" sz="2800" dirty="0" smtClean="0"/>
+              <a:rPr lang="en-US" sz="2800" dirty="0"/>
               <a:t>Chung et al. (2014) reports comparable performance to LSTM</a:t>
             </a:r>
-            <a:endParaRPr lang="en-US" sz="2800" dirty="0"/>
           </a:p>
         </p:txBody>
       </p:sp>
@@ -23080,13 +22621,6 @@
   <p:clrMapOvr>
     <a:masterClrMapping/>
   </p:clrMapOvr>
-  <p:timing>
-    <p:tnLst>
-      <p:par>
-        <p:cTn id="1" dur="indefinite" restart="never" nodeType="tmRoot"/>
-      </p:par>
-    </p:tnLst>
-  </p:timing>
 </p:sld>
 </file>
 
@@ -23163,10 +22697,9 @@
           <a:lstStyle/>
           <a:p>
             <a:r>
-              <a:rPr lang="en-US" dirty="0" smtClean="0"/>
+              <a:rPr lang="en-US" dirty="0"/>
               <a:t>Related Architectures: Tree LSTMs</a:t>
             </a:r>
-            <a:endParaRPr lang="en-US" dirty="0"/>
           </a:p>
         </p:txBody>
       </p:sp>
@@ -23217,7 +22750,7 @@
           <a:p>
             <a:pPr algn="ctr"/>
             <a:r>
-              <a:rPr lang="en-US" sz="2800" dirty="0" smtClean="0">
+              <a:rPr lang="en-US" sz="2800" dirty="0">
                 <a:solidFill>
                   <a:schemeClr val="accent1">
                     <a:lumMod val="50000"/>
@@ -23296,7 +22829,7 @@
               <a:t>c</a:t>
             </a:r>
             <a:r>
-              <a:rPr lang="en-US" sz="2800" baseline="-25000" dirty="0" smtClean="0">
+              <a:rPr lang="en-US" sz="2800" baseline="-25000" dirty="0">
                 <a:solidFill>
                   <a:schemeClr val="accent1">
                     <a:lumMod val="50000"/>
@@ -23305,13 +22838,6 @@
               </a:rPr>
               <a:t>0</a:t>
             </a:r>
-            <a:endParaRPr lang="en-US" sz="2800" baseline="-25000" dirty="0">
-              <a:solidFill>
-                <a:schemeClr val="accent1">
-                  <a:lumMod val="50000"/>
-                </a:schemeClr>
-              </a:solidFill>
-            </a:endParaRPr>
           </a:p>
         </p:txBody>
       </p:sp>
@@ -23402,7 +22928,7 @@
           <a:p>
             <a:pPr algn="ctr"/>
             <a:r>
-              <a:rPr lang="en-US" sz="2800" dirty="0" smtClean="0">
+              <a:rPr lang="en-US" sz="2800" dirty="0">
                 <a:solidFill>
                   <a:schemeClr val="accent1">
                     <a:lumMod val="50000"/>
@@ -23412,7 +22938,7 @@
               <a:t>h</a:t>
             </a:r>
             <a:r>
-              <a:rPr lang="en-US" sz="2800" baseline="-25000" dirty="0" smtClean="0">
+              <a:rPr lang="en-US" sz="2800" baseline="-25000" dirty="0">
                 <a:solidFill>
                   <a:schemeClr val="accent1">
                     <a:lumMod val="50000"/>
@@ -23421,13 +22947,6 @@
               </a:rPr>
               <a:t>1</a:t>
             </a:r>
-            <a:endParaRPr lang="en-US" sz="2800" baseline="-25000" dirty="0">
-              <a:solidFill>
-                <a:schemeClr val="accent1">
-                  <a:lumMod val="50000"/>
-                </a:schemeClr>
-              </a:solidFill>
-            </a:endParaRPr>
           </a:p>
         </p:txBody>
       </p:sp>
@@ -23478,7 +22997,7 @@
           <a:p>
             <a:pPr algn="ctr"/>
             <a:r>
-              <a:rPr lang="en-US" sz="2800" dirty="0" smtClean="0">
+              <a:rPr lang="en-US" sz="2800" dirty="0">
                 <a:solidFill>
                   <a:schemeClr val="accent1">
                     <a:lumMod val="50000"/>
@@ -23488,7 +23007,7 @@
               <a:t>c</a:t>
             </a:r>
             <a:r>
-              <a:rPr lang="en-US" sz="2800" baseline="-25000" dirty="0" smtClean="0">
+              <a:rPr lang="en-US" sz="2800" baseline="-25000" dirty="0">
                 <a:solidFill>
                   <a:schemeClr val="accent1">
                     <a:lumMod val="50000"/>
@@ -23497,13 +23016,6 @@
               </a:rPr>
               <a:t>1</a:t>
             </a:r>
-            <a:endParaRPr lang="en-US" sz="2800" baseline="-25000" dirty="0">
-              <a:solidFill>
-                <a:schemeClr val="accent1">
-                  <a:lumMod val="50000"/>
-                </a:schemeClr>
-              </a:solidFill>
-            </a:endParaRPr>
           </a:p>
         </p:txBody>
       </p:sp>
@@ -23554,7 +23066,7 @@
           <a:p>
             <a:pPr algn="ctr"/>
             <a:r>
-              <a:rPr lang="en-US" sz="2800" dirty="0" smtClean="0">
+              <a:rPr lang="en-US" sz="2800" dirty="0">
                 <a:solidFill>
                   <a:schemeClr val="accent1">
                     <a:lumMod val="50000"/>
@@ -23564,7 +23076,7 @@
               <a:t>x</a:t>
             </a:r>
             <a:r>
-              <a:rPr lang="en-US" sz="2800" baseline="-25000" dirty="0" smtClean="0">
+              <a:rPr lang="en-US" sz="2800" baseline="-25000" dirty="0">
                 <a:solidFill>
                   <a:schemeClr val="accent1">
                     <a:lumMod val="50000"/>
@@ -23573,13 +23085,6 @@
               </a:rPr>
               <a:t>2</a:t>
             </a:r>
-            <a:endParaRPr lang="en-US" sz="2800" baseline="-25000" dirty="0">
-              <a:solidFill>
-                <a:schemeClr val="accent1">
-                  <a:lumMod val="50000"/>
-                </a:schemeClr>
-              </a:solidFill>
-            </a:endParaRPr>
           </a:p>
         </p:txBody>
       </p:sp>
@@ -23670,7 +23175,7 @@
           <a:p>
             <a:pPr algn="ctr"/>
             <a:r>
-              <a:rPr lang="en-US" sz="2800" dirty="0" smtClean="0">
+              <a:rPr lang="en-US" sz="2800" dirty="0">
                 <a:solidFill>
                   <a:schemeClr val="accent1">
                     <a:lumMod val="50000"/>
@@ -23680,7 +23185,7 @@
               <a:t>h</a:t>
             </a:r>
             <a:r>
-              <a:rPr lang="en-US" sz="2800" baseline="-25000" dirty="0" smtClean="0">
+              <a:rPr lang="en-US" sz="2800" baseline="-25000" dirty="0">
                 <a:solidFill>
                   <a:schemeClr val="accent1">
                     <a:lumMod val="50000"/>
@@ -23689,13 +23194,6 @@
               </a:rPr>
               <a:t>2</a:t>
             </a:r>
-            <a:endParaRPr lang="en-US" sz="2800" baseline="-25000" dirty="0">
-              <a:solidFill>
-                <a:schemeClr val="accent1">
-                  <a:lumMod val="50000"/>
-                </a:schemeClr>
-              </a:solidFill>
-            </a:endParaRPr>
           </a:p>
         </p:txBody>
       </p:sp>
@@ -23746,7 +23244,7 @@
           <a:p>
             <a:pPr algn="ctr"/>
             <a:r>
-              <a:rPr lang="en-US" sz="2800" dirty="0" smtClean="0">
+              <a:rPr lang="en-US" sz="2800" dirty="0">
                 <a:solidFill>
                   <a:schemeClr val="accent1">
                     <a:lumMod val="50000"/>
@@ -23756,7 +23254,7 @@
               <a:t>c</a:t>
             </a:r>
             <a:r>
-              <a:rPr lang="en-US" sz="2800" baseline="-25000" dirty="0" smtClean="0">
+              <a:rPr lang="en-US" sz="2800" baseline="-25000" dirty="0">
                 <a:solidFill>
                   <a:schemeClr val="accent1">
                     <a:lumMod val="50000"/>
@@ -23765,13 +23263,6 @@
               </a:rPr>
               <a:t>2</a:t>
             </a:r>
-            <a:endParaRPr lang="en-US" sz="2800" baseline="-25000" dirty="0">
-              <a:solidFill>
-                <a:schemeClr val="accent1">
-                  <a:lumMod val="50000"/>
-                </a:schemeClr>
-              </a:solidFill>
-            </a:endParaRPr>
           </a:p>
         </p:txBody>
       </p:sp>
@@ -23822,7 +23313,7 @@
           <a:p>
             <a:pPr algn="ctr"/>
             <a:r>
-              <a:rPr lang="en-US" sz="2800" dirty="0" smtClean="0">
+              <a:rPr lang="en-US" sz="2800" dirty="0">
                 <a:solidFill>
                   <a:schemeClr val="accent1">
                     <a:lumMod val="50000"/>
@@ -24181,7 +23672,7 @@
           <a:p>
             <a:pPr algn="ctr"/>
             <a:r>
-              <a:rPr lang="en-US" sz="3200" dirty="0" err="1" smtClean="0"/>
+              <a:rPr lang="en-US" sz="3200" dirty="0" err="1"/>
               <a:t>i</a:t>
             </a:r>
             <a:endParaRPr lang="en-US" sz="3200" baseline="-25000" dirty="0"/>
@@ -24235,7 +23726,7 @@
           <a:p>
             <a:pPr algn="ctr"/>
             <a:r>
-              <a:rPr lang="en-US" sz="3200" dirty="0" smtClean="0"/>
+              <a:rPr lang="en-US" sz="3200" dirty="0"/>
               <a:t>o</a:t>
             </a:r>
             <a:endParaRPr lang="en-US" sz="3200" baseline="-25000" dirty="0"/>
@@ -24289,7 +23780,7 @@
           <a:p>
             <a:pPr algn="ctr"/>
             <a:r>
-              <a:rPr lang="en-US" sz="3200" dirty="0" smtClean="0"/>
+              <a:rPr lang="en-US" sz="3200" dirty="0"/>
               <a:t>f</a:t>
             </a:r>
             <a:endParaRPr lang="en-US" sz="3200" baseline="-25000" dirty="0"/>
@@ -24343,7 +23834,7 @@
           <a:p>
             <a:pPr algn="ctr"/>
             <a:r>
-              <a:rPr lang="en-US" sz="3200" dirty="0" smtClean="0"/>
+              <a:rPr lang="en-US" sz="3200" dirty="0"/>
               <a:t>f</a:t>
             </a:r>
             <a:endParaRPr lang="en-US" sz="3200" baseline="-25000" dirty="0"/>
@@ -24373,7 +23864,7 @@
           <a:lstStyle/>
           <a:p>
             <a:r>
-              <a:rPr lang="en-US" dirty="0" smtClean="0">
+              <a:rPr lang="en-US" dirty="0">
                 <a:solidFill>
                   <a:schemeClr val="bg2">
                     <a:lumMod val="25000"/>
@@ -24383,7 +23874,7 @@
               <a:t>Tai, </a:t>
             </a:r>
             <a:r>
-              <a:rPr lang="en-US" dirty="0" err="1" smtClean="0">
+              <a:rPr lang="en-US" dirty="0" err="1">
                 <a:solidFill>
                   <a:schemeClr val="bg2">
                     <a:lumMod val="25000"/>
@@ -24393,7 +23884,7 @@
               <a:t>Socher</a:t>
             </a:r>
             <a:r>
-              <a:rPr lang="en-US" dirty="0" smtClean="0">
+              <a:rPr lang="en-US" dirty="0">
                 <a:solidFill>
                   <a:schemeClr val="bg2">
                     <a:lumMod val="25000"/>
@@ -24402,13 +23893,6 @@
               </a:rPr>
               <a:t>, Manning 2015</a:t>
             </a:r>
-            <a:endParaRPr lang="en-US" dirty="0">
-              <a:solidFill>
-                <a:schemeClr val="bg2">
-                  <a:lumMod val="25000"/>
-                </a:schemeClr>
-              </a:solidFill>
-            </a:endParaRPr>
           </a:p>
         </p:txBody>
       </p:sp>
@@ -24422,13 +23906,6 @@
   <p:clrMapOvr>
     <a:masterClrMapping/>
   </p:clrMapOvr>
-  <p:timing>
-    <p:tnLst>
-      <p:par>
-        <p:cTn id="1" dur="indefinite" restart="never" nodeType="tmRoot"/>
-      </p:par>
-    </p:tnLst>
-  </p:timing>
 </p:sld>
 </file>
 
@@ -24465,10 +23942,9 @@
           <a:lstStyle/>
           <a:p>
             <a:r>
-              <a:rPr lang="en-US" dirty="0" smtClean="0"/>
+              <a:rPr lang="en-US" dirty="0"/>
               <a:t>External Link</a:t>
             </a:r>
-            <a:endParaRPr lang="en-US" dirty="0"/>
           </a:p>
         </p:txBody>
       </p:sp>
@@ -24498,19 +23974,12 @@
               <a:rPr lang="en-US" sz="3200" dirty="0">
                 <a:hlinkClick r:id="rId2"/>
               </a:rPr>
-              <a:t>http://colah.github.io/posts/2015-08-Understanding-LSTMs</a:t>
-            </a:r>
-            <a:r>
-              <a:rPr lang="en-US" sz="3200" dirty="0" smtClean="0">
-                <a:hlinkClick r:id="rId2"/>
-              </a:rPr>
-              <a:t>/</a:t>
-            </a:r>
-            <a:r>
-              <a:rPr lang="en-US" sz="3200" dirty="0" smtClean="0"/>
+              <a:t>http://colah.github.io/posts/2015-08-Understanding-LSTMs/</a:t>
+            </a:r>
+            <a:r>
+              <a:rPr lang="en-US" sz="3200" dirty="0"/>
               <a:t> </a:t>
             </a:r>
-            <a:endParaRPr lang="en-US" sz="3200" dirty="0"/>
           </a:p>
         </p:txBody>
       </p:sp>
@@ -24524,13 +23993,6 @@
   <p:clrMapOvr>
     <a:masterClrMapping/>
   </p:clrMapOvr>
-  <p:timing>
-    <p:tnLst>
-      <p:par>
-        <p:cTn id="1" dur="indefinite" restart="never" nodeType="tmRoot"/>
-      </p:par>
-    </p:tnLst>
-  </p:timing>
 </p:sld>
 </file>
 
@@ -24567,10 +24029,9 @@
           <a:lstStyle/>
           <a:p>
             <a:r>
-              <a:rPr lang="en-US" dirty="0" smtClean="0"/>
+              <a:rPr lang="en-US" dirty="0"/>
               <a:t>Next Steps</a:t>
             </a:r>
-            <a:endParaRPr lang="en-US" dirty="0"/>
           </a:p>
         </p:txBody>
       </p:sp>
@@ -24590,20 +24051,20 @@
           <a:lstStyle/>
           <a:p>
             <a:r>
-              <a:rPr lang="en-US" dirty="0" smtClean="0"/>
+              <a:rPr lang="en-US" dirty="0"/>
               <a:t>Moving away from RNN/LSTM to other architectures, such as transformers</a:t>
             </a:r>
           </a:p>
           <a:p>
             <a:pPr lvl="1"/>
             <a:r>
-              <a:rPr lang="en-US" dirty="0" smtClean="0"/>
+              <a:rPr lang="en-US" dirty="0"/>
               <a:t>Later lecture</a:t>
             </a:r>
           </a:p>
           <a:p>
             <a:r>
-              <a:rPr lang="en-US" dirty="0" smtClean="0"/>
+              <a:rPr lang="en-US" dirty="0"/>
               <a:t>(Chris Manning) the WMT 2016 final report has 44 instances of RNN whereas the WMT 2018 report has RNN 9 times and Transformer 63 times. </a:t>
             </a:r>
           </a:p>
@@ -24681,13 +24142,6 @@
   <p:clrMapOvr>
     <a:masterClrMapping/>
   </p:clrMapOvr>
-  <p:timing>
-    <p:tnLst>
-      <p:par>
-        <p:cTn id="1" dur="indefinite" restart="never" nodeType="tmRoot"/>
-      </p:par>
-    </p:tnLst>
-  </p:timing>
 </p:sld>
 </file>
 
@@ -24724,10 +24178,9 @@
           <a:lstStyle/>
           <a:p>
             <a:r>
-              <a:rPr lang="en-US" dirty="0" smtClean="0"/>
+              <a:rPr lang="en-US" dirty="0"/>
               <a:t>LSTM Motivation</a:t>
             </a:r>
-            <a:endParaRPr lang="en-US" dirty="0"/>
           </a:p>
         </p:txBody>
       </p:sp>
@@ -24755,10 +24208,9 @@
               <a:buNone/>
             </a:pPr>
             <a:r>
-              <a:rPr lang="en-US" dirty="0" smtClean="0"/>
+              <a:rPr lang="en-US" dirty="0"/>
               <a:t>Remember how we update an RNN?</a:t>
             </a:r>
-            <a:endParaRPr lang="en-US" dirty="0"/>
           </a:p>
         </p:txBody>
       </p:sp>
@@ -24800,7 +24252,7 @@
             <a:p>
               <a:pPr lvl="0" algn="ctr"/>
               <a:r>
-                <a:rPr lang="en-US" sz="2800" dirty="0" err="1" smtClean="0">
+                <a:rPr lang="en-US" sz="2800" dirty="0" err="1">
                   <a:solidFill>
                     <a:srgbClr val="9DBFBE">
                       <a:lumMod val="50000"/>
@@ -24810,7 +24262,7 @@
                 <a:t>w</a:t>
               </a:r>
               <a:r>
-                <a:rPr lang="en-US" sz="2800" baseline="-25000" dirty="0" err="1" smtClean="0">
+                <a:rPr lang="en-US" sz="2800" baseline="-25000" dirty="0" err="1">
                   <a:solidFill>
                     <a:srgbClr val="9DBFBE">
                       <a:lumMod val="50000"/>
@@ -24856,7 +24308,7 @@
             <a:p>
               <a:pPr lvl="0" algn="ctr"/>
               <a:r>
-                <a:rPr lang="en-US" sz="2800" dirty="0" err="1" smtClean="0">
+                <a:rPr lang="en-US" sz="2800" dirty="0" err="1">
                   <a:solidFill>
                     <a:srgbClr val="9DBFBE">
                       <a:lumMod val="50000"/>
@@ -24866,7 +24318,7 @@
                 <a:t>w</a:t>
               </a:r>
               <a:r>
-                <a:rPr lang="en-US" sz="2800" baseline="-25000" dirty="0" err="1" smtClean="0">
+                <a:rPr lang="en-US" sz="2800" baseline="-25000" dirty="0" err="1">
                   <a:solidFill>
                     <a:srgbClr val="9DBFBE">
                       <a:lumMod val="50000"/>
@@ -24935,7 +24387,7 @@
             <a:p>
               <a:pPr algn="ctr"/>
               <a:r>
-                <a:rPr lang="en-US" sz="2800" dirty="0" smtClean="0">
+                <a:rPr lang="en-US" sz="2800" dirty="0">
                   <a:solidFill>
                     <a:schemeClr val="accent1">
                       <a:lumMod val="50000"/>
@@ -24945,7 +24397,7 @@
                 <a:t>x</a:t>
               </a:r>
               <a:r>
-                <a:rPr lang="en-US" sz="2800" baseline="-25000" dirty="0" smtClean="0">
+                <a:rPr lang="en-US" sz="2800" baseline="-25000" dirty="0">
                   <a:solidFill>
                     <a:schemeClr val="accent1">
                       <a:lumMod val="50000"/>
@@ -24954,13 +24406,6 @@
                 </a:rPr>
                 <a:t>1</a:t>
               </a:r>
-              <a:endParaRPr lang="en-US" sz="2800" baseline="-25000" dirty="0">
-                <a:solidFill>
-                  <a:schemeClr val="accent1">
-                    <a:lumMod val="50000"/>
-                  </a:schemeClr>
-                </a:solidFill>
-              </a:endParaRPr>
             </a:p>
           </p:txBody>
         </p:sp>
@@ -25011,7 +24456,7 @@
             <a:p>
               <a:pPr algn="ctr"/>
               <a:r>
-                <a:rPr lang="en-US" sz="2800" dirty="0" smtClean="0">
+                <a:rPr lang="en-US" sz="2800" dirty="0">
                   <a:solidFill>
                     <a:schemeClr val="accent1">
                       <a:lumMod val="50000"/>
@@ -25162,7 +24607,7 @@
             <a:p>
               <a:pPr algn="ctr"/>
               <a:r>
-                <a:rPr lang="en-US" sz="2800" dirty="0" smtClean="0">
+                <a:rPr lang="en-US" sz="2800" dirty="0">
                   <a:solidFill>
                     <a:schemeClr val="accent1">
                       <a:lumMod val="50000"/>
@@ -25172,7 +24617,7 @@
                 <a:t>h</a:t>
               </a:r>
               <a:r>
-                <a:rPr lang="en-US" sz="2800" baseline="-25000" dirty="0" smtClean="0">
+                <a:rPr lang="en-US" sz="2800" baseline="-25000" dirty="0">
                   <a:solidFill>
                     <a:schemeClr val="accent1">
                       <a:lumMod val="50000"/>
@@ -25181,13 +24626,6 @@
                 </a:rPr>
                 <a:t>1</a:t>
               </a:r>
-              <a:endParaRPr lang="en-US" sz="2800" baseline="-25000" dirty="0">
-                <a:solidFill>
-                  <a:schemeClr val="accent1">
-                    <a:lumMod val="50000"/>
-                  </a:schemeClr>
-                </a:solidFill>
-              </a:endParaRPr>
             </a:p>
           </p:txBody>
         </p:sp>
@@ -25269,7 +24707,7 @@
             <a:p>
               <a:pPr algn="ctr"/>
               <a:r>
-                <a:rPr lang="el-GR" sz="2800" dirty="0" smtClean="0"/>
+                <a:rPr lang="el-GR" sz="2800" dirty="0"/>
                 <a:t>σ</a:t>
               </a:r>
               <a:endParaRPr lang="en-US" sz="2800" dirty="0"/>
@@ -25315,7 +24753,7 @@
             <a:p>
               <a:pPr lvl="0" algn="ctr"/>
               <a:r>
-                <a:rPr lang="en-US" sz="2800" dirty="0" err="1" smtClean="0">
+                <a:rPr lang="en-US" sz="2800" dirty="0" err="1">
                   <a:solidFill>
                     <a:srgbClr val="9DBFBE">
                       <a:lumMod val="50000"/>
@@ -25325,7 +24763,7 @@
                 <a:t>w</a:t>
               </a:r>
               <a:r>
-                <a:rPr lang="en-US" sz="2800" baseline="-25000" dirty="0" err="1" smtClean="0">
+                <a:rPr lang="en-US" sz="2800" baseline="-25000" dirty="0" err="1">
                   <a:solidFill>
                     <a:srgbClr val="9DBFBE">
                       <a:lumMod val="50000"/>
@@ -25371,7 +24809,7 @@
             <a:p>
               <a:pPr lvl="0" algn="ctr"/>
               <a:r>
-                <a:rPr lang="en-US" sz="2800" dirty="0" err="1" smtClean="0">
+                <a:rPr lang="en-US" sz="2800" dirty="0" err="1">
                   <a:solidFill>
                     <a:srgbClr val="9DBFBE">
                       <a:lumMod val="50000"/>
@@ -25381,7 +24819,7 @@
                 <a:t>w</a:t>
               </a:r>
               <a:r>
-                <a:rPr lang="en-US" sz="2800" baseline="-25000" dirty="0" err="1" smtClean="0">
+                <a:rPr lang="en-US" sz="2800" baseline="-25000" dirty="0" err="1">
                   <a:solidFill>
                     <a:srgbClr val="9DBFBE">
                       <a:lumMod val="50000"/>
@@ -25450,7 +24888,7 @@
             <a:p>
               <a:pPr algn="ctr"/>
               <a:r>
-                <a:rPr lang="en-US" sz="2800" dirty="0" smtClean="0">
+                <a:rPr lang="en-US" sz="2800" dirty="0">
                   <a:solidFill>
                     <a:schemeClr val="accent1">
                       <a:lumMod val="50000"/>
@@ -25460,7 +24898,7 @@
                 <a:t>x</a:t>
               </a:r>
               <a:r>
-                <a:rPr lang="en-US" sz="2800" baseline="-25000" dirty="0" smtClean="0">
+                <a:rPr lang="en-US" sz="2800" baseline="-25000" dirty="0">
                   <a:solidFill>
                     <a:schemeClr val="accent1">
                       <a:lumMod val="50000"/>
@@ -25469,13 +24907,6 @@
                 </a:rPr>
                 <a:t>2</a:t>
               </a:r>
-              <a:endParaRPr lang="en-US" sz="2800" baseline="-25000" dirty="0">
-                <a:solidFill>
-                  <a:schemeClr val="accent1">
-                    <a:lumMod val="50000"/>
-                  </a:schemeClr>
-                </a:solidFill>
-              </a:endParaRPr>
             </a:p>
           </p:txBody>
         </p:sp>
@@ -25607,7 +25038,7 @@
             <a:p>
               <a:pPr algn="ctr"/>
               <a:r>
-                <a:rPr lang="en-US" sz="2800" dirty="0" smtClean="0">
+                <a:rPr lang="en-US" sz="2800" dirty="0">
                   <a:solidFill>
                     <a:schemeClr val="accent1">
                       <a:lumMod val="50000"/>
@@ -25617,7 +25048,7 @@
                 <a:t>h</a:t>
               </a:r>
               <a:r>
-                <a:rPr lang="en-US" sz="2800" baseline="-25000" dirty="0" smtClean="0">
+                <a:rPr lang="en-US" sz="2800" baseline="-25000" dirty="0">
                   <a:solidFill>
                     <a:schemeClr val="accent1">
                       <a:lumMod val="50000"/>
@@ -25626,13 +25057,6 @@
                 </a:rPr>
                 <a:t>2</a:t>
               </a:r>
-              <a:endParaRPr lang="en-US" sz="2800" baseline="-25000" dirty="0">
-                <a:solidFill>
-                  <a:schemeClr val="accent1">
-                    <a:lumMod val="50000"/>
-                  </a:schemeClr>
-                </a:solidFill>
-              </a:endParaRPr>
             </a:p>
           </p:txBody>
         </p:sp>
@@ -25714,7 +25138,7 @@
             <a:p>
               <a:pPr algn="ctr"/>
               <a:r>
-                <a:rPr lang="el-GR" sz="2800" dirty="0" smtClean="0"/>
+                <a:rPr lang="el-GR" sz="2800" dirty="0"/>
                 <a:t>σ</a:t>
               </a:r>
               <a:endParaRPr lang="en-US" sz="2800" dirty="0"/>
@@ -25760,7 +25184,7 @@
             <a:p>
               <a:pPr lvl="0" algn="ctr"/>
               <a:r>
-                <a:rPr lang="en-US" sz="2800" dirty="0" err="1" smtClean="0">
+                <a:rPr lang="en-US" sz="2800" dirty="0" err="1">
                   <a:solidFill>
                     <a:srgbClr val="9DBFBE">
                       <a:lumMod val="50000"/>
@@ -25770,7 +25194,7 @@
                 <a:t>w</a:t>
               </a:r>
               <a:r>
-                <a:rPr lang="en-US" sz="2800" baseline="-25000" dirty="0" err="1" smtClean="0">
+                <a:rPr lang="en-US" sz="2800" baseline="-25000" dirty="0" err="1">
                   <a:solidFill>
                     <a:srgbClr val="9DBFBE">
                       <a:lumMod val="50000"/>
@@ -25816,7 +25240,7 @@
             <a:p>
               <a:pPr lvl="0" algn="ctr"/>
               <a:r>
-                <a:rPr lang="en-US" sz="2800" dirty="0" err="1" smtClean="0">
+                <a:rPr lang="en-US" sz="2800" dirty="0" err="1">
                   <a:solidFill>
                     <a:srgbClr val="9DBFBE">
                       <a:lumMod val="50000"/>
@@ -25826,7 +25250,7 @@
                 <a:t>w</a:t>
               </a:r>
               <a:r>
-                <a:rPr lang="en-US" sz="2800" baseline="-25000" dirty="0" err="1" smtClean="0">
+                <a:rPr lang="en-US" sz="2800" baseline="-25000" dirty="0" err="1">
                   <a:solidFill>
                     <a:srgbClr val="9DBFBE">
                       <a:lumMod val="50000"/>
@@ -25895,7 +25319,7 @@
             <a:p>
               <a:pPr algn="ctr"/>
               <a:r>
-                <a:rPr lang="en-US" sz="2800" dirty="0" smtClean="0">
+                <a:rPr lang="en-US" sz="2800" dirty="0">
                   <a:solidFill>
                     <a:schemeClr val="accent1">
                       <a:lumMod val="50000"/>
@@ -25905,7 +25329,7 @@
                 <a:t>x</a:t>
               </a:r>
               <a:r>
-                <a:rPr lang="en-US" sz="2800" baseline="-25000" dirty="0" smtClean="0">
+                <a:rPr lang="en-US" sz="2800" baseline="-25000" dirty="0">
                   <a:solidFill>
                     <a:schemeClr val="accent1">
                       <a:lumMod val="50000"/>
@@ -25914,13 +25338,6 @@
                 </a:rPr>
                 <a:t>3</a:t>
               </a:r>
-              <a:endParaRPr lang="en-US" sz="2800" baseline="-25000" dirty="0">
-                <a:solidFill>
-                  <a:schemeClr val="accent1">
-                    <a:lumMod val="50000"/>
-                  </a:schemeClr>
-                </a:solidFill>
-              </a:endParaRPr>
             </a:p>
           </p:txBody>
         </p:sp>
@@ -26052,7 +25469,7 @@
             <a:p>
               <a:pPr algn="ctr"/>
               <a:r>
-                <a:rPr lang="en-US" sz="2800" dirty="0" smtClean="0">
+                <a:rPr lang="en-US" sz="2800" dirty="0">
                   <a:solidFill>
                     <a:schemeClr val="accent1">
                       <a:lumMod val="50000"/>
@@ -26152,7 +25569,7 @@
             <a:p>
               <a:pPr algn="ctr"/>
               <a:r>
-                <a:rPr lang="el-GR" sz="2800" dirty="0" smtClean="0"/>
+                <a:rPr lang="el-GR" sz="2800" dirty="0"/>
                 <a:t>σ</a:t>
               </a:r>
               <a:endParaRPr lang="en-US" sz="2800" dirty="0"/>
@@ -26221,7 +25638,7 @@
             <a:p>
               <a:pPr algn="ctr"/>
               <a:r>
-                <a:rPr lang="en-US" sz="2800" dirty="0" smtClean="0">
+                <a:rPr lang="en-US" sz="2800" dirty="0">
                   <a:solidFill>
                     <a:schemeClr val="accent1">
                       <a:lumMod val="50000"/>
@@ -26231,7 +25648,7 @@
                 <a:t>y</a:t>
               </a:r>
               <a:r>
-                <a:rPr lang="en-US" sz="2800" baseline="-25000" dirty="0" smtClean="0">
+                <a:rPr lang="en-US" sz="2800" baseline="-25000" dirty="0">
                   <a:solidFill>
                     <a:schemeClr val="accent1">
                       <a:lumMod val="50000"/>
@@ -26240,13 +25657,6 @@
                 </a:rPr>
                 <a:t>3</a:t>
               </a:r>
-              <a:endParaRPr lang="en-US" sz="2800" baseline="-25000" dirty="0">
-                <a:solidFill>
-                  <a:schemeClr val="accent1">
-                    <a:lumMod val="50000"/>
-                  </a:schemeClr>
-                </a:solidFill>
-              </a:endParaRPr>
             </a:p>
           </p:txBody>
         </p:sp>
@@ -26287,7 +25697,7 @@
             <a:p>
               <a:pPr algn="ctr"/>
               <a:r>
-                <a:rPr lang="en-US" i="1" dirty="0" err="1" smtClean="0"/>
+                <a:rPr lang="en-US" i="1" dirty="0" err="1"/>
                 <a:t>softmax</a:t>
               </a:r>
               <a:endParaRPr lang="en-US" i="1" dirty="0"/>
@@ -26400,7 +25810,7 @@
           <a:p>
             <a:pPr algn="ctr"/>
             <a:r>
-              <a:rPr lang="en-US" sz="4000" b="1" dirty="0" smtClean="0">
+              <a:rPr lang="en-US" sz="4000" b="1" dirty="0">
                 <a:solidFill>
                   <a:schemeClr val="accent1">
                     <a:lumMod val="50000"/>
@@ -26409,13 +25819,6 @@
               </a:rPr>
               <a:t>The</a:t>
             </a:r>
-            <a:endParaRPr lang="en-US" sz="4000" b="1" dirty="0">
-              <a:solidFill>
-                <a:schemeClr val="accent1">
-                  <a:lumMod val="50000"/>
-                </a:schemeClr>
-              </a:solidFill>
-            </a:endParaRPr>
           </a:p>
         </p:txBody>
       </p:sp>
@@ -26450,25 +25853,8 @@
                   </a:schemeClr>
                 </a:solidFill>
               </a:rPr>
-              <a:t>c</a:t>
-            </a:r>
-            <a:r>
-              <a:rPr lang="en-US" sz="4000" b="1" dirty="0" smtClean="0">
-                <a:solidFill>
-                  <a:schemeClr val="accent1">
-                    <a:lumMod val="50000"/>
-                  </a:schemeClr>
-                </a:solidFill>
-              </a:rPr>
-              <a:t>at</a:t>
-            </a:r>
-            <a:endParaRPr lang="en-US" sz="4000" b="1" dirty="0">
-              <a:solidFill>
-                <a:schemeClr val="accent1">
-                  <a:lumMod val="50000"/>
-                </a:schemeClr>
-              </a:solidFill>
-            </a:endParaRPr>
+              <a:t>cat</a:t>
+            </a:r>
           </a:p>
         </p:txBody>
       </p:sp>
@@ -26496,7 +25882,7 @@
           <a:p>
             <a:pPr algn="ctr"/>
             <a:r>
-              <a:rPr lang="en-US" sz="4000" b="1" dirty="0" smtClean="0">
+              <a:rPr lang="en-US" sz="4000" b="1" dirty="0">
                 <a:solidFill>
                   <a:schemeClr val="accent1">
                     <a:lumMod val="50000"/>
@@ -26505,13 +25891,6 @@
               </a:rPr>
               <a:t>sat</a:t>
             </a:r>
-            <a:endParaRPr lang="en-US" sz="4000" b="1" dirty="0">
-              <a:solidFill>
-                <a:schemeClr val="accent1">
-                  <a:lumMod val="50000"/>
-                </a:schemeClr>
-              </a:solidFill>
-            </a:endParaRPr>
           </a:p>
         </p:txBody>
       </p:sp>
@@ -26595,10 +25974,9 @@
           <a:p>
             <a:pPr algn="ctr"/>
             <a:r>
-              <a:rPr lang="en-US" sz="2800" b="1" dirty="0" smtClean="0"/>
+              <a:rPr lang="en-US" sz="2800" b="1" dirty="0"/>
               <a:t>Cost</a:t>
             </a:r>
-            <a:endParaRPr lang="en-US" sz="2800" b="1" dirty="0"/>
           </a:p>
         </p:txBody>
       </p:sp>
@@ -26626,7 +26004,7 @@
           <a:p>
             <a:pPr lvl="0" algn="ctr"/>
             <a:r>
-              <a:rPr lang="en-US" sz="2800" dirty="0" err="1" smtClean="0">
+              <a:rPr lang="en-US" sz="2800" dirty="0" err="1">
                 <a:solidFill>
                   <a:srgbClr val="9DBFBE">
                     <a:lumMod val="50000"/>
@@ -26636,7 +26014,7 @@
               <a:t>w</a:t>
             </a:r>
             <a:r>
-              <a:rPr lang="en-US" sz="2800" baseline="-25000" dirty="0" err="1" smtClean="0">
+              <a:rPr lang="en-US" sz="2800" baseline="-25000" dirty="0" err="1">
                 <a:solidFill>
                   <a:srgbClr val="9DBFBE">
                     <a:lumMod val="50000"/>
@@ -27656,18 +27034,17 @@
           <a:lstStyle/>
           <a:p>
             <a:r>
-              <a:rPr lang="en-US" dirty="0" smtClean="0"/>
+              <a:rPr lang="en-US" dirty="0"/>
               <a:t>[slides from Catherine </a:t>
             </a:r>
             <a:r>
-              <a:rPr lang="en-US" dirty="0" err="1" smtClean="0"/>
+              <a:rPr lang="en-US" dirty="0" err="1"/>
               <a:t>Finegan-Dollak</a:t>
             </a:r>
             <a:r>
-              <a:rPr lang="en-US" dirty="0" smtClean="0"/>
+              <a:rPr lang="en-US" dirty="0"/>
               <a:t>]</a:t>
             </a:r>
-            <a:endParaRPr lang="en-US" dirty="0"/>
           </a:p>
         </p:txBody>
       </p:sp>
@@ -27681,13 +27058,6 @@
   <p:clrMapOvr>
     <a:masterClrMapping/>
   </p:clrMapOvr>
-  <p:timing>
-    <p:tnLst>
-      <p:par>
-        <p:cTn id="1" dur="indefinite" restart="never" nodeType="tmRoot"/>
-      </p:par>
-    </p:tnLst>
-  </p:timing>
 </p:sld>
 </file>
 
@@ -27724,10 +27094,9 @@
           <a:lstStyle/>
           <a:p>
             <a:r>
-              <a:rPr lang="en-US" dirty="0" smtClean="0"/>
+              <a:rPr lang="en-US" dirty="0"/>
               <a:t>The Vanishing Gradient Problem</a:t>
             </a:r>
-            <a:endParaRPr lang="en-US" dirty="0"/>
           </a:p>
         </p:txBody>
       </p:sp>
@@ -27752,42 +27121,42 @@
           <a:lstStyle/>
           <a:p>
             <a:r>
-              <a:rPr lang="en-US" sz="4000" dirty="0" smtClean="0"/>
+              <a:rPr lang="en-US" sz="4000" dirty="0"/>
               <a:t>Deep neural networks use backpropagation.</a:t>
             </a:r>
           </a:p>
           <a:p>
             <a:r>
-              <a:rPr lang="en-US" sz="3600" dirty="0" smtClean="0"/>
+              <a:rPr lang="en-US" sz="3600" dirty="0"/>
               <a:t>Back propagation uses the chain rule.</a:t>
             </a:r>
           </a:p>
           <a:p>
             <a:r>
-              <a:rPr lang="en-US" sz="3200" dirty="0" smtClean="0"/>
+              <a:rPr lang="en-US" sz="3200" dirty="0"/>
               <a:t>The chain rule multiplies derivatives.</a:t>
             </a:r>
           </a:p>
           <a:p>
             <a:r>
-              <a:rPr lang="en-US" sz="2800" dirty="0" smtClean="0"/>
+              <a:rPr lang="en-US" sz="2800" dirty="0"/>
               <a:t>Often these derivatives between 0 and 1.</a:t>
             </a:r>
           </a:p>
           <a:p>
             <a:r>
-              <a:rPr lang="en-US" sz="2400" dirty="0" smtClean="0"/>
+              <a:rPr lang="en-US" sz="2400" dirty="0"/>
               <a:t>As the chain gets longer, products get smaller</a:t>
             </a:r>
           </a:p>
           <a:p>
             <a:r>
-              <a:rPr lang="en-US" sz="1600" dirty="0" smtClean="0"/>
+              <a:rPr lang="en-US" sz="1600" dirty="0"/>
               <a:t>until they disappear.</a:t>
             </a:r>
           </a:p>
           <a:p>
-            <a:endParaRPr lang="en-US" dirty="0" smtClean="0"/>
+            <a:endParaRPr lang="en-US" dirty="0"/>
           </a:p>
           <a:p>
             <a:endParaRPr lang="en-US" dirty="0"/>
@@ -27802,7 +27171,7 @@
         </p:nvGrpSpPr>
         <p:grpSpPr>
           <a:xfrm>
-            <a:off x="8213263" y="3105841"/>
+            <a:off x="8213263" y="4020241"/>
             <a:ext cx="3978737" cy="3353944"/>
             <a:chOff x="7141085" y="1845734"/>
             <a:chExt cx="3978737" cy="3353944"/>
@@ -27884,7 +27253,7 @@
               <a:lstStyle/>
               <a:p>
                 <a:r>
-                  <a:rPr lang="en-US" sz="1200" dirty="0" err="1" smtClean="0">
+                  <a:rPr lang="en-US" sz="1200" dirty="0" err="1">
                     <a:solidFill>
                       <a:schemeClr val="tx1">
                         <a:lumMod val="50000"/>
@@ -27929,10 +27298,9 @@
             <a:lstStyle/>
             <a:p>
               <a:r>
-                <a:rPr lang="en-US" sz="2000" dirty="0" smtClean="0"/>
+                <a:rPr lang="en-US" sz="2000" dirty="0"/>
                 <a:t>Derivative of sigmoid function</a:t>
               </a:r>
-              <a:endParaRPr lang="en-US" sz="2000" dirty="0"/>
             </a:p>
           </p:txBody>
         </p:sp>
@@ -27947,13 +27315,6 @@
   <p:clrMapOvr>
     <a:masterClrMapping/>
   </p:clrMapOvr>
-  <p:timing>
-    <p:tnLst>
-      <p:par>
-        <p:cTn id="1" dur="indefinite" restart="never" nodeType="tmRoot"/>
-      </p:par>
-    </p:tnLst>
-  </p:timing>
 </p:sld>
 </file>
 
@@ -27990,10 +27351,9 @@
           <a:lstStyle/>
           <a:p>
             <a:r>
-              <a:rPr lang="en-US" dirty="0" smtClean="0"/>
+              <a:rPr lang="en-US" dirty="0"/>
               <a:t>Or do they explode?</a:t>
             </a:r>
-            <a:endParaRPr lang="en-US" dirty="0"/>
           </a:p>
         </p:txBody>
       </p:sp>
@@ -28015,40 +27375,39 @@
           <a:lstStyle/>
           <a:p>
             <a:r>
-              <a:rPr lang="en-US" sz="2400" dirty="0" smtClean="0"/>
+              <a:rPr lang="en-US" sz="2400" dirty="0"/>
               <a:t>With gradients larger than 1,</a:t>
             </a:r>
           </a:p>
           <a:p>
             <a:r>
-              <a:rPr lang="en-US" sz="2800" dirty="0" smtClean="0"/>
+              <a:rPr lang="en-US" sz="2800" dirty="0"/>
               <a:t>you encounter the opposite problem</a:t>
             </a:r>
           </a:p>
           <a:p>
             <a:r>
-              <a:rPr lang="en-US" sz="3200" dirty="0" smtClean="0"/>
+              <a:rPr lang="en-US" sz="3200" dirty="0"/>
               <a:t>with products becoming larger and larger </a:t>
             </a:r>
           </a:p>
           <a:p>
             <a:r>
-              <a:rPr lang="en-US" sz="3600" dirty="0" smtClean="0"/>
+              <a:rPr lang="en-US" sz="3600" dirty="0"/>
               <a:t>as the chain becomes longer and longer,</a:t>
             </a:r>
           </a:p>
           <a:p>
             <a:r>
-              <a:rPr lang="en-US" sz="4000" dirty="0" smtClean="0"/>
+              <a:rPr lang="en-US" sz="4000" dirty="0"/>
               <a:t>causing overlarge updates to parameters.</a:t>
             </a:r>
           </a:p>
           <a:p>
             <a:r>
-              <a:rPr lang="en-US" sz="4600" dirty="0" smtClean="0"/>
+              <a:rPr lang="en-US" sz="4600" dirty="0"/>
               <a:t>This is the exploding gradient problem.</a:t>
             </a:r>
-            <a:endParaRPr lang="en-US" sz="4600" dirty="0"/>
           </a:p>
         </p:txBody>
       </p:sp>
@@ -28062,13 +27421,6 @@
   <p:clrMapOvr>
     <a:masterClrMapping/>
   </p:clrMapOvr>
-  <p:timing>
-    <p:tnLst>
-      <p:par>
-        <p:cTn id="1" dur="indefinite" restart="never" nodeType="tmRoot"/>
-      </p:par>
-    </p:tnLst>
-  </p:timing>
 </p:sld>
 </file>
 
@@ -28105,17 +27457,16 @@
           <a:lstStyle/>
           <a:p>
             <a:r>
-              <a:rPr lang="en-US" dirty="0" smtClean="0"/>
+              <a:rPr lang="en-US" dirty="0"/>
               <a:t>Vanishing/Exploding Gradients </a:t>
             </a:r>
             <a:br>
-              <a:rPr lang="en-US" dirty="0" smtClean="0"/>
+              <a:rPr lang="en-US" dirty="0"/>
             </a:br>
             <a:r>
-              <a:rPr lang="en-US" dirty="0" smtClean="0"/>
+              <a:rPr lang="en-US" dirty="0"/>
               <a:t>Are Bad.</a:t>
             </a:r>
-            <a:endParaRPr lang="en-US" dirty="0"/>
           </a:p>
         </p:txBody>
       </p:sp>
@@ -28137,15 +27488,15 @@
           <a:lstStyle/>
           <a:p>
             <a:r>
-              <a:rPr lang="en-US" sz="2800" dirty="0" smtClean="0"/>
+              <a:rPr lang="en-US" sz="2800" dirty="0"/>
               <a:t>If we cannot </a:t>
             </a:r>
             <a:r>
-              <a:rPr lang="en-US" sz="2800" dirty="0" err="1" smtClean="0"/>
+              <a:rPr lang="en-US" sz="2800" dirty="0" err="1"/>
               <a:t>backpropagate</a:t>
             </a:r>
             <a:r>
-              <a:rPr lang="en-US" sz="2800" dirty="0" smtClean="0"/>
+              <a:rPr lang="en-US" sz="2800" dirty="0"/>
               <a:t> very far through the network, the network cannot learn long-term dependencies. </a:t>
             </a:r>
           </a:p>
@@ -28155,7 +27506,7 @@
           <a:p>
             <a:pPr algn="ctr"/>
             <a:r>
-              <a:rPr lang="en-US" sz="2800" dirty="0" smtClean="0"/>
+              <a:rPr lang="en-US" sz="2800" dirty="0"/>
               <a:t>My dog [chase/chases] squirrels.</a:t>
             </a:r>
           </a:p>
@@ -28164,17 +27515,16 @@
               <a:buNone/>
             </a:pPr>
             <a:r>
-              <a:rPr lang="en-US" sz="2800" dirty="0" smtClean="0"/>
+              <a:rPr lang="en-US" sz="2800" dirty="0"/>
               <a:t>vs.</a:t>
             </a:r>
           </a:p>
           <a:p>
             <a:pPr algn="ctr"/>
             <a:r>
-              <a:rPr lang="en-US" sz="2800" dirty="0" smtClean="0"/>
+              <a:rPr lang="en-US" sz="2800" dirty="0"/>
               <a:t>My dog, whom I adopted in 2009, [chase/chases] squirrels. </a:t>
             </a:r>
-            <a:endParaRPr lang="en-US" sz="2800" dirty="0"/>
           </a:p>
         </p:txBody>
       </p:sp>
@@ -28297,13 +27647,6 @@
   <p:clrMapOvr>
     <a:masterClrMapping/>
   </p:clrMapOvr>
-  <p:timing>
-    <p:tnLst>
-      <p:par>
-        <p:cTn id="1" dur="indefinite" restart="never" nodeType="tmRoot"/>
-      </p:par>
-    </p:tnLst>
-  </p:timing>
 </p:sld>
 </file>
 
@@ -28340,10 +27683,9 @@
           <a:lstStyle/>
           <a:p>
             <a:r>
-              <a:rPr lang="en-US" dirty="0" smtClean="0"/>
+              <a:rPr lang="en-US" dirty="0"/>
               <a:t>LSTM Solution</a:t>
             </a:r>
-            <a:endParaRPr lang="en-US" dirty="0"/>
           </a:p>
         </p:txBody>
       </p:sp>
@@ -28378,19 +27720,7 @@
             </a:pPr>
             <a:r>
               <a:rPr lang="en-US" sz="3200" dirty="0"/>
-              <a:t>Use </a:t>
-            </a:r>
-            <a:r>
-              <a:rPr lang="en-US" sz="3200" dirty="0" smtClean="0"/>
-              <a:t>memory cell to </a:t>
-            </a:r>
-            <a:r>
-              <a:rPr lang="en-US" sz="3200" dirty="0"/>
-              <a:t>store information at each time </a:t>
-            </a:r>
-            <a:r>
-              <a:rPr lang="en-US" sz="3200" dirty="0" smtClean="0"/>
-              <a:t>step.</a:t>
+              <a:t>Use memory cell to store information at each time step.</a:t>
             </a:r>
           </a:p>
           <a:p>
@@ -28402,16 +27732,8 @@
               <a:buChar char="§"/>
             </a:pPr>
             <a:r>
-              <a:rPr lang="en-US" sz="3200" dirty="0" smtClean="0"/>
-              <a:t>Use “gates” </a:t>
-            </a:r>
-            <a:r>
               <a:rPr lang="en-US" sz="3200" dirty="0"/>
-              <a:t>to control the flow of information through the </a:t>
-            </a:r>
-            <a:r>
-              <a:rPr lang="en-US" sz="3200" dirty="0" smtClean="0"/>
-              <a:t>network.</a:t>
+              <a:t>Use “gates” to control the flow of information through the network.</a:t>
             </a:r>
           </a:p>
           <a:p>
@@ -28423,7 +27745,7 @@
               <a:buChar char="§"/>
             </a:pPr>
             <a:r>
-              <a:rPr lang="en-US" sz="3000" dirty="0" smtClean="0"/>
+              <a:rPr lang="en-US" sz="3000" dirty="0"/>
               <a:t>Input gate: protect the current step from irrelevant inputs</a:t>
             </a:r>
           </a:p>
@@ -28436,7 +27758,7 @@
               <a:buChar char="§"/>
             </a:pPr>
             <a:r>
-              <a:rPr lang="en-US" sz="3000" dirty="0" smtClean="0"/>
+              <a:rPr lang="en-US" sz="3000" dirty="0"/>
               <a:t>Output gate: prevent the current step from passing irrelevant outputs to later steps</a:t>
             </a:r>
           </a:p>
@@ -28449,7 +27771,7 @@
               <a:buChar char="§"/>
             </a:pPr>
             <a:r>
-              <a:rPr lang="en-US" sz="3000" dirty="0" smtClean="0"/>
+              <a:rPr lang="en-US" sz="3000" dirty="0"/>
               <a:t>Forget gate: limit information passed from one cell to the next</a:t>
             </a:r>
           </a:p>
@@ -28475,13 +27797,6 @@
   <p:clrMapOvr>
     <a:masterClrMapping/>
   </p:clrMapOvr>
-  <p:timing>
-    <p:tnLst>
-      <p:par>
-        <p:cTn id="1" dur="indefinite" restart="never" nodeType="tmRoot"/>
-      </p:par>
-    </p:tnLst>
-  </p:timing>
 </p:sld>
 </file>
 
@@ -28518,10 +27833,9 @@
           <a:lstStyle/>
           <a:p>
             <a:r>
-              <a:rPr lang="en-US" dirty="0" smtClean="0"/>
+              <a:rPr lang="en-US" dirty="0"/>
               <a:t>Transforming RNN to LSTM</a:t>
             </a:r>
-            <a:endParaRPr lang="en-US" dirty="0"/>
           </a:p>
         </p:txBody>
       </p:sp>
@@ -28586,7 +27900,7 @@
                   </m:oMath>
                 </a14:m>
                 <a:r>
-                  <a:rPr lang="en-US" sz="2400" dirty="0" smtClean="0"/>
+                  <a:rPr lang="en-US" sz="2400" dirty="0"/>
                   <a:t> </a:t>
                 </a:r>
                 <a14:m>
@@ -28822,7 +28136,7 @@
             <a:p>
               <a:pPr lvl="0" algn="ctr"/>
               <a:r>
-                <a:rPr lang="en-US" sz="2800" dirty="0" err="1" smtClean="0">
+                <a:rPr lang="en-US" sz="2800" dirty="0" err="1">
                   <a:solidFill>
                     <a:srgbClr val="9DBFBE">
                       <a:lumMod val="50000"/>
@@ -28832,7 +28146,7 @@
                 <a:t>w</a:t>
               </a:r>
               <a:r>
-                <a:rPr lang="en-US" sz="2800" baseline="-25000" dirty="0" err="1" smtClean="0">
+                <a:rPr lang="en-US" sz="2800" baseline="-25000" dirty="0" err="1">
                   <a:solidFill>
                     <a:srgbClr val="9DBFBE">
                       <a:lumMod val="50000"/>
@@ -28878,7 +28192,7 @@
             <a:p>
               <a:pPr lvl="0" algn="ctr"/>
               <a:r>
-                <a:rPr lang="en-US" sz="2800" dirty="0" err="1" smtClean="0">
+                <a:rPr lang="en-US" sz="2800" dirty="0" err="1">
                   <a:solidFill>
                     <a:srgbClr val="9DBFBE">
                       <a:lumMod val="50000"/>
@@ -28888,7 +28202,7 @@
                 <a:t>w</a:t>
               </a:r>
               <a:r>
-                <a:rPr lang="en-US" sz="2800" baseline="-25000" dirty="0" err="1" smtClean="0">
+                <a:rPr lang="en-US" sz="2800" baseline="-25000" dirty="0" err="1">
                   <a:solidFill>
                     <a:srgbClr val="9DBFBE">
                       <a:lumMod val="50000"/>
@@ -28957,7 +28271,7 @@
             <a:p>
               <a:pPr algn="ctr"/>
               <a:r>
-                <a:rPr lang="en-US" sz="2800" dirty="0" smtClean="0">
+                <a:rPr lang="en-US" sz="2800" dirty="0">
                   <a:solidFill>
                     <a:schemeClr val="accent1">
                       <a:lumMod val="50000"/>
@@ -28967,7 +28281,7 @@
                 <a:t>x</a:t>
               </a:r>
               <a:r>
-                <a:rPr lang="en-US" sz="2800" baseline="-25000" dirty="0" smtClean="0">
+                <a:rPr lang="en-US" sz="2800" baseline="-25000" dirty="0">
                   <a:solidFill>
                     <a:schemeClr val="accent1">
                       <a:lumMod val="50000"/>
@@ -28976,13 +28290,6 @@
                 </a:rPr>
                 <a:t>1</a:t>
               </a:r>
-              <a:endParaRPr lang="en-US" sz="2800" baseline="-25000" dirty="0">
-                <a:solidFill>
-                  <a:schemeClr val="accent1">
-                    <a:lumMod val="50000"/>
-                  </a:schemeClr>
-                </a:solidFill>
-              </a:endParaRPr>
             </a:p>
           </p:txBody>
         </p:sp>
@@ -29033,7 +28340,7 @@
             <a:p>
               <a:pPr algn="ctr"/>
               <a:r>
-                <a:rPr lang="en-US" sz="2800" dirty="0" smtClean="0">
+                <a:rPr lang="en-US" sz="2800" dirty="0">
                   <a:solidFill>
                     <a:schemeClr val="accent1">
                       <a:lumMod val="50000"/>
@@ -29194,7 +28501,7 @@
                 <a:t>u</a:t>
               </a:r>
               <a:r>
-                <a:rPr lang="en-US" sz="2800" baseline="-25000" dirty="0" smtClean="0">
+                <a:rPr lang="en-US" sz="2800" baseline="-25000" dirty="0">
                   <a:solidFill>
                     <a:schemeClr val="accent1">
                       <a:lumMod val="50000"/>
@@ -29203,13 +28510,6 @@
                 </a:rPr>
                 <a:t>1</a:t>
               </a:r>
-              <a:endParaRPr lang="en-US" sz="2800" baseline="-25000" dirty="0">
-                <a:solidFill>
-                  <a:schemeClr val="accent1">
-                    <a:lumMod val="50000"/>
-                  </a:schemeClr>
-                </a:solidFill>
-              </a:endParaRPr>
             </a:p>
           </p:txBody>
         </p:sp>
@@ -29313,13 +28613,6 @@
   <p:clrMapOvr>
     <a:masterClrMapping/>
   </p:clrMapOvr>
-  <p:timing>
-    <p:tnLst>
-      <p:par>
-        <p:cTn id="1" dur="indefinite" restart="never" nodeType="tmRoot"/>
-      </p:par>
-    </p:tnLst>
-  </p:timing>
 </p:sld>
 </file>
 
@@ -29356,10 +28649,9 @@
           <a:lstStyle/>
           <a:p>
             <a:r>
-              <a:rPr lang="en-US" dirty="0" smtClean="0"/>
+              <a:rPr lang="en-US" dirty="0"/>
               <a:t>Transforming RNN to LSTM</a:t>
             </a:r>
-            <a:endParaRPr lang="en-US" dirty="0"/>
           </a:p>
         </p:txBody>
       </p:sp>
@@ -29401,7 +28693,7 @@
             <a:p>
               <a:pPr lvl="0" algn="ctr"/>
               <a:r>
-                <a:rPr lang="en-US" sz="2800" dirty="0" err="1" smtClean="0">
+                <a:rPr lang="en-US" sz="2800" dirty="0" err="1">
                   <a:solidFill>
                     <a:srgbClr val="9DBFBE">
                       <a:lumMod val="50000"/>
@@ -29411,7 +28703,7 @@
                 <a:t>w</a:t>
               </a:r>
               <a:r>
-                <a:rPr lang="en-US" sz="2800" baseline="-25000" dirty="0" err="1" smtClean="0">
+                <a:rPr lang="en-US" sz="2800" baseline="-25000" dirty="0" err="1">
                   <a:solidFill>
                     <a:srgbClr val="9DBFBE">
                       <a:lumMod val="50000"/>
@@ -29457,7 +28749,7 @@
             <a:p>
               <a:pPr lvl="0" algn="ctr"/>
               <a:r>
-                <a:rPr lang="en-US" sz="2800" dirty="0" err="1" smtClean="0">
+                <a:rPr lang="en-US" sz="2800" dirty="0" err="1">
                   <a:solidFill>
                     <a:srgbClr val="9DBFBE">
                       <a:lumMod val="50000"/>
@@ -29467,7 +28759,7 @@
                 <a:t>w</a:t>
               </a:r>
               <a:r>
-                <a:rPr lang="en-US" sz="2800" baseline="-25000" dirty="0" err="1" smtClean="0">
+                <a:rPr lang="en-US" sz="2800" baseline="-25000" dirty="0" err="1">
                   <a:solidFill>
                     <a:srgbClr val="9DBFBE">
                       <a:lumMod val="50000"/>
@@ -29536,7 +28828,7 @@
             <a:p>
               <a:pPr algn="ctr"/>
               <a:r>
-                <a:rPr lang="en-US" sz="2800" dirty="0" smtClean="0">
+                <a:rPr lang="en-US" sz="2800" dirty="0">
                   <a:solidFill>
                     <a:schemeClr val="accent1">
                       <a:lumMod val="50000"/>
@@ -29546,7 +28838,7 @@
                 <a:t>x</a:t>
               </a:r>
               <a:r>
-                <a:rPr lang="en-US" sz="2800" baseline="-25000" dirty="0" smtClean="0">
+                <a:rPr lang="en-US" sz="2800" baseline="-25000" dirty="0">
                   <a:solidFill>
                     <a:schemeClr val="accent1">
                       <a:lumMod val="50000"/>
@@ -29555,13 +28847,6 @@
                 </a:rPr>
                 <a:t>1</a:t>
               </a:r>
-              <a:endParaRPr lang="en-US" sz="2800" baseline="-25000" dirty="0">
-                <a:solidFill>
-                  <a:schemeClr val="accent1">
-                    <a:lumMod val="50000"/>
-                  </a:schemeClr>
-                </a:solidFill>
-              </a:endParaRPr>
             </a:p>
           </p:txBody>
         </p:sp>
@@ -29612,7 +28897,7 @@
             <a:p>
               <a:pPr algn="ctr"/>
               <a:r>
-                <a:rPr lang="en-US" sz="2800" dirty="0" smtClean="0">
+                <a:rPr lang="en-US" sz="2800" dirty="0">
                   <a:solidFill>
                     <a:schemeClr val="accent1">
                       <a:lumMod val="50000"/>
@@ -29773,7 +29058,7 @@
                 <a:t>u</a:t>
               </a:r>
               <a:r>
-                <a:rPr lang="en-US" sz="2800" baseline="-25000" dirty="0" smtClean="0">
+                <a:rPr lang="en-US" sz="2800" baseline="-25000" dirty="0">
                   <a:solidFill>
                     <a:schemeClr val="accent1">
                       <a:lumMod val="50000"/>
@@ -29782,13 +29067,6 @@
                 </a:rPr>
                 <a:t>1</a:t>
               </a:r>
-              <a:endParaRPr lang="en-US" sz="2800" baseline="-25000" dirty="0">
-                <a:solidFill>
-                  <a:schemeClr val="accent1">
-                    <a:lumMod val="50000"/>
-                  </a:schemeClr>
-                </a:solidFill>
-              </a:endParaRPr>
             </a:p>
           </p:txBody>
         </p:sp>
@@ -29939,7 +29217,7 @@
               <a:t>c</a:t>
             </a:r>
             <a:r>
-              <a:rPr lang="en-US" sz="2800" baseline="-25000" dirty="0" smtClean="0">
+              <a:rPr lang="en-US" sz="2800" baseline="-25000" dirty="0">
                 <a:solidFill>
                   <a:schemeClr val="accent1">
                     <a:lumMod val="50000"/>
@@ -29948,13 +29226,6 @@
               </a:rPr>
               <a:t>0</a:t>
             </a:r>
-            <a:endParaRPr lang="en-US" sz="2800" baseline="-25000" dirty="0">
-              <a:solidFill>
-                <a:schemeClr val="accent1">
-                  <a:lumMod val="50000"/>
-                </a:schemeClr>
-              </a:solidFill>
-            </a:endParaRPr>
           </a:p>
         </p:txBody>
       </p:sp>
@@ -29968,13 +29239,6 @@
   <p:clrMapOvr>
     <a:masterClrMapping/>
   </p:clrMapOvr>
-  <p:timing>
-    <p:tnLst>
-      <p:par>
-        <p:cTn id="1" dur="indefinite" restart="never" nodeType="tmRoot"/>
-      </p:par>
-    </p:tnLst>
-  </p:timing>
 </p:sld>
 </file>
 
